--- a/project_07_ppt.pptx
+++ b/project_07_ppt.pptx
@@ -6,10 +6,10 @@
   </p:sldMasterIdLst>
   <p:sldIdLst>
     <p:sldId id="256" r:id="rId2"/>
-    <p:sldId id="274" r:id="rId3"/>
-    <p:sldId id="258" r:id="rId4"/>
-    <p:sldId id="273" r:id="rId5"/>
-    <p:sldId id="260" r:id="rId6"/>
+    <p:sldId id="278" r:id="rId3"/>
+    <p:sldId id="279" r:id="rId4"/>
+    <p:sldId id="280" r:id="rId5"/>
+    <p:sldId id="276" r:id="rId6"/>
     <p:sldId id="261" r:id="rId7"/>
     <p:sldId id="262" r:id="rId8"/>
     <p:sldId id="263" r:id="rId9"/>
@@ -17,7 +17,7 @@
     <p:sldId id="265" r:id="rId11"/>
     <p:sldId id="266" r:id="rId12"/>
     <p:sldId id="267" r:id="rId13"/>
-    <p:sldId id="268" r:id="rId14"/>
+    <p:sldId id="275" r:id="rId14"/>
     <p:sldId id="269" r:id="rId15"/>
   </p:sldIdLst>
   <p:sldSz cx="18288000" cy="10287000"/>
@@ -136,6 +136,18 @@
 </p:presentation>
 </file>
 
+<file path=ppt/commentAuthors.xml><?xml version="1.0" encoding="utf-8"?>
+<p:cmAuthorLst xmlns:a="http://schemas.openxmlformats.org/drawingml/2006/main" xmlns:r="http://schemas.openxmlformats.org/officeDocument/2006/relationships" xmlns:p="http://schemas.openxmlformats.org/presentationml/2006/main">
+  <p:cmAuthor id="1" name="505" initials="5" lastIdx="0" clrIdx="0">
+    <p:extLst>
+      <p:ext uri="{19B8F6BF-5375-455C-9EA6-DF929625EA0E}">
+        <p15:presenceInfo xmlns:p15="http://schemas.microsoft.com/office/powerpoint/2012/main" userId="505" providerId="None"/>
+      </p:ext>
+    </p:extLst>
+  </p:cmAuthor>
+</p:cmAuthorLst>
+</file>
+
 <file path=ppt/slideLayouts/slideLayout1.xml><?xml version="1.0" encoding="utf-8"?>
 <p:sldLayout xmlns:a="http://schemas.openxmlformats.org/drawingml/2006/main" xmlns:r="http://schemas.openxmlformats.org/officeDocument/2006/relationships" xmlns:p="http://schemas.openxmlformats.org/presentationml/2006/main" type="title" preserve="1">
   <p:cSld name="Title Slide">
@@ -317,7 +329,7 @@
           <a:p>
             <a:fld id="{F8166F1F-CE9B-4651-A6AA-CD717754106B}" type="datetimeFigureOut">
               <a:rPr lang="en-US" smtClean="0"/>
-              <a:t>7/22/2022</a:t>
+              <a:t>7/25/2022</a:t>
             </a:fld>
             <a:endParaRPr lang="en-US"/>
           </a:p>
@@ -482,7 +494,7 @@
           <a:p>
             <a:fld id="{A76116CE-C4A3-4A05-B2D7-7C2E9A889C0F}" type="datetimeFigureOut">
               <a:rPr lang="en-US" smtClean="0"/>
-              <a:t>7/22/2022</a:t>
+              <a:t>7/25/2022</a:t>
             </a:fld>
             <a:endParaRPr lang="en-US"/>
           </a:p>
@@ -657,7 +669,7 @@
           <a:p>
             <a:fld id="{A76116CE-C4A3-4A05-B2D7-7C2E9A889C0F}" type="datetimeFigureOut">
               <a:rPr lang="en-US" smtClean="0"/>
-              <a:t>7/22/2022</a:t>
+              <a:t>7/25/2022</a:t>
             </a:fld>
             <a:endParaRPr lang="en-US"/>
           </a:p>
@@ -824,7 +836,7 @@
           <a:p>
             <a:fld id="{A76116CE-C4A3-4A05-B2D7-7C2E9A889C0F}" type="datetimeFigureOut">
               <a:rPr lang="en-US" smtClean="0"/>
-              <a:t>7/22/2022</a:t>
+              <a:t>7/25/2022</a:t>
             </a:fld>
             <a:endParaRPr lang="en-US"/>
           </a:p>
@@ -1065,7 +1077,7 @@
           <a:p>
             <a:fld id="{A76116CE-C4A3-4A05-B2D7-7C2E9A889C0F}" type="datetimeFigureOut">
               <a:rPr lang="en-US" smtClean="0"/>
-              <a:t>7/22/2022</a:t>
+              <a:t>7/25/2022</a:t>
             </a:fld>
             <a:endParaRPr lang="en-US"/>
           </a:p>
@@ -1348,7 +1360,7 @@
           <a:p>
             <a:fld id="{A76116CE-C4A3-4A05-B2D7-7C2E9A889C0F}" type="datetimeFigureOut">
               <a:rPr lang="en-US" smtClean="0"/>
-              <a:t>7/22/2022</a:t>
+              <a:t>7/25/2022</a:t>
             </a:fld>
             <a:endParaRPr lang="en-US"/>
           </a:p>
@@ -1765,7 +1777,7 @@
           <a:p>
             <a:fld id="{A76116CE-C4A3-4A05-B2D7-7C2E9A889C0F}" type="datetimeFigureOut">
               <a:rPr lang="en-US" smtClean="0"/>
-              <a:t>7/22/2022</a:t>
+              <a:t>7/25/2022</a:t>
             </a:fld>
             <a:endParaRPr lang="en-US"/>
           </a:p>
@@ -1878,7 +1890,7 @@
           <a:p>
             <a:fld id="{A76116CE-C4A3-4A05-B2D7-7C2E9A889C0F}" type="datetimeFigureOut">
               <a:rPr lang="en-US" smtClean="0"/>
-              <a:t>7/22/2022</a:t>
+              <a:t>7/25/2022</a:t>
             </a:fld>
             <a:endParaRPr lang="en-US"/>
           </a:p>
@@ -1968,7 +1980,7 @@
           <a:p>
             <a:fld id="{A76116CE-C4A3-4A05-B2D7-7C2E9A889C0F}" type="datetimeFigureOut">
               <a:rPr lang="en-US" smtClean="0"/>
-              <a:t>7/22/2022</a:t>
+              <a:t>7/25/2022</a:t>
             </a:fld>
             <a:endParaRPr lang="en-US"/>
           </a:p>
@@ -2240,7 +2252,7 @@
           <a:p>
             <a:fld id="{A76116CE-C4A3-4A05-B2D7-7C2E9A889C0F}" type="datetimeFigureOut">
               <a:rPr lang="en-US" smtClean="0"/>
-              <a:t>7/22/2022</a:t>
+              <a:t>7/25/2022</a:t>
             </a:fld>
             <a:endParaRPr lang="en-US"/>
           </a:p>
@@ -2488,7 +2500,7 @@
           <a:p>
             <a:fld id="{A76116CE-C4A3-4A05-B2D7-7C2E9A889C0F}" type="datetimeFigureOut">
               <a:rPr lang="en-US" smtClean="0"/>
-              <a:t>7/22/2022</a:t>
+              <a:t>7/25/2022</a:t>
             </a:fld>
             <a:endParaRPr lang="en-US"/>
           </a:p>
@@ -2696,7 +2708,7 @@
           <a:p>
             <a:fld id="{F8166F1F-CE9B-4651-A6AA-CD717754106B}" type="datetimeFigureOut">
               <a:rPr lang="en-US" smtClean="0"/>
-              <a:t>7/22/2022</a:t>
+              <a:t>7/25/2022</a:t>
             </a:fld>
             <a:endParaRPr lang="en-US"/>
           </a:p>
@@ -3296,11 +3308,57 @@
           </a:prstGeom>
         </p:spPr>
       </p:pic>
+      <p:grpSp>
+        <p:nvGrpSpPr>
+          <p:cNvPr id="14" name="그룹 1003"/>
+          <p:cNvGrpSpPr/>
+          <p:nvPr/>
+        </p:nvGrpSpPr>
+        <p:grpSpPr>
+          <a:xfrm>
+            <a:off x="677031" y="5144143"/>
+            <a:ext cx="2165950" cy="5142857"/>
+            <a:chOff x="1457552" y="5142857"/>
+            <a:chExt cx="2165950" cy="5142857"/>
+          </a:xfrm>
+        </p:grpSpPr>
+        <p:pic>
+          <p:nvPicPr>
+            <p:cNvPr id="15" name="Object 14"/>
+            <p:cNvPicPr>
+              <a:picLocks noChangeAspect="1"/>
+            </p:cNvPicPr>
+            <p:nvPr/>
+          </p:nvPicPr>
+          <p:blipFill>
+            <a:blip r:embed="rId9" cstate="print"/>
+            <a:stretch>
+              <a:fillRect/>
+            </a:stretch>
+          </p:blipFill>
+          <p:spPr>
+            <a:xfrm>
+              <a:off x="1457552" y="5142857"/>
+              <a:ext cx="2165950" cy="5142857"/>
+            </a:xfrm>
+            <a:prstGeom prst="rect">
+              <a:avLst/>
+            </a:prstGeom>
+          </p:spPr>
+        </p:pic>
+      </p:grpSp>
     </p:spTree>
   </p:cSld>
   <p:clrMapOvr>
     <a:masterClrMapping/>
   </p:clrMapOvr>
+  <p:timing>
+    <p:tnLst>
+      <p:par>
+        <p:cTn id="1" dur="indefinite" restart="never" nodeType="tmRoot"/>
+      </p:par>
+    </p:tnLst>
+  </p:timing>
 </p:sld>
 </file>
 
@@ -3329,86 +3387,77 @@
           <a:chExt cx="0" cy="0"/>
         </a:xfrm>
       </p:grpSpPr>
-      <p:pic>
-        <p:nvPicPr>
-          <p:cNvPr id="2" name="Object 1"/>
-          <p:cNvPicPr>
-            <a:picLocks noChangeAspect="1"/>
-          </p:cNvPicPr>
-          <p:nvPr/>
-        </p:nvPicPr>
-        <p:blipFill>
-          <a:blip r:embed="rId2" cstate="print"/>
-          <a:stretch>
-            <a:fillRect/>
-          </a:stretch>
-        </p:blipFill>
-        <p:spPr>
-          <a:xfrm>
-            <a:off x="1421593" y="1138098"/>
-            <a:ext cx="450975" cy="478856"/>
-          </a:xfrm>
-          <a:prstGeom prst="rect">
-            <a:avLst/>
-          </a:prstGeom>
-        </p:spPr>
-      </p:pic>
-      <p:pic>
-        <p:nvPicPr>
-          <p:cNvPr id="3" name="Object 2"/>
-          <p:cNvPicPr>
-            <a:picLocks noChangeAspect="1"/>
-          </p:cNvPicPr>
-          <p:nvPr/>
-        </p:nvPicPr>
-        <p:blipFill>
-          <a:blip r:embed="rId3" cstate="print"/>
-          <a:stretch>
-            <a:fillRect/>
-          </a:stretch>
-        </p:blipFill>
-        <p:spPr>
-          <a:xfrm>
-            <a:off x="17502763" y="9561429"/>
-            <a:ext cx="411806" cy="398273"/>
-          </a:xfrm>
-          <a:prstGeom prst="rect">
-            <a:avLst/>
-          </a:prstGeom>
-        </p:spPr>
-      </p:pic>
       <p:grpSp>
         <p:nvGrpSpPr>
-          <p:cNvPr id="1001" name="그룹 1001"/>
+          <p:cNvPr id="9" name="그룹 1002"/>
           <p:cNvGrpSpPr/>
           <p:nvPr/>
         </p:nvGrpSpPr>
         <p:grpSpPr>
           <a:xfrm>
-            <a:off x="2138445" y="1283810"/>
-            <a:ext cx="13486045" cy="110187"/>
-            <a:chOff x="2138445" y="1283810"/>
-            <a:chExt cx="13486045" cy="110187"/>
+            <a:off x="15906782" y="0"/>
+            <a:ext cx="2378932" cy="2378932"/>
+            <a:chOff x="15906782" y="0"/>
+            <a:chExt cx="2378932" cy="2378932"/>
           </a:xfrm>
         </p:grpSpPr>
         <p:pic>
           <p:nvPicPr>
-            <p:cNvPr id="5" name="Object 4"/>
+            <p:cNvPr id="10" name="Object 8"/>
             <p:cNvPicPr>
               <a:picLocks noChangeAspect="1"/>
             </p:cNvPicPr>
             <p:nvPr/>
           </p:nvPicPr>
           <p:blipFill>
-            <a:blip r:embed="rId4" cstate="print"/>
+            <a:blip r:embed="rId2" cstate="print"/>
             <a:stretch>
               <a:fillRect/>
             </a:stretch>
           </p:blipFill>
           <p:spPr>
             <a:xfrm>
-              <a:off x="2138445" y="1283810"/>
-              <a:ext cx="13486045" cy="110187"/>
+              <a:off x="15906782" y="0"/>
+              <a:ext cx="2378932" cy="2378932"/>
+            </a:xfrm>
+            <a:prstGeom prst="rect">
+              <a:avLst/>
+            </a:prstGeom>
+          </p:spPr>
+        </p:pic>
+      </p:grpSp>
+      <p:grpSp>
+        <p:nvGrpSpPr>
+          <p:cNvPr id="11" name="그룹 1001"/>
+          <p:cNvGrpSpPr/>
+          <p:nvPr/>
+        </p:nvGrpSpPr>
+        <p:grpSpPr>
+          <a:xfrm>
+            <a:off x="2419543" y="1283810"/>
+            <a:ext cx="13204946" cy="110187"/>
+            <a:chOff x="2419543" y="1283810"/>
+            <a:chExt cx="13204946" cy="110187"/>
+          </a:xfrm>
+        </p:grpSpPr>
+        <p:pic>
+          <p:nvPicPr>
+            <p:cNvPr id="12" name="Object 3"/>
+            <p:cNvPicPr>
+              <a:picLocks noChangeAspect="1"/>
+            </p:cNvPicPr>
+            <p:nvPr/>
+          </p:nvPicPr>
+          <p:blipFill>
+            <a:blip r:embed="rId3" cstate="print"/>
+            <a:stretch>
+              <a:fillRect/>
+            </a:stretch>
+          </p:blipFill>
+          <p:spPr>
+            <a:xfrm>
+              <a:off x="2419543" y="1283810"/>
+              <a:ext cx="13204946" cy="110187"/>
             </a:xfrm>
             <a:prstGeom prst="rect">
               <a:avLst/>
@@ -3418,7 +3467,31 @@
       </p:grpSp>
       <p:pic>
         <p:nvPicPr>
-          <p:cNvPr id="7" name="Object 6"/>
+          <p:cNvPr id="13" name="Object 6"/>
+          <p:cNvPicPr>
+            <a:picLocks noChangeAspect="1"/>
+          </p:cNvPicPr>
+          <p:nvPr/>
+        </p:nvPicPr>
+        <p:blipFill>
+          <a:blip r:embed="rId4" cstate="print"/>
+          <a:stretch>
+            <a:fillRect/>
+          </a:stretch>
+        </p:blipFill>
+        <p:spPr>
+          <a:xfrm>
+            <a:off x="6747189" y="-155878"/>
+            <a:ext cx="3608201" cy="1671684"/>
+          </a:xfrm>
+          <a:prstGeom prst="rect">
+            <a:avLst/>
+          </a:prstGeom>
+        </p:spPr>
+      </p:pic>
+      <p:pic>
+        <p:nvPicPr>
+          <p:cNvPr id="14" name="Object 1"/>
           <p:cNvPicPr>
             <a:picLocks noChangeAspect="1"/>
           </p:cNvPicPr>
@@ -3432,8 +3505,8 @@
         </p:blipFill>
         <p:spPr>
           <a:xfrm>
-            <a:off x="6747189" y="-155878"/>
-            <a:ext cx="3608524" cy="1682855"/>
+            <a:off x="1421593" y="1138098"/>
+            <a:ext cx="450975" cy="478856"/>
           </a:xfrm>
           <a:prstGeom prst="rect">
             <a:avLst/>
@@ -3442,7 +3515,7 @@
       </p:pic>
       <p:pic>
         <p:nvPicPr>
-          <p:cNvPr id="8" name="Object 7"/>
+          <p:cNvPr id="15" name="Object 2"/>
           <p:cNvPicPr>
             <a:picLocks noChangeAspect="1"/>
           </p:cNvPicPr>
@@ -3456,6 +3529,30 @@
         </p:blipFill>
         <p:spPr>
           <a:xfrm>
+            <a:off x="17502763" y="9561429"/>
+            <a:ext cx="411797" cy="398273"/>
+          </a:xfrm>
+          <a:prstGeom prst="rect">
+            <a:avLst/>
+          </a:prstGeom>
+        </p:spPr>
+      </p:pic>
+      <p:pic>
+        <p:nvPicPr>
+          <p:cNvPr id="16" name="Object 7"/>
+          <p:cNvPicPr>
+            <a:picLocks noChangeAspect="1"/>
+          </p:cNvPicPr>
+          <p:nvPr/>
+        </p:nvPicPr>
+        <p:blipFill>
+          <a:blip r:embed="rId7" cstate="print"/>
+          <a:stretch>
+            <a:fillRect/>
+          </a:stretch>
+        </p:blipFill>
+        <p:spPr>
+          <a:xfrm>
             <a:off x="510247" y="9561429"/>
             <a:ext cx="416244" cy="398273"/>
           </a:xfrm>
@@ -3469,6 +3566,13 @@
   <p:clrMapOvr>
     <a:masterClrMapping/>
   </p:clrMapOvr>
+  <p:timing>
+    <p:tnLst>
+      <p:par>
+        <p:cTn id="1" dur="indefinite" restart="never" nodeType="tmRoot"/>
+      </p:par>
+    </p:tnLst>
+  </p:timing>
 </p:sld>
 </file>
 
@@ -3497,110 +3601,77 @@
           <a:chExt cx="0" cy="0"/>
         </a:xfrm>
       </p:grpSpPr>
-      <p:pic>
-        <p:nvPicPr>
-          <p:cNvPr id="2" name="Object 1"/>
-          <p:cNvPicPr>
-            <a:picLocks noChangeAspect="1"/>
-          </p:cNvPicPr>
-          <p:nvPr/>
-        </p:nvPicPr>
-        <p:blipFill>
-          <a:blip r:embed="rId2" cstate="print"/>
-          <a:stretch>
-            <a:fillRect/>
-          </a:stretch>
-        </p:blipFill>
-        <p:spPr>
-          <a:xfrm>
-            <a:off x="1421593" y="1138098"/>
-            <a:ext cx="463689" cy="478856"/>
-          </a:xfrm>
-          <a:prstGeom prst="rect">
-            <a:avLst/>
-          </a:prstGeom>
-        </p:spPr>
-      </p:pic>
-      <p:pic>
-        <p:nvPicPr>
-          <p:cNvPr id="3" name="Object 2"/>
-          <p:cNvPicPr>
-            <a:picLocks noChangeAspect="1"/>
-          </p:cNvPicPr>
-          <p:nvPr/>
-        </p:nvPicPr>
-        <p:blipFill>
-          <a:blip r:embed="rId3" cstate="print"/>
-          <a:stretch>
-            <a:fillRect/>
-          </a:stretch>
-        </p:blipFill>
-        <p:spPr>
-          <a:xfrm>
-            <a:off x="17493239" y="9561429"/>
-            <a:ext cx="411397" cy="398273"/>
-          </a:xfrm>
-          <a:prstGeom prst="rect">
-            <a:avLst/>
-          </a:prstGeom>
-        </p:spPr>
-      </p:pic>
-      <p:pic>
-        <p:nvPicPr>
-          <p:cNvPr id="4" name="Object 3"/>
-          <p:cNvPicPr>
-            <a:picLocks noChangeAspect="1"/>
-          </p:cNvPicPr>
-          <p:nvPr/>
-        </p:nvPicPr>
-        <p:blipFill>
-          <a:blip r:embed="rId4" cstate="print"/>
-          <a:stretch>
-            <a:fillRect/>
-          </a:stretch>
-        </p:blipFill>
-        <p:spPr>
-          <a:xfrm>
-            <a:off x="515008" y="9561429"/>
-            <a:ext cx="407302" cy="398273"/>
-          </a:xfrm>
-          <a:prstGeom prst="rect">
-            <a:avLst/>
-          </a:prstGeom>
-        </p:spPr>
-      </p:pic>
       <p:grpSp>
         <p:nvGrpSpPr>
-          <p:cNvPr id="1001" name="그룹 1001"/>
+          <p:cNvPr id="9" name="그룹 1002"/>
           <p:cNvGrpSpPr/>
           <p:nvPr/>
         </p:nvGrpSpPr>
         <p:grpSpPr>
           <a:xfrm>
-            <a:off x="2138445" y="1283810"/>
-            <a:ext cx="13486045" cy="110187"/>
-            <a:chOff x="2138445" y="1283810"/>
-            <a:chExt cx="13486045" cy="110187"/>
+            <a:off x="15906782" y="0"/>
+            <a:ext cx="2378932" cy="2378932"/>
+            <a:chOff x="15906782" y="0"/>
+            <a:chExt cx="2378932" cy="2378932"/>
           </a:xfrm>
         </p:grpSpPr>
         <p:pic>
           <p:nvPicPr>
-            <p:cNvPr id="6" name="Object 5"/>
+            <p:cNvPr id="10" name="Object 8"/>
             <p:cNvPicPr>
               <a:picLocks noChangeAspect="1"/>
             </p:cNvPicPr>
             <p:nvPr/>
           </p:nvPicPr>
           <p:blipFill>
-            <a:blip r:embed="rId5" cstate="print"/>
+            <a:blip r:embed="rId2" cstate="print"/>
             <a:stretch>
               <a:fillRect/>
             </a:stretch>
           </p:blipFill>
           <p:spPr>
             <a:xfrm>
-              <a:off x="2138445" y="1283810"/>
-              <a:ext cx="13486045" cy="110187"/>
+              <a:off x="15906782" y="0"/>
+              <a:ext cx="2378932" cy="2378932"/>
+            </a:xfrm>
+            <a:prstGeom prst="rect">
+              <a:avLst/>
+            </a:prstGeom>
+          </p:spPr>
+        </p:pic>
+      </p:grpSp>
+      <p:grpSp>
+        <p:nvGrpSpPr>
+          <p:cNvPr id="11" name="그룹 1001"/>
+          <p:cNvGrpSpPr/>
+          <p:nvPr/>
+        </p:nvGrpSpPr>
+        <p:grpSpPr>
+          <a:xfrm>
+            <a:off x="2419543" y="1283810"/>
+            <a:ext cx="13204946" cy="110187"/>
+            <a:chOff x="2419543" y="1283810"/>
+            <a:chExt cx="13204946" cy="110187"/>
+          </a:xfrm>
+        </p:grpSpPr>
+        <p:pic>
+          <p:nvPicPr>
+            <p:cNvPr id="12" name="Object 3"/>
+            <p:cNvPicPr>
+              <a:picLocks noChangeAspect="1"/>
+            </p:cNvPicPr>
+            <p:nvPr/>
+          </p:nvPicPr>
+          <p:blipFill>
+            <a:blip r:embed="rId3" cstate="print"/>
+            <a:stretch>
+              <a:fillRect/>
+            </a:stretch>
+          </p:blipFill>
+          <p:spPr>
+            <a:xfrm>
+              <a:off x="2419543" y="1283810"/>
+              <a:ext cx="13204946" cy="110187"/>
             </a:xfrm>
             <a:prstGeom prst="rect">
               <a:avLst/>
@@ -3610,7 +3681,55 @@
       </p:grpSp>
       <p:pic>
         <p:nvPicPr>
-          <p:cNvPr id="8" name="Object 7"/>
+          <p:cNvPr id="13" name="Object 7"/>
+          <p:cNvPicPr>
+            <a:picLocks noChangeAspect="1"/>
+          </p:cNvPicPr>
+          <p:nvPr/>
+        </p:nvPicPr>
+        <p:blipFill>
+          <a:blip r:embed="rId4" cstate="print"/>
+          <a:stretch>
+            <a:fillRect/>
+          </a:stretch>
+        </p:blipFill>
+        <p:spPr>
+          <a:xfrm>
+            <a:off x="6389027" y="-155878"/>
+            <a:ext cx="5236153" cy="1690731"/>
+          </a:xfrm>
+          <a:prstGeom prst="rect">
+            <a:avLst/>
+          </a:prstGeom>
+        </p:spPr>
+      </p:pic>
+      <p:pic>
+        <p:nvPicPr>
+          <p:cNvPr id="14" name="Object 1"/>
+          <p:cNvPicPr>
+            <a:picLocks noChangeAspect="1"/>
+          </p:cNvPicPr>
+          <p:nvPr/>
+        </p:nvPicPr>
+        <p:blipFill>
+          <a:blip r:embed="rId5" cstate="print"/>
+          <a:stretch>
+            <a:fillRect/>
+          </a:stretch>
+        </p:blipFill>
+        <p:spPr>
+          <a:xfrm>
+            <a:off x="1421593" y="1138098"/>
+            <a:ext cx="463689" cy="478856"/>
+          </a:xfrm>
+          <a:prstGeom prst="rect">
+            <a:avLst/>
+          </a:prstGeom>
+        </p:spPr>
+      </p:pic>
+      <p:pic>
+        <p:nvPicPr>
+          <p:cNvPr id="15" name="Object 2"/>
           <p:cNvPicPr>
             <a:picLocks noChangeAspect="1"/>
           </p:cNvPicPr>
@@ -3624,8 +3743,32 @@
         </p:blipFill>
         <p:spPr>
           <a:xfrm>
-            <a:off x="6389027" y="-155878"/>
-            <a:ext cx="5236382" cy="1701903"/>
+            <a:off x="17493239" y="9561429"/>
+            <a:ext cx="411397" cy="398273"/>
+          </a:xfrm>
+          <a:prstGeom prst="rect">
+            <a:avLst/>
+          </a:prstGeom>
+        </p:spPr>
+      </p:pic>
+      <p:pic>
+        <p:nvPicPr>
+          <p:cNvPr id="16" name="Object 3"/>
+          <p:cNvPicPr>
+            <a:picLocks noChangeAspect="1"/>
+          </p:cNvPicPr>
+          <p:nvPr/>
+        </p:nvPicPr>
+        <p:blipFill>
+          <a:blip r:embed="rId7" cstate="print"/>
+          <a:stretch>
+            <a:fillRect/>
+          </a:stretch>
+        </p:blipFill>
+        <p:spPr>
+          <a:xfrm>
+            <a:off x="515008" y="9561429"/>
+            <a:ext cx="407302" cy="398273"/>
           </a:xfrm>
           <a:prstGeom prst="rect">
             <a:avLst/>
@@ -3637,6 +3780,13 @@
   <p:clrMapOvr>
     <a:masterClrMapping/>
   </p:clrMapOvr>
+  <p:timing>
+    <p:tnLst>
+      <p:par>
+        <p:cTn id="1" dur="indefinite" restart="never" nodeType="tmRoot"/>
+      </p:par>
+    </p:tnLst>
+  </p:timing>
 </p:sld>
 </file>
 
@@ -3665,110 +3815,77 @@
           <a:chExt cx="0" cy="0"/>
         </a:xfrm>
       </p:grpSpPr>
-      <p:pic>
-        <p:nvPicPr>
-          <p:cNvPr id="2" name="Object 1"/>
-          <p:cNvPicPr>
-            <a:picLocks noChangeAspect="1"/>
-          </p:cNvPicPr>
-          <p:nvPr/>
-        </p:nvPicPr>
-        <p:blipFill>
-          <a:blip r:embed="rId2" cstate="print"/>
-          <a:stretch>
-            <a:fillRect/>
-          </a:stretch>
-        </p:blipFill>
-        <p:spPr>
-          <a:xfrm>
-            <a:off x="1421593" y="1138098"/>
-            <a:ext cx="460965" cy="478856"/>
-          </a:xfrm>
-          <a:prstGeom prst="rect">
-            <a:avLst/>
-          </a:prstGeom>
-        </p:spPr>
-      </p:pic>
-      <p:pic>
-        <p:nvPicPr>
-          <p:cNvPr id="3" name="Object 2"/>
-          <p:cNvPicPr>
-            <a:picLocks noChangeAspect="1"/>
-          </p:cNvPicPr>
-          <p:nvPr/>
-        </p:nvPicPr>
-        <p:blipFill>
-          <a:blip r:embed="rId3" cstate="print"/>
-          <a:stretch>
-            <a:fillRect/>
-          </a:stretch>
-        </p:blipFill>
-        <p:spPr>
-          <a:xfrm>
-            <a:off x="17493239" y="9561429"/>
-            <a:ext cx="390321" cy="452244"/>
-          </a:xfrm>
-          <a:prstGeom prst="rect">
-            <a:avLst/>
-          </a:prstGeom>
-        </p:spPr>
-      </p:pic>
-      <p:pic>
-        <p:nvPicPr>
-          <p:cNvPr id="4" name="Object 3"/>
-          <p:cNvPicPr>
-            <a:picLocks noChangeAspect="1"/>
-          </p:cNvPicPr>
-          <p:nvPr/>
-        </p:nvPicPr>
-        <p:blipFill>
-          <a:blip r:embed="rId4" cstate="print"/>
-          <a:stretch>
-            <a:fillRect/>
-          </a:stretch>
-        </p:blipFill>
-        <p:spPr>
-          <a:xfrm>
-            <a:off x="515008" y="9561429"/>
-            <a:ext cx="411797" cy="398273"/>
-          </a:xfrm>
-          <a:prstGeom prst="rect">
-            <a:avLst/>
-          </a:prstGeom>
-        </p:spPr>
-      </p:pic>
       <p:grpSp>
         <p:nvGrpSpPr>
-          <p:cNvPr id="1001" name="그룹 1001"/>
+          <p:cNvPr id="12" name="그룹 1002"/>
           <p:cNvGrpSpPr/>
           <p:nvPr/>
         </p:nvGrpSpPr>
         <p:grpSpPr>
           <a:xfrm>
-            <a:off x="2138445" y="1283810"/>
-            <a:ext cx="13486045" cy="110187"/>
-            <a:chOff x="2138445" y="1283810"/>
-            <a:chExt cx="13486045" cy="110187"/>
+            <a:off x="15906782" y="0"/>
+            <a:ext cx="2378932" cy="2378932"/>
+            <a:chOff x="15906782" y="0"/>
+            <a:chExt cx="2378932" cy="2378932"/>
           </a:xfrm>
         </p:grpSpPr>
         <p:pic>
           <p:nvPicPr>
-            <p:cNvPr id="6" name="Object 5"/>
+            <p:cNvPr id="13" name="Object 8"/>
             <p:cNvPicPr>
               <a:picLocks noChangeAspect="1"/>
             </p:cNvPicPr>
             <p:nvPr/>
           </p:nvPicPr>
           <p:blipFill>
-            <a:blip r:embed="rId5" cstate="print"/>
+            <a:blip r:embed="rId2" cstate="print"/>
             <a:stretch>
               <a:fillRect/>
             </a:stretch>
           </p:blipFill>
           <p:spPr>
             <a:xfrm>
-              <a:off x="2138445" y="1283810"/>
-              <a:ext cx="13486045" cy="110187"/>
+              <a:off x="15906782" y="0"/>
+              <a:ext cx="2378932" cy="2378932"/>
+            </a:xfrm>
+            <a:prstGeom prst="rect">
+              <a:avLst/>
+            </a:prstGeom>
+          </p:spPr>
+        </p:pic>
+      </p:grpSp>
+      <p:grpSp>
+        <p:nvGrpSpPr>
+          <p:cNvPr id="14" name="그룹 1001"/>
+          <p:cNvGrpSpPr/>
+          <p:nvPr/>
+        </p:nvGrpSpPr>
+        <p:grpSpPr>
+          <a:xfrm>
+            <a:off x="2419543" y="1283810"/>
+            <a:ext cx="13204946" cy="110187"/>
+            <a:chOff x="2419543" y="1283810"/>
+            <a:chExt cx="13204946" cy="110187"/>
+          </a:xfrm>
+        </p:grpSpPr>
+        <p:pic>
+          <p:nvPicPr>
+            <p:cNvPr id="15" name="Object 3"/>
+            <p:cNvPicPr>
+              <a:picLocks noChangeAspect="1"/>
+            </p:cNvPicPr>
+            <p:nvPr/>
+          </p:nvPicPr>
+          <p:blipFill>
+            <a:blip r:embed="rId3" cstate="print"/>
+            <a:stretch>
+              <a:fillRect/>
+            </a:stretch>
+          </p:blipFill>
+          <p:spPr>
+            <a:xfrm>
+              <a:off x="2419543" y="1283810"/>
+              <a:ext cx="13204946" cy="110187"/>
             </a:xfrm>
             <a:prstGeom prst="rect">
               <a:avLst/>
@@ -3778,7 +3895,55 @@
       </p:grpSp>
       <p:pic>
         <p:nvPicPr>
-          <p:cNvPr id="8" name="Object 7"/>
+          <p:cNvPr id="16" name="Object 7"/>
+          <p:cNvPicPr>
+            <a:picLocks noChangeAspect="1"/>
+          </p:cNvPicPr>
+          <p:nvPr/>
+        </p:nvPicPr>
+        <p:blipFill>
+          <a:blip r:embed="rId4" cstate="print"/>
+          <a:stretch>
+            <a:fillRect/>
+          </a:stretch>
+        </p:blipFill>
+        <p:spPr>
+          <a:xfrm>
+            <a:off x="6058199" y="-155878"/>
+            <a:ext cx="5199477" cy="1690732"/>
+          </a:xfrm>
+          <a:prstGeom prst="rect">
+            <a:avLst/>
+          </a:prstGeom>
+        </p:spPr>
+      </p:pic>
+      <p:pic>
+        <p:nvPicPr>
+          <p:cNvPr id="17" name="Object 1"/>
+          <p:cNvPicPr>
+            <a:picLocks noChangeAspect="1"/>
+          </p:cNvPicPr>
+          <p:nvPr/>
+        </p:nvPicPr>
+        <p:blipFill>
+          <a:blip r:embed="rId5" cstate="print"/>
+          <a:stretch>
+            <a:fillRect/>
+          </a:stretch>
+        </p:blipFill>
+        <p:spPr>
+          <a:xfrm>
+            <a:off x="1421593" y="1138098"/>
+            <a:ext cx="460965" cy="478856"/>
+          </a:xfrm>
+          <a:prstGeom prst="rect">
+            <a:avLst/>
+          </a:prstGeom>
+        </p:spPr>
+      </p:pic>
+      <p:pic>
+        <p:nvPicPr>
+          <p:cNvPr id="18" name="Object 2"/>
           <p:cNvPicPr>
             <a:picLocks noChangeAspect="1"/>
           </p:cNvPicPr>
@@ -3792,8 +3957,32 @@
         </p:blipFill>
         <p:spPr>
           <a:xfrm>
-            <a:off x="6389027" y="-155878"/>
-            <a:ext cx="5190515" cy="1701903"/>
+            <a:off x="17493239" y="9561429"/>
+            <a:ext cx="411397" cy="398273"/>
+          </a:xfrm>
+          <a:prstGeom prst="rect">
+            <a:avLst/>
+          </a:prstGeom>
+        </p:spPr>
+      </p:pic>
+      <p:pic>
+        <p:nvPicPr>
+          <p:cNvPr id="19" name="Object 3"/>
+          <p:cNvPicPr>
+            <a:picLocks noChangeAspect="1"/>
+          </p:cNvPicPr>
+          <p:nvPr/>
+        </p:nvPicPr>
+        <p:blipFill>
+          <a:blip r:embed="rId7" cstate="print"/>
+          <a:stretch>
+            <a:fillRect/>
+          </a:stretch>
+        </p:blipFill>
+        <p:spPr>
+          <a:xfrm>
+            <a:off x="515008" y="9561429"/>
+            <a:ext cx="407302" cy="398273"/>
           </a:xfrm>
           <a:prstGeom prst="rect">
             <a:avLst/>
@@ -3805,20 +3994,19 @@
   <p:clrMapOvr>
     <a:masterClrMapping/>
   </p:clrMapOvr>
+  <p:timing>
+    <p:tnLst>
+      <p:par>
+        <p:cTn id="1" dur="indefinite" restart="never" nodeType="tmRoot"/>
+      </p:par>
+    </p:tnLst>
+  </p:timing>
 </p:sld>
 </file>
 
 <file path=ppt/slides/slide13.xml><?xml version="1.0" encoding="utf-8"?>
 <p:sld xmlns:a="http://schemas.openxmlformats.org/drawingml/2006/main" xmlns:r="http://schemas.openxmlformats.org/officeDocument/2006/relationships" xmlns:p="http://schemas.openxmlformats.org/presentationml/2006/main">
-  <p:cSld name="Slide 13">
-    <p:bg>
-      <p:bgPr>
-        <a:solidFill>
-          <a:srgbClr val="FFFFFF"/>
-        </a:solidFill>
-        <a:effectLst/>
-      </p:bgPr>
-    </p:bg>
+  <p:cSld>
     <p:spTree>
       <p:nvGrpSpPr>
         <p:cNvPr id="1" name=""/>
@@ -3833,33 +4021,48 @@
           <a:chExt cx="0" cy="0"/>
         </a:xfrm>
       </p:grpSpPr>
+      <p:grpSp>
+        <p:nvGrpSpPr>
+          <p:cNvPr id="1002" name="그룹 1002"/>
+          <p:cNvGrpSpPr/>
+          <p:nvPr/>
+        </p:nvGrpSpPr>
+        <p:grpSpPr>
+          <a:xfrm>
+            <a:off x="2381152" y="3165003"/>
+            <a:ext cx="6120000" cy="1800000"/>
+            <a:chOff x="2194173" y="2879105"/>
+            <a:chExt cx="6687295" cy="1715831"/>
+          </a:xfrm>
+        </p:grpSpPr>
+        <p:pic>
+          <p:nvPicPr>
+            <p:cNvPr id="9" name="Object 8"/>
+            <p:cNvPicPr>
+              <a:picLocks noChangeAspect="1"/>
+            </p:cNvPicPr>
+            <p:nvPr/>
+          </p:nvPicPr>
+          <p:blipFill>
+            <a:blip r:embed="rId2" cstate="print"/>
+            <a:stretch>
+              <a:fillRect/>
+            </a:stretch>
+          </p:blipFill>
+          <p:spPr>
+            <a:xfrm>
+              <a:off x="2194173" y="2879105"/>
+              <a:ext cx="6687295" cy="1715831"/>
+            </a:xfrm>
+            <a:prstGeom prst="rect">
+              <a:avLst/>
+            </a:prstGeom>
+          </p:spPr>
+        </p:pic>
+      </p:grpSp>
       <p:pic>
         <p:nvPicPr>
-          <p:cNvPr id="2" name="Object 1"/>
-          <p:cNvPicPr>
-            <a:picLocks noChangeAspect="1"/>
-          </p:cNvPicPr>
-          <p:nvPr/>
-        </p:nvPicPr>
-        <p:blipFill>
-          <a:blip r:embed="rId2" cstate="print"/>
-          <a:stretch>
-            <a:fillRect/>
-          </a:stretch>
-        </p:blipFill>
-        <p:spPr>
-          <a:xfrm>
-            <a:off x="1421593" y="1138098"/>
-            <a:ext cx="416003" cy="478856"/>
-          </a:xfrm>
-          <a:prstGeom prst="rect">
-            <a:avLst/>
-          </a:prstGeom>
-        </p:spPr>
-      </p:pic>
-      <p:pic>
-        <p:nvPicPr>
-          <p:cNvPr id="3" name="Object 2"/>
+          <p:cNvPr id="11" name="Object 10"/>
           <p:cNvPicPr>
             <a:picLocks noChangeAspect="1"/>
           </p:cNvPicPr>
@@ -3873,32 +4076,8 @@
         </p:blipFill>
         <p:spPr>
           <a:xfrm>
-            <a:off x="482805" y="9561429"/>
-            <a:ext cx="411397" cy="398273"/>
-          </a:xfrm>
-          <a:prstGeom prst="rect">
-            <a:avLst/>
-          </a:prstGeom>
-        </p:spPr>
-      </p:pic>
-      <p:pic>
-        <p:nvPicPr>
-          <p:cNvPr id="4" name="Object 3"/>
-          <p:cNvPicPr>
-            <a:picLocks noChangeAspect="1"/>
-          </p:cNvPicPr>
-          <p:nvPr/>
-        </p:nvPicPr>
-        <p:blipFill>
-          <a:blip r:embed="rId4" cstate="print"/>
-          <a:stretch>
-            <a:fillRect/>
-          </a:stretch>
-        </p:blipFill>
-        <p:spPr>
-          <a:xfrm>
-            <a:off x="7173287" y="-155878"/>
-            <a:ext cx="3444686" cy="1701903"/>
+            <a:off x="3016640" y="3727559"/>
+            <a:ext cx="4156647" cy="554485"/>
           </a:xfrm>
           <a:prstGeom prst="rect">
             <a:avLst/>
@@ -3907,21 +4086,60 @@
       </p:pic>
       <p:grpSp>
         <p:nvGrpSpPr>
-          <p:cNvPr id="1001" name="그룹 1001"/>
+          <p:cNvPr id="1003" name="그룹 1003"/>
           <p:cNvGrpSpPr/>
           <p:nvPr/>
         </p:nvGrpSpPr>
         <p:grpSpPr>
           <a:xfrm>
-            <a:off x="1653467" y="2044057"/>
-            <a:ext cx="4008097" cy="4321330"/>
-            <a:chOff x="1653467" y="2044057"/>
-            <a:chExt cx="4008097" cy="4321330"/>
+            <a:off x="15988889" y="1479002"/>
+            <a:ext cx="1711365" cy="2167314"/>
+            <a:chOff x="15988888" y="1479002"/>
+            <a:chExt cx="1711365" cy="2167314"/>
           </a:xfrm>
         </p:grpSpPr>
         <p:pic>
           <p:nvPicPr>
-            <p:cNvPr id="6" name="Object 5"/>
+            <p:cNvPr id="13" name="Object 12"/>
+            <p:cNvPicPr>
+              <a:picLocks noChangeAspect="1"/>
+            </p:cNvPicPr>
+            <p:nvPr/>
+          </p:nvPicPr>
+          <p:blipFill>
+            <a:blip r:embed="rId4" cstate="print"/>
+            <a:stretch>
+              <a:fillRect/>
+            </a:stretch>
+          </p:blipFill>
+          <p:spPr>
+            <a:xfrm>
+              <a:off x="15988888" y="1479002"/>
+              <a:ext cx="1711365" cy="2167314"/>
+            </a:xfrm>
+            <a:prstGeom prst="rect">
+              <a:avLst/>
+            </a:prstGeom>
+          </p:spPr>
+        </p:pic>
+      </p:grpSp>
+      <p:grpSp>
+        <p:nvGrpSpPr>
+          <p:cNvPr id="1004" name="그룹 1004"/>
+          <p:cNvGrpSpPr/>
+          <p:nvPr/>
+        </p:nvGrpSpPr>
+        <p:grpSpPr>
+          <a:xfrm>
+            <a:off x="9278195" y="4781828"/>
+            <a:ext cx="6120000" cy="1800000"/>
+            <a:chOff x="9413534" y="4830475"/>
+            <a:chExt cx="6445786" cy="1664803"/>
+          </a:xfrm>
+        </p:grpSpPr>
+        <p:pic>
+          <p:nvPicPr>
+            <p:cNvPr id="16" name="Object 15"/>
             <p:cNvPicPr>
               <a:picLocks noChangeAspect="1"/>
             </p:cNvPicPr>
@@ -3935,8 +4153,8 @@
           </p:blipFill>
           <p:spPr>
             <a:xfrm>
-              <a:off x="1653467" y="2044057"/>
-              <a:ext cx="4008097" cy="4321330"/>
+              <a:off x="9413534" y="4830475"/>
+              <a:ext cx="6445786" cy="1664803"/>
             </a:xfrm>
             <a:prstGeom prst="rect">
               <a:avLst/>
@@ -3946,7 +4164,7 @@
       </p:grpSp>
       <p:pic>
         <p:nvPicPr>
-          <p:cNvPr id="8" name="Object 7"/>
+          <p:cNvPr id="18" name="Object 17"/>
           <p:cNvPicPr>
             <a:picLocks noChangeAspect="1"/>
           </p:cNvPicPr>
@@ -3960,8 +4178,8 @@
         </p:blipFill>
         <p:spPr>
           <a:xfrm>
-            <a:off x="2403812" y="6404573"/>
-            <a:ext cx="2421048" cy="985286"/>
+            <a:off x="10150762" y="5228127"/>
+            <a:ext cx="4118009" cy="572942"/>
           </a:xfrm>
           <a:prstGeom prst="rect">
             <a:avLst/>
@@ -3970,75 +4188,36 @@
       </p:pic>
       <p:grpSp>
         <p:nvGrpSpPr>
-          <p:cNvPr id="1002" name="그룹 1002"/>
+          <p:cNvPr id="1005" name="그룹 1005"/>
           <p:cNvGrpSpPr/>
           <p:nvPr/>
         </p:nvGrpSpPr>
         <p:grpSpPr>
           <a:xfrm>
-            <a:off x="7569454" y="2044057"/>
-            <a:ext cx="4008097" cy="4321330"/>
-            <a:chOff x="7569454" y="2044057"/>
-            <a:chExt cx="4008097" cy="4321330"/>
+            <a:off x="9278195" y="7636097"/>
+            <a:ext cx="6120000" cy="1800000"/>
+            <a:chOff x="9413534" y="7636097"/>
+            <a:chExt cx="6241031" cy="1691646"/>
           </a:xfrm>
         </p:grpSpPr>
         <p:pic>
           <p:nvPicPr>
-            <p:cNvPr id="10" name="Object 9"/>
+            <p:cNvPr id="20" name="Object 19"/>
             <p:cNvPicPr>
               <a:picLocks noChangeAspect="1"/>
             </p:cNvPicPr>
             <p:nvPr/>
           </p:nvPicPr>
           <p:blipFill>
-            <a:blip r:embed="rId5" cstate="print"/>
+            <a:blip r:embed="rId7" cstate="print"/>
             <a:stretch>
               <a:fillRect/>
             </a:stretch>
           </p:blipFill>
           <p:spPr>
             <a:xfrm>
-              <a:off x="7569454" y="2044057"/>
-              <a:ext cx="4008097" cy="4321330"/>
-            </a:xfrm>
-            <a:prstGeom prst="rect">
-              <a:avLst/>
-            </a:prstGeom>
-          </p:spPr>
-        </p:pic>
-      </p:grpSp>
-      <p:grpSp>
-        <p:nvGrpSpPr>
-          <p:cNvPr id="1003" name="그룹 1003"/>
-          <p:cNvGrpSpPr/>
-          <p:nvPr/>
-        </p:nvGrpSpPr>
-        <p:grpSpPr>
-          <a:xfrm>
-            <a:off x="12979938" y="2044057"/>
-            <a:ext cx="4008097" cy="4321330"/>
-            <a:chOff x="12979938" y="2044057"/>
-            <a:chExt cx="4008097" cy="4321330"/>
-          </a:xfrm>
-        </p:grpSpPr>
-        <p:pic>
-          <p:nvPicPr>
-            <p:cNvPr id="13" name="Object 12"/>
-            <p:cNvPicPr>
-              <a:picLocks noChangeAspect="1"/>
-            </p:cNvPicPr>
-            <p:nvPr/>
-          </p:nvPicPr>
-          <p:blipFill>
-            <a:blip r:embed="rId5" cstate="print"/>
-            <a:stretch>
-              <a:fillRect/>
-            </a:stretch>
-          </p:blipFill>
-          <p:spPr>
-            <a:xfrm>
-              <a:off x="12979938" y="2044057"/>
-              <a:ext cx="4008097" cy="4321330"/>
+              <a:off x="9413534" y="7636097"/>
+              <a:ext cx="6241031" cy="1691646"/>
             </a:xfrm>
             <a:prstGeom prst="rect">
               <a:avLst/>
@@ -4048,31 +4227,7 @@
       </p:grpSp>
       <p:pic>
         <p:nvPicPr>
-          <p:cNvPr id="15" name="Object 14"/>
-          <p:cNvPicPr>
-            <a:picLocks noChangeAspect="1"/>
-          </p:cNvPicPr>
-          <p:nvPr/>
-        </p:nvPicPr>
-        <p:blipFill>
-          <a:blip r:embed="rId7" cstate="print"/>
-          <a:stretch>
-            <a:fillRect/>
-          </a:stretch>
-        </p:blipFill>
-        <p:spPr>
-          <a:xfrm>
-            <a:off x="8381193" y="6404573"/>
-            <a:ext cx="2439143" cy="975762"/>
-          </a:xfrm>
-          <a:prstGeom prst="rect">
-            <a:avLst/>
-          </a:prstGeom>
-        </p:spPr>
-      </p:pic>
-      <p:pic>
-        <p:nvPicPr>
-          <p:cNvPr id="16" name="Object 15"/>
+          <p:cNvPr id="22" name="Object 21"/>
           <p:cNvPicPr>
             <a:picLocks noChangeAspect="1"/>
           </p:cNvPicPr>
@@ -4086,8 +4241,8 @@
         </p:blipFill>
         <p:spPr>
           <a:xfrm>
-            <a:off x="13872258" y="6273960"/>
-            <a:ext cx="2421048" cy="994810"/>
+            <a:off x="10193889" y="7928027"/>
+            <a:ext cx="4118018" cy="572942"/>
           </a:xfrm>
           <a:prstGeom prst="rect">
             <a:avLst/>
@@ -4096,21 +4251,21 @@
       </p:pic>
       <p:grpSp>
         <p:nvGrpSpPr>
-          <p:cNvPr id="1004" name="그룹 1004"/>
+          <p:cNvPr id="1006" name="그룹 1006"/>
           <p:cNvGrpSpPr/>
           <p:nvPr/>
         </p:nvGrpSpPr>
         <p:grpSpPr>
           <a:xfrm>
-            <a:off x="1457549" y="7564763"/>
-            <a:ext cx="386168" cy="386168"/>
-            <a:chOff x="1457549" y="7564763"/>
-            <a:chExt cx="386168" cy="386168"/>
+            <a:off x="372584" y="3202287"/>
+            <a:ext cx="2008568" cy="2338866"/>
+            <a:chOff x="515185" y="3513153"/>
+            <a:chExt cx="1854627" cy="2113382"/>
           </a:xfrm>
         </p:grpSpPr>
         <p:pic>
           <p:nvPicPr>
-            <p:cNvPr id="18" name="Object 17"/>
+            <p:cNvPr id="24" name="Object 23"/>
             <p:cNvPicPr>
               <a:picLocks noChangeAspect="1"/>
             </p:cNvPicPr>
@@ -4124,8 +4279,47 @@
           </p:blipFill>
           <p:spPr>
             <a:xfrm>
-              <a:off x="1457549" y="7564763"/>
-              <a:ext cx="386168" cy="386168"/>
+              <a:off x="515185" y="3513153"/>
+              <a:ext cx="1854627" cy="2113382"/>
+            </a:xfrm>
+            <a:prstGeom prst="rect">
+              <a:avLst/>
+            </a:prstGeom>
+          </p:spPr>
+        </p:pic>
+      </p:grpSp>
+      <p:grpSp>
+        <p:nvGrpSpPr>
+          <p:cNvPr id="1007" name="그룹 1007"/>
+          <p:cNvGrpSpPr/>
+          <p:nvPr/>
+        </p:nvGrpSpPr>
+        <p:grpSpPr>
+          <a:xfrm>
+            <a:off x="2381152" y="6550336"/>
+            <a:ext cx="6120000" cy="1800000"/>
+            <a:chOff x="2407403" y="6550336"/>
+            <a:chExt cx="6735455" cy="1790435"/>
+          </a:xfrm>
+        </p:grpSpPr>
+        <p:pic>
+          <p:nvPicPr>
+            <p:cNvPr id="27" name="Object 26"/>
+            <p:cNvPicPr>
+              <a:picLocks noChangeAspect="1"/>
+            </p:cNvPicPr>
+            <p:nvPr/>
+          </p:nvPicPr>
+          <p:blipFill>
+            <a:blip r:embed="rId10" cstate="print"/>
+            <a:stretch>
+              <a:fillRect/>
+            </a:stretch>
+          </p:blipFill>
+          <p:spPr>
+            <a:xfrm>
+              <a:off x="2407403" y="6550336"/>
+              <a:ext cx="6735455" cy="1790435"/>
             </a:xfrm>
             <a:prstGeom prst="rect">
               <a:avLst/>
@@ -4135,22 +4329,22 @@
       </p:grpSp>
       <p:pic>
         <p:nvPicPr>
-          <p:cNvPr id="20" name="Object 19"/>
+          <p:cNvPr id="29" name="Object 28"/>
           <p:cNvPicPr>
             <a:picLocks noChangeAspect="1"/>
           </p:cNvPicPr>
           <p:nvPr/>
         </p:nvPicPr>
         <p:blipFill>
-          <a:blip r:embed="rId10" cstate="print"/>
+          <a:blip r:embed="rId8" cstate="print"/>
           <a:stretch>
             <a:fillRect/>
           </a:stretch>
         </p:blipFill>
         <p:spPr>
           <a:xfrm>
-            <a:off x="1985375" y="7220916"/>
-            <a:ext cx="3517791" cy="1312638"/>
+            <a:off x="2726146" y="6941054"/>
+            <a:ext cx="4118018" cy="572942"/>
           </a:xfrm>
           <a:prstGeom prst="rect">
             <a:avLst/>
@@ -4159,147 +4353,21 @@
       </p:pic>
       <p:grpSp>
         <p:nvGrpSpPr>
-          <p:cNvPr id="1005" name="그룹 1005"/>
+          <p:cNvPr id="1008" name="그룹 1008"/>
           <p:cNvGrpSpPr/>
           <p:nvPr/>
         </p:nvGrpSpPr>
         <p:grpSpPr>
           <a:xfrm>
-            <a:off x="7329165" y="7731158"/>
-            <a:ext cx="386168" cy="386168"/>
-            <a:chOff x="7329165" y="7731158"/>
-            <a:chExt cx="386168" cy="386168"/>
+            <a:off x="430976" y="6517440"/>
+            <a:ext cx="1698909" cy="2237314"/>
+            <a:chOff x="708494" y="6818470"/>
+            <a:chExt cx="1498116" cy="1969180"/>
           </a:xfrm>
         </p:grpSpPr>
         <p:pic>
           <p:nvPicPr>
-            <p:cNvPr id="22" name="Object 21"/>
-            <p:cNvPicPr>
-              <a:picLocks noChangeAspect="1"/>
-            </p:cNvPicPr>
-            <p:nvPr/>
-          </p:nvPicPr>
-          <p:blipFill>
-            <a:blip r:embed="rId9" cstate="print"/>
-            <a:stretch>
-              <a:fillRect/>
-            </a:stretch>
-          </p:blipFill>
-          <p:spPr>
-            <a:xfrm>
-              <a:off x="7329165" y="7731158"/>
-              <a:ext cx="386168" cy="386168"/>
-            </a:xfrm>
-            <a:prstGeom prst="rect">
-              <a:avLst/>
-            </a:prstGeom>
-          </p:spPr>
-        </p:pic>
-      </p:grpSp>
-      <p:grpSp>
-        <p:nvGrpSpPr>
-          <p:cNvPr id="1006" name="그룹 1006"/>
-          <p:cNvGrpSpPr/>
-          <p:nvPr/>
-        </p:nvGrpSpPr>
-        <p:grpSpPr>
-          <a:xfrm>
-            <a:off x="12659076" y="7731158"/>
-            <a:ext cx="386168" cy="386168"/>
-            <a:chOff x="12659076" y="7731158"/>
-            <a:chExt cx="386168" cy="386168"/>
-          </a:xfrm>
-        </p:grpSpPr>
-        <p:pic>
-          <p:nvPicPr>
-            <p:cNvPr id="25" name="Object 24"/>
-            <p:cNvPicPr>
-              <a:picLocks noChangeAspect="1"/>
-            </p:cNvPicPr>
-            <p:nvPr/>
-          </p:nvPicPr>
-          <p:blipFill>
-            <a:blip r:embed="rId9" cstate="print"/>
-            <a:stretch>
-              <a:fillRect/>
-            </a:stretch>
-          </p:blipFill>
-          <p:spPr>
-            <a:xfrm>
-              <a:off x="12659076" y="7731158"/>
-              <a:ext cx="386168" cy="386168"/>
-            </a:xfrm>
-            <a:prstGeom prst="rect">
-              <a:avLst/>
-            </a:prstGeom>
-          </p:spPr>
-        </p:pic>
-      </p:grpSp>
-      <p:pic>
-        <p:nvPicPr>
-          <p:cNvPr id="27" name="Object 26"/>
-          <p:cNvPicPr>
-            <a:picLocks noChangeAspect="1"/>
-          </p:cNvPicPr>
-          <p:nvPr/>
-        </p:nvPicPr>
-        <p:blipFill>
-          <a:blip r:embed="rId10" cstate="print"/>
-          <a:stretch>
-            <a:fillRect/>
-          </a:stretch>
-        </p:blipFill>
-        <p:spPr>
-          <a:xfrm>
-            <a:off x="8324696" y="7220916"/>
-            <a:ext cx="3517791" cy="1312638"/>
-          </a:xfrm>
-          <a:prstGeom prst="rect">
-            <a:avLst/>
-          </a:prstGeom>
-        </p:spPr>
-      </p:pic>
-      <p:pic>
-        <p:nvPicPr>
-          <p:cNvPr id="28" name="Object 27"/>
-          <p:cNvPicPr>
-            <a:picLocks noChangeAspect="1"/>
-          </p:cNvPicPr>
-          <p:nvPr/>
-        </p:nvPicPr>
-        <p:blipFill>
-          <a:blip r:embed="rId10" cstate="print"/>
-          <a:stretch>
-            <a:fillRect/>
-          </a:stretch>
-        </p:blipFill>
-        <p:spPr>
-          <a:xfrm>
-            <a:off x="13444288" y="7188263"/>
-            <a:ext cx="3517791" cy="1312638"/>
-          </a:xfrm>
-          <a:prstGeom prst="rect">
-            <a:avLst/>
-          </a:prstGeom>
-        </p:spPr>
-      </p:pic>
-      <p:grpSp>
-        <p:nvGrpSpPr>
-          <p:cNvPr id="1007" name="그룹 1007"/>
-          <p:cNvGrpSpPr/>
-          <p:nvPr/>
-        </p:nvGrpSpPr>
-        <p:grpSpPr>
-          <a:xfrm>
-            <a:off x="2138445" y="1283810"/>
-            <a:ext cx="13486045" cy="110187"/>
-            <a:chOff x="2138445" y="1283810"/>
-            <a:chExt cx="13486045" cy="110187"/>
-          </a:xfrm>
-        </p:grpSpPr>
-        <p:pic>
-          <p:nvPicPr>
-            <p:cNvPr id="30" name="Object 29"/>
+            <p:cNvPr id="31" name="Object 30"/>
             <p:cNvPicPr>
               <a:picLocks noChangeAspect="1"/>
             </p:cNvPicPr>
@@ -4313,8 +4381,8 @@
           </p:blipFill>
           <p:spPr>
             <a:xfrm>
-              <a:off x="2138445" y="1283810"/>
-              <a:ext cx="13486045" cy="110187"/>
+              <a:off x="708494" y="6818470"/>
+              <a:ext cx="1498116" cy="1969180"/>
             </a:xfrm>
             <a:prstGeom prst="rect">
               <a:avLst/>
@@ -4322,11 +4390,395 @@
           </p:spPr>
         </p:pic>
       </p:grpSp>
+      <p:grpSp>
+        <p:nvGrpSpPr>
+          <p:cNvPr id="1009" name="그룹 1009"/>
+          <p:cNvGrpSpPr/>
+          <p:nvPr/>
+        </p:nvGrpSpPr>
+        <p:grpSpPr>
+          <a:xfrm>
+            <a:off x="15967235" y="4529398"/>
+            <a:ext cx="1754672" cy="2223778"/>
+            <a:chOff x="15958813" y="4529398"/>
+            <a:chExt cx="1754672" cy="2223778"/>
+          </a:xfrm>
+        </p:grpSpPr>
+        <p:pic>
+          <p:nvPicPr>
+            <p:cNvPr id="34" name="Object 33"/>
+            <p:cNvPicPr>
+              <a:picLocks noChangeAspect="1"/>
+            </p:cNvPicPr>
+            <p:nvPr/>
+          </p:nvPicPr>
+          <p:blipFill>
+            <a:blip r:embed="rId12" cstate="print"/>
+            <a:stretch>
+              <a:fillRect/>
+            </a:stretch>
+          </p:blipFill>
+          <p:spPr>
+            <a:xfrm>
+              <a:off x="15958813" y="4529398"/>
+              <a:ext cx="1754672" cy="2223778"/>
+            </a:xfrm>
+            <a:prstGeom prst="rect">
+              <a:avLst/>
+            </a:prstGeom>
+          </p:spPr>
+        </p:pic>
+      </p:grpSp>
+      <p:grpSp>
+        <p:nvGrpSpPr>
+          <p:cNvPr id="1010" name="그룹 1010"/>
+          <p:cNvGrpSpPr/>
+          <p:nvPr/>
+        </p:nvGrpSpPr>
+        <p:grpSpPr>
+          <a:xfrm>
+            <a:off x="15853366" y="7559763"/>
+            <a:ext cx="1982410" cy="1844316"/>
+            <a:chOff x="15853366" y="7559763"/>
+            <a:chExt cx="1982410" cy="1844316"/>
+          </a:xfrm>
+        </p:grpSpPr>
+        <p:pic>
+          <p:nvPicPr>
+            <p:cNvPr id="37" name="Object 36"/>
+            <p:cNvPicPr>
+              <a:picLocks noChangeAspect="1"/>
+            </p:cNvPicPr>
+            <p:nvPr/>
+          </p:nvPicPr>
+          <p:blipFill>
+            <a:blip r:embed="rId13" cstate="print"/>
+            <a:stretch>
+              <a:fillRect/>
+            </a:stretch>
+          </p:blipFill>
+          <p:spPr>
+            <a:xfrm>
+              <a:off x="15853366" y="7559763"/>
+              <a:ext cx="1982410" cy="1844316"/>
+            </a:xfrm>
+            <a:prstGeom prst="rect">
+              <a:avLst/>
+            </a:prstGeom>
+          </p:spPr>
+        </p:pic>
+      </p:grpSp>
+      <p:grpSp>
+        <p:nvGrpSpPr>
+          <p:cNvPr id="1011" name="그룹 1011"/>
+          <p:cNvGrpSpPr/>
+          <p:nvPr/>
+        </p:nvGrpSpPr>
+        <p:grpSpPr>
+          <a:xfrm>
+            <a:off x="9278195" y="1927559"/>
+            <a:ext cx="6120000" cy="1800000"/>
+            <a:chOff x="9142857" y="1927559"/>
+            <a:chExt cx="6658961" cy="1748832"/>
+          </a:xfrm>
+        </p:grpSpPr>
+        <p:pic>
+          <p:nvPicPr>
+            <p:cNvPr id="41" name="Object 40"/>
+            <p:cNvPicPr>
+              <a:picLocks noChangeAspect="1"/>
+            </p:cNvPicPr>
+            <p:nvPr/>
+          </p:nvPicPr>
+          <p:blipFill>
+            <a:blip r:embed="rId14" cstate="print"/>
+            <a:stretch>
+              <a:fillRect/>
+            </a:stretch>
+          </p:blipFill>
+          <p:spPr>
+            <a:xfrm>
+              <a:off x="9142857" y="1927559"/>
+              <a:ext cx="6658961" cy="1748832"/>
+            </a:xfrm>
+            <a:prstGeom prst="rect">
+              <a:avLst/>
+            </a:prstGeom>
+          </p:spPr>
+        </p:pic>
+      </p:grpSp>
+      <p:pic>
+        <p:nvPicPr>
+          <p:cNvPr id="43" name="Object 42"/>
+          <p:cNvPicPr>
+            <a:picLocks noChangeAspect="1"/>
+          </p:cNvPicPr>
+          <p:nvPr/>
+        </p:nvPicPr>
+        <p:blipFill>
+          <a:blip r:embed="rId8" cstate="print"/>
+          <a:stretch>
+            <a:fillRect/>
+          </a:stretch>
+        </p:blipFill>
+        <p:spPr>
+          <a:xfrm>
+            <a:off x="10023041" y="2518366"/>
+            <a:ext cx="4118018" cy="572942"/>
+          </a:xfrm>
+          <a:prstGeom prst="rect">
+            <a:avLst/>
+          </a:prstGeom>
+        </p:spPr>
+      </p:pic>
+      <p:grpSp>
+        <p:nvGrpSpPr>
+          <p:cNvPr id="38" name="그룹 1001"/>
+          <p:cNvGrpSpPr/>
+          <p:nvPr/>
+        </p:nvGrpSpPr>
+        <p:grpSpPr>
+          <a:xfrm>
+            <a:off x="2419543" y="1283810"/>
+            <a:ext cx="13204946" cy="110187"/>
+            <a:chOff x="2419543" y="1283810"/>
+            <a:chExt cx="13204946" cy="110187"/>
+          </a:xfrm>
+        </p:grpSpPr>
+        <p:pic>
+          <p:nvPicPr>
+            <p:cNvPr id="40" name="Object 3"/>
+            <p:cNvPicPr>
+              <a:picLocks noChangeAspect="1"/>
+            </p:cNvPicPr>
+            <p:nvPr/>
+          </p:nvPicPr>
+          <p:blipFill>
+            <a:blip r:embed="rId15" cstate="print"/>
+            <a:stretch>
+              <a:fillRect/>
+            </a:stretch>
+          </p:blipFill>
+          <p:spPr>
+            <a:xfrm>
+              <a:off x="2419543" y="1283810"/>
+              <a:ext cx="13204946" cy="110187"/>
+            </a:xfrm>
+            <a:prstGeom prst="rect">
+              <a:avLst/>
+            </a:prstGeom>
+          </p:spPr>
+        </p:pic>
+      </p:grpSp>
+      <p:pic>
+        <p:nvPicPr>
+          <p:cNvPr id="42" name="Object 3"/>
+          <p:cNvPicPr>
+            <a:picLocks noChangeAspect="1"/>
+          </p:cNvPicPr>
+          <p:nvPr/>
+        </p:nvPicPr>
+        <p:blipFill>
+          <a:blip r:embed="rId16" cstate="print"/>
+          <a:stretch>
+            <a:fillRect/>
+          </a:stretch>
+        </p:blipFill>
+        <p:spPr>
+          <a:xfrm>
+            <a:off x="7173287" y="-155878"/>
+            <a:ext cx="3444734" cy="1690731"/>
+          </a:xfrm>
+          <a:prstGeom prst="rect">
+            <a:avLst/>
+          </a:prstGeom>
+        </p:spPr>
+      </p:pic>
+      <p:pic>
+        <p:nvPicPr>
+          <p:cNvPr id="48" name="Object 23"/>
+          <p:cNvPicPr>
+            <a:picLocks noChangeAspect="1"/>
+          </p:cNvPicPr>
+          <p:nvPr/>
+        </p:nvPicPr>
+        <p:blipFill>
+          <a:blip r:embed="rId17" cstate="print"/>
+          <a:stretch>
+            <a:fillRect/>
+          </a:stretch>
+        </p:blipFill>
+        <p:spPr>
+          <a:xfrm>
+            <a:off x="515653" y="8637527"/>
+            <a:ext cx="1610684" cy="816059"/>
+          </a:xfrm>
+          <a:prstGeom prst="rect">
+            <a:avLst/>
+          </a:prstGeom>
+        </p:spPr>
+      </p:pic>
+      <p:pic>
+        <p:nvPicPr>
+          <p:cNvPr id="49" name="Object 24"/>
+          <p:cNvPicPr>
+            <a:picLocks noChangeAspect="1"/>
+          </p:cNvPicPr>
+          <p:nvPr/>
+        </p:nvPicPr>
+        <p:blipFill>
+          <a:blip r:embed="rId18" cstate="print"/>
+          <a:stretch>
+            <a:fillRect/>
+          </a:stretch>
+        </p:blipFill>
+        <p:spPr>
+          <a:xfrm>
+            <a:off x="15767505" y="3618975"/>
+            <a:ext cx="2030171" cy="830359"/>
+          </a:xfrm>
+          <a:prstGeom prst="rect">
+            <a:avLst/>
+          </a:prstGeom>
+        </p:spPr>
+      </p:pic>
+      <p:pic>
+        <p:nvPicPr>
+          <p:cNvPr id="50" name="Object 25"/>
+          <p:cNvPicPr>
+            <a:picLocks noChangeAspect="1"/>
+          </p:cNvPicPr>
+          <p:nvPr/>
+        </p:nvPicPr>
+        <p:blipFill>
+          <a:blip r:embed="rId19" cstate="print"/>
+          <a:stretch>
+            <a:fillRect/>
+          </a:stretch>
+        </p:blipFill>
+        <p:spPr>
+          <a:xfrm>
+            <a:off x="16263676" y="9390528"/>
+            <a:ext cx="1534000" cy="740073"/>
+          </a:xfrm>
+          <a:prstGeom prst="rect">
+            <a:avLst/>
+          </a:prstGeom>
+        </p:spPr>
+      </p:pic>
+      <p:pic>
+        <p:nvPicPr>
+          <p:cNvPr id="51" name="Object 26"/>
+          <p:cNvPicPr>
+            <a:picLocks noChangeAspect="1"/>
+          </p:cNvPicPr>
+          <p:nvPr/>
+        </p:nvPicPr>
+        <p:blipFill>
+          <a:blip r:embed="rId20" cstate="print"/>
+          <a:stretch>
+            <a:fillRect/>
+          </a:stretch>
+        </p:blipFill>
+        <p:spPr>
+          <a:xfrm>
+            <a:off x="16238372" y="6682054"/>
+            <a:ext cx="1461882" cy="717582"/>
+          </a:xfrm>
+          <a:prstGeom prst="rect">
+            <a:avLst/>
+          </a:prstGeom>
+        </p:spPr>
+      </p:pic>
+      <p:pic>
+        <p:nvPicPr>
+          <p:cNvPr id="52" name="Object 27"/>
+          <p:cNvPicPr>
+            <a:picLocks noChangeAspect="1"/>
+          </p:cNvPicPr>
+          <p:nvPr/>
+        </p:nvPicPr>
+        <p:blipFill>
+          <a:blip r:embed="rId21" cstate="print"/>
+          <a:stretch>
+            <a:fillRect/>
+          </a:stretch>
+        </p:blipFill>
+        <p:spPr>
+          <a:xfrm>
+            <a:off x="722645" y="5514598"/>
+            <a:ext cx="1461712" cy="727088"/>
+          </a:xfrm>
+          <a:prstGeom prst="rect">
+            <a:avLst/>
+          </a:prstGeom>
+        </p:spPr>
+      </p:pic>
+      <p:pic>
+        <p:nvPicPr>
+          <p:cNvPr id="53" name="Object 1"/>
+          <p:cNvPicPr>
+            <a:picLocks noChangeAspect="1"/>
+          </p:cNvPicPr>
+          <p:nvPr/>
+        </p:nvPicPr>
+        <p:blipFill>
+          <a:blip r:embed="rId22" cstate="print"/>
+          <a:stretch>
+            <a:fillRect/>
+          </a:stretch>
+        </p:blipFill>
+        <p:spPr>
+          <a:xfrm>
+            <a:off x="1421593" y="1138098"/>
+            <a:ext cx="416003" cy="478856"/>
+          </a:xfrm>
+          <a:prstGeom prst="rect">
+            <a:avLst/>
+          </a:prstGeom>
+        </p:spPr>
+      </p:pic>
+      <p:pic>
+        <p:nvPicPr>
+          <p:cNvPr id="54" name="Object 2"/>
+          <p:cNvPicPr>
+            <a:picLocks noChangeAspect="1"/>
+          </p:cNvPicPr>
+          <p:nvPr/>
+        </p:nvPicPr>
+        <p:blipFill>
+          <a:blip r:embed="rId23" cstate="print"/>
+          <a:stretch>
+            <a:fillRect/>
+          </a:stretch>
+        </p:blipFill>
+        <p:spPr>
+          <a:xfrm>
+            <a:off x="482805" y="9561429"/>
+            <a:ext cx="411397" cy="398273"/>
+          </a:xfrm>
+          <a:prstGeom prst="rect">
+            <a:avLst/>
+          </a:prstGeom>
+        </p:spPr>
+      </p:pic>
     </p:spTree>
+    <p:extLst>
+      <p:ext uri="{BB962C8B-B14F-4D97-AF65-F5344CB8AC3E}">
+        <p14:creationId xmlns:p14="http://schemas.microsoft.com/office/powerpoint/2010/main" val="4949978"/>
+      </p:ext>
+    </p:extLst>
   </p:cSld>
   <p:clrMapOvr>
     <a:masterClrMapping/>
   </p:clrMapOvr>
+  <p:timing>
+    <p:tnLst>
+      <p:par>
+        <p:cTn id="1" dur="indefinite" restart="never" nodeType="tmRoot"/>
+      </p:par>
+    </p:tnLst>
+  </p:timing>
 </p:sld>
 </file>
 
@@ -4357,7 +4809,7 @@
       </p:grpSpPr>
       <p:pic>
         <p:nvPicPr>
-          <p:cNvPr id="2" name="Object 1"/>
+          <p:cNvPr id="4" name="Object 3"/>
           <p:cNvPicPr>
             <a:picLocks noChangeAspect="1"/>
           </p:cNvPicPr>
@@ -4371,8 +4823,8 @@
         </p:blipFill>
         <p:spPr>
           <a:xfrm>
-            <a:off x="5596661" y="2924266"/>
-            <a:ext cx="12470980" cy="3739076"/>
+            <a:off x="7099468" y="1134182"/>
+            <a:ext cx="2970644" cy="469834"/>
           </a:xfrm>
           <a:prstGeom prst="rect">
             <a:avLst/>
@@ -4381,7 +4833,7 @@
       </p:pic>
       <p:pic>
         <p:nvPicPr>
-          <p:cNvPr id="3" name="Object 2"/>
+          <p:cNvPr id="5" name="Object 4"/>
           <p:cNvPicPr>
             <a:picLocks noChangeAspect="1"/>
           </p:cNvPicPr>
@@ -4395,54 +4847,6 @@
         </p:blipFill>
         <p:spPr>
           <a:xfrm>
-            <a:off x="918277" y="6478858"/>
-            <a:ext cx="16802472" cy="1977606"/>
-          </a:xfrm>
-          <a:prstGeom prst="rect">
-            <a:avLst/>
-          </a:prstGeom>
-        </p:spPr>
-      </p:pic>
-      <p:pic>
-        <p:nvPicPr>
-          <p:cNvPr id="4" name="Object 3"/>
-          <p:cNvPicPr>
-            <a:picLocks noChangeAspect="1"/>
-          </p:cNvPicPr>
-          <p:nvPr/>
-        </p:nvPicPr>
-        <p:blipFill>
-          <a:blip r:embed="rId4" cstate="print"/>
-          <a:stretch>
-            <a:fillRect/>
-          </a:stretch>
-        </p:blipFill>
-        <p:spPr>
-          <a:xfrm>
-            <a:off x="7099468" y="1134182"/>
-            <a:ext cx="2970644" cy="469834"/>
-          </a:xfrm>
-          <a:prstGeom prst="rect">
-            <a:avLst/>
-          </a:prstGeom>
-        </p:spPr>
-      </p:pic>
-      <p:pic>
-        <p:nvPicPr>
-          <p:cNvPr id="5" name="Object 4"/>
-          <p:cNvPicPr>
-            <a:picLocks noChangeAspect="1"/>
-          </p:cNvPicPr>
-          <p:nvPr/>
-        </p:nvPicPr>
-        <p:blipFill>
-          <a:blip r:embed="rId5" cstate="print"/>
-          <a:stretch>
-            <a:fillRect/>
-          </a:stretch>
-        </p:blipFill>
-        <p:spPr>
-          <a:xfrm>
             <a:off x="1421593" y="1138098"/>
             <a:ext cx="1942927" cy="453685"/>
           </a:xfrm>
@@ -4460,7 +4864,7 @@
           <p:nvPr/>
         </p:nvPicPr>
         <p:blipFill>
-          <a:blip r:embed="rId6" cstate="print"/>
+          <a:blip r:embed="rId4" cstate="print"/>
           <a:stretch>
             <a:fillRect/>
           </a:stretch>
@@ -4498,7 +4902,7 @@
             <p:nvPr/>
           </p:nvPicPr>
           <p:blipFill>
-            <a:blip r:embed="rId7" cstate="print"/>
+            <a:blip r:embed="rId5" cstate="print"/>
             <a:stretch>
               <a:fillRect/>
             </a:stretch>
@@ -4537,7 +4941,7 @@
             <p:nvPr/>
           </p:nvPicPr>
           <p:blipFill>
-            <a:blip r:embed="rId7" cstate="print"/>
+            <a:blip r:embed="rId5" cstate="print"/>
             <a:stretch>
               <a:fillRect/>
             </a:stretch>
@@ -4553,11 +4957,105 @@
           </p:spPr>
         </p:pic>
       </p:grpSp>
+      <p:grpSp>
+        <p:nvGrpSpPr>
+          <p:cNvPr id="12" name="그룹 1003"/>
+          <p:cNvGrpSpPr/>
+          <p:nvPr/>
+        </p:nvGrpSpPr>
+        <p:grpSpPr>
+          <a:xfrm>
+            <a:off x="1143000" y="5676900"/>
+            <a:ext cx="5068154" cy="4735659"/>
+            <a:chOff x="619349" y="5670356"/>
+            <a:chExt cx="5068154" cy="4735659"/>
+          </a:xfrm>
+        </p:grpSpPr>
+        <p:pic>
+          <p:nvPicPr>
+            <p:cNvPr id="13" name="Object 13"/>
+            <p:cNvPicPr>
+              <a:picLocks noChangeAspect="1"/>
+            </p:cNvPicPr>
+            <p:nvPr/>
+          </p:nvPicPr>
+          <p:blipFill>
+            <a:blip r:embed="rId6" cstate="print"/>
+            <a:stretch>
+              <a:fillRect/>
+            </a:stretch>
+          </p:blipFill>
+          <p:spPr>
+            <a:xfrm>
+              <a:off x="619349" y="5670356"/>
+              <a:ext cx="5068154" cy="4735659"/>
+            </a:xfrm>
+            <a:prstGeom prst="rect">
+              <a:avLst/>
+            </a:prstGeom>
+          </p:spPr>
+        </p:pic>
+      </p:grpSp>
+      <p:pic>
+        <p:nvPicPr>
+          <p:cNvPr id="14" name="Object 2"/>
+          <p:cNvPicPr>
+            <a:picLocks noChangeAspect="1"/>
+          </p:cNvPicPr>
+          <p:nvPr/>
+        </p:nvPicPr>
+        <p:blipFill>
+          <a:blip r:embed="rId7" cstate="print"/>
+          <a:stretch>
+            <a:fillRect/>
+          </a:stretch>
+        </p:blipFill>
+        <p:spPr>
+          <a:xfrm>
+            <a:off x="537281" y="3144999"/>
+            <a:ext cx="17714838" cy="2122334"/>
+          </a:xfrm>
+          <a:prstGeom prst="rect">
+            <a:avLst/>
+          </a:prstGeom>
+        </p:spPr>
+      </p:pic>
+      <p:pic>
+        <p:nvPicPr>
+          <p:cNvPr id="15" name="Object 1"/>
+          <p:cNvPicPr>
+            <a:picLocks noChangeAspect="1"/>
+          </p:cNvPicPr>
+          <p:nvPr/>
+        </p:nvPicPr>
+        <p:blipFill>
+          <a:blip r:embed="rId8" cstate="print"/>
+          <a:stretch>
+            <a:fillRect/>
+          </a:stretch>
+        </p:blipFill>
+        <p:spPr>
+          <a:xfrm>
+            <a:off x="5566586" y="5120758"/>
+            <a:ext cx="12551960" cy="3593647"/>
+          </a:xfrm>
+          <a:prstGeom prst="rect">
+            <a:avLst/>
+          </a:prstGeom>
+        </p:spPr>
+      </p:pic>
     </p:spTree>
   </p:cSld>
   <p:clrMapOvr>
     <a:masterClrMapping/>
   </p:clrMapOvr>
+  <p:timing>
+    <p:tnLst>
+      <p:par>
+        <p:cTn id="1" dur="indefinite" restart="never" nodeType="tmRoot"/>
+      </p:par>
+    </p:tnLst>
+  </p:timing>
 </p:sld>
 </file>
 
@@ -4578,30 +5076,6 @@
           <a:chExt cx="0" cy="0"/>
         </a:xfrm>
       </p:grpSpPr>
-      <p:pic>
-        <p:nvPicPr>
-          <p:cNvPr id="2" name="Object 1"/>
-          <p:cNvPicPr>
-            <a:picLocks noChangeAspect="1"/>
-          </p:cNvPicPr>
-          <p:nvPr/>
-        </p:nvPicPr>
-        <p:blipFill>
-          <a:blip r:embed="rId2" cstate="print"/>
-          <a:stretch>
-            <a:fillRect/>
-          </a:stretch>
-        </p:blipFill>
-        <p:spPr>
-          <a:xfrm>
-            <a:off x="6875078" y="-30143"/>
-            <a:ext cx="2594248" cy="1701902"/>
-          </a:xfrm>
-          <a:prstGeom prst="rect">
-            <a:avLst/>
-          </a:prstGeom>
-        </p:spPr>
-      </p:pic>
       <p:grpSp>
         <p:nvGrpSpPr>
           <p:cNvPr id="1001" name="그룹 1001"/>
@@ -4625,7 +5099,7 @@
             <p:nvPr/>
           </p:nvPicPr>
           <p:blipFill>
-            <a:blip r:embed="rId3" cstate="print"/>
+            <a:blip r:embed="rId2" cstate="print"/>
             <a:stretch>
               <a:fillRect/>
             </a:stretch>
@@ -4643,7 +5117,31 @@
       </p:grpSp>
       <p:pic>
         <p:nvPicPr>
-          <p:cNvPr id="6" name="Object 5"/>
+          <p:cNvPr id="8" name="Object 7"/>
+          <p:cNvPicPr>
+            <a:picLocks noChangeAspect="1"/>
+          </p:cNvPicPr>
+          <p:nvPr/>
+        </p:nvPicPr>
+        <p:blipFill>
+          <a:blip r:embed="rId3" cstate="print"/>
+          <a:stretch>
+            <a:fillRect/>
+          </a:stretch>
+        </p:blipFill>
+        <p:spPr>
+          <a:xfrm>
+            <a:off x="1410837" y="1601460"/>
+            <a:ext cx="1724827" cy="1611122"/>
+          </a:xfrm>
+          <a:prstGeom prst="rect">
+            <a:avLst/>
+          </a:prstGeom>
+        </p:spPr>
+      </p:pic>
+      <p:pic>
+        <p:nvPicPr>
+          <p:cNvPr id="10" name="Object 9"/>
           <p:cNvPicPr>
             <a:picLocks noChangeAspect="1"/>
           </p:cNvPicPr>
@@ -4657,8 +5155,8 @@
         </p:blipFill>
         <p:spPr>
           <a:xfrm>
-            <a:off x="3174013" y="1979857"/>
-            <a:ext cx="2125199" cy="949368"/>
+            <a:off x="1322922" y="3207822"/>
+            <a:ext cx="1900657" cy="1620523"/>
           </a:xfrm>
           <a:prstGeom prst="rect">
             <a:avLst/>
@@ -4667,7 +5165,7 @@
       </p:pic>
       <p:pic>
         <p:nvPicPr>
-          <p:cNvPr id="7" name="Object 6"/>
+          <p:cNvPr id="11" name="Object 10"/>
           <p:cNvPicPr>
             <a:picLocks noChangeAspect="1"/>
           </p:cNvPicPr>
@@ -4681,8 +5179,8 @@
         </p:blipFill>
         <p:spPr>
           <a:xfrm>
-            <a:off x="3174013" y="5190116"/>
-            <a:ext cx="4293170" cy="958891"/>
+            <a:off x="1324289" y="4823585"/>
+            <a:ext cx="1897923" cy="1620523"/>
           </a:xfrm>
           <a:prstGeom prst="rect">
             <a:avLst/>
@@ -4691,7 +5189,7 @@
       </p:pic>
       <p:pic>
         <p:nvPicPr>
-          <p:cNvPr id="8" name="Object 7"/>
+          <p:cNvPr id="12" name="Object 11"/>
           <p:cNvPicPr>
             <a:picLocks noChangeAspect="1"/>
           </p:cNvPicPr>
@@ -4705,8 +5203,8 @@
         </p:blipFill>
         <p:spPr>
           <a:xfrm>
-            <a:off x="1410914" y="1601460"/>
-            <a:ext cx="1724627" cy="1588808"/>
+            <a:off x="1309460" y="6439348"/>
+            <a:ext cx="1927580" cy="1620523"/>
           </a:xfrm>
           <a:prstGeom prst="rect">
             <a:avLst/>
@@ -4715,7 +5213,7 @@
       </p:pic>
       <p:pic>
         <p:nvPicPr>
-          <p:cNvPr id="9" name="Object 8"/>
+          <p:cNvPr id="13" name="Object 12"/>
           <p:cNvPicPr>
             <a:picLocks noChangeAspect="1"/>
           </p:cNvPicPr>
@@ -4729,8 +5227,8 @@
         </p:blipFill>
         <p:spPr>
           <a:xfrm>
-            <a:off x="3174013" y="3580225"/>
-            <a:ext cx="3765151" cy="958891"/>
+            <a:off x="1327998" y="8055110"/>
+            <a:ext cx="1890504" cy="1620523"/>
           </a:xfrm>
           <a:prstGeom prst="rect">
             <a:avLst/>
@@ -4739,7 +5237,7 @@
       </p:pic>
       <p:pic>
         <p:nvPicPr>
-          <p:cNvPr id="10" name="Object 9"/>
+          <p:cNvPr id="16" name="Object 15"/>
           <p:cNvPicPr>
             <a:picLocks noChangeAspect="1"/>
           </p:cNvPicPr>
@@ -4753,8 +5251,8 @@
         </p:blipFill>
         <p:spPr>
           <a:xfrm>
-            <a:off x="1322737" y="3207986"/>
-            <a:ext cx="1900980" cy="1597990"/>
+            <a:off x="8975719" y="1625062"/>
+            <a:ext cx="1908980" cy="1620523"/>
           </a:xfrm>
           <a:prstGeom prst="rect">
             <a:avLst/>
@@ -4763,7 +5261,7 @@
       </p:pic>
       <p:pic>
         <p:nvPicPr>
-          <p:cNvPr id="11" name="Object 10"/>
+          <p:cNvPr id="18" name="Object 17"/>
           <p:cNvPicPr>
             <a:picLocks noChangeAspect="1"/>
           </p:cNvPicPr>
@@ -4777,8 +5275,8 @@
         </p:blipFill>
         <p:spPr>
           <a:xfrm>
-            <a:off x="1324223" y="4823694"/>
-            <a:ext cx="1898009" cy="1597990"/>
+            <a:off x="8999090" y="3230312"/>
+            <a:ext cx="1862238" cy="1620523"/>
           </a:xfrm>
           <a:prstGeom prst="rect">
             <a:avLst/>
@@ -4787,7 +5285,7 @@
       </p:pic>
       <p:pic>
         <p:nvPicPr>
-          <p:cNvPr id="12" name="Object 11"/>
+          <p:cNvPr id="19" name="Object 18"/>
           <p:cNvPicPr>
             <a:picLocks noChangeAspect="1"/>
           </p:cNvPicPr>
@@ -4801,8 +5299,8 @@
         </p:blipFill>
         <p:spPr>
           <a:xfrm>
-            <a:off x="1309461" y="6439402"/>
-            <a:ext cx="1927533" cy="1597990"/>
+            <a:off x="8978452" y="4835562"/>
+            <a:ext cx="1903514" cy="1620523"/>
           </a:xfrm>
           <a:prstGeom prst="rect">
             <a:avLst/>
@@ -4811,7 +5309,7 @@
       </p:pic>
       <p:pic>
         <p:nvPicPr>
-          <p:cNvPr id="13" name="Object 12"/>
+          <p:cNvPr id="20" name="Object 19"/>
           <p:cNvPicPr>
             <a:picLocks noChangeAspect="1"/>
           </p:cNvPicPr>
@@ -4825,8 +5323,8 @@
         </p:blipFill>
         <p:spPr>
           <a:xfrm>
-            <a:off x="1327851" y="8055110"/>
-            <a:ext cx="1890752" cy="1597990"/>
+            <a:off x="8980338" y="6440812"/>
+            <a:ext cx="1899742" cy="1620523"/>
           </a:xfrm>
           <a:prstGeom prst="rect">
             <a:avLst/>
@@ -4835,7 +5333,7 @@
       </p:pic>
       <p:pic>
         <p:nvPicPr>
-          <p:cNvPr id="14" name="Object 13"/>
+          <p:cNvPr id="21" name="Object 20"/>
           <p:cNvPicPr>
             <a:picLocks noChangeAspect="1"/>
           </p:cNvPicPr>
@@ -4849,41 +5347,56 @@
         </p:blipFill>
         <p:spPr>
           <a:xfrm>
-            <a:off x="3174013" y="6800007"/>
-            <a:ext cx="3059789" cy="958891"/>
+            <a:off x="9029633" y="8046062"/>
+            <a:ext cx="1801152" cy="1620523"/>
           </a:xfrm>
           <a:prstGeom prst="rect">
             <a:avLst/>
           </a:prstGeom>
         </p:spPr>
       </p:pic>
+      <p:grpSp>
+        <p:nvGrpSpPr>
+          <p:cNvPr id="1002" name="그룹 1002"/>
+          <p:cNvGrpSpPr/>
+          <p:nvPr/>
+        </p:nvGrpSpPr>
+        <p:grpSpPr>
+          <a:xfrm>
+            <a:off x="15906782" y="0"/>
+            <a:ext cx="2378932" cy="2378932"/>
+            <a:chOff x="15906782" y="0"/>
+            <a:chExt cx="2378932" cy="2378932"/>
+          </a:xfrm>
+        </p:grpSpPr>
+        <p:pic>
+          <p:nvPicPr>
+            <p:cNvPr id="27" name="Object 26"/>
+            <p:cNvPicPr>
+              <a:picLocks noChangeAspect="1"/>
+            </p:cNvPicPr>
+            <p:nvPr/>
+          </p:nvPicPr>
+          <p:blipFill>
+            <a:blip r:embed="rId13" cstate="print"/>
+            <a:stretch>
+              <a:fillRect/>
+            </a:stretch>
+          </p:blipFill>
+          <p:spPr>
+            <a:xfrm>
+              <a:off x="15906782" y="0"/>
+              <a:ext cx="2378932" cy="2378932"/>
+            </a:xfrm>
+            <a:prstGeom prst="rect">
+              <a:avLst/>
+            </a:prstGeom>
+          </p:spPr>
+        </p:pic>
+      </p:grpSp>
       <p:pic>
         <p:nvPicPr>
-          <p:cNvPr id="15" name="Object 14"/>
-          <p:cNvPicPr>
-            <a:picLocks noChangeAspect="1"/>
-          </p:cNvPicPr>
-          <p:nvPr/>
-        </p:nvPicPr>
-        <p:blipFill>
-          <a:blip r:embed="rId13" cstate="print"/>
-          <a:stretch>
-            <a:fillRect/>
-          </a:stretch>
-        </p:blipFill>
-        <p:spPr>
-          <a:xfrm>
-            <a:off x="3174013" y="8409899"/>
-            <a:ext cx="4858742" cy="949368"/>
-          </a:xfrm>
-          <a:prstGeom prst="rect">
-            <a:avLst/>
-          </a:prstGeom>
-        </p:spPr>
-      </p:pic>
-      <p:pic>
-        <p:nvPicPr>
-          <p:cNvPr id="16" name="Object 15"/>
+          <p:cNvPr id="28" name="Object 5"/>
           <p:cNvPicPr>
             <a:picLocks noChangeAspect="1"/>
           </p:cNvPicPr>
@@ -4897,8 +5410,8 @@
         </p:blipFill>
         <p:spPr>
           <a:xfrm>
-            <a:off x="8975719" y="1625062"/>
-            <a:ext cx="1909228" cy="1597990"/>
+            <a:off x="3741459" y="1979857"/>
+            <a:ext cx="2125418" cy="944215"/>
           </a:xfrm>
           <a:prstGeom prst="rect">
             <a:avLst/>
@@ -4907,7 +5420,7 @@
       </p:pic>
       <p:pic>
         <p:nvPicPr>
-          <p:cNvPr id="17" name="Object 16"/>
+          <p:cNvPr id="29" name="Object 6"/>
           <p:cNvPicPr>
             <a:picLocks noChangeAspect="1"/>
           </p:cNvPicPr>
@@ -4921,8 +5434,8 @@
         </p:blipFill>
         <p:spPr>
           <a:xfrm>
-            <a:off x="11173980" y="1979857"/>
-            <a:ext cx="4866085" cy="949368"/>
+            <a:off x="3174013" y="5054965"/>
+            <a:ext cx="4293542" cy="953739"/>
           </a:xfrm>
           <a:prstGeom prst="rect">
             <a:avLst/>
@@ -4931,7 +5444,7 @@
       </p:pic>
       <p:pic>
         <p:nvPicPr>
-          <p:cNvPr id="18" name="Object 17"/>
+          <p:cNvPr id="30" name="Object 8"/>
           <p:cNvPicPr>
             <a:picLocks noChangeAspect="1"/>
           </p:cNvPicPr>
@@ -4945,8 +5458,8 @@
         </p:blipFill>
         <p:spPr>
           <a:xfrm>
-            <a:off x="8999205" y="3230312"/>
-            <a:ext cx="1862257" cy="1597990"/>
+            <a:off x="3286969" y="3614310"/>
+            <a:ext cx="3765218" cy="953739"/>
           </a:xfrm>
           <a:prstGeom prst="rect">
             <a:avLst/>
@@ -4955,7 +5468,7 @@
       </p:pic>
       <p:pic>
         <p:nvPicPr>
-          <p:cNvPr id="19" name="Object 18"/>
+          <p:cNvPr id="31" name="Object 13"/>
           <p:cNvPicPr>
             <a:picLocks noChangeAspect="1"/>
           </p:cNvPicPr>
@@ -4969,8 +5482,8 @@
         </p:blipFill>
         <p:spPr>
           <a:xfrm>
-            <a:off x="8978443" y="4835562"/>
-            <a:ext cx="1903780" cy="1597990"/>
+            <a:off x="3354926" y="6667975"/>
+            <a:ext cx="3059789" cy="953739"/>
           </a:xfrm>
           <a:prstGeom prst="rect">
             <a:avLst/>
@@ -4979,7 +5492,7 @@
       </p:pic>
       <p:pic>
         <p:nvPicPr>
-          <p:cNvPr id="20" name="Object 19"/>
+          <p:cNvPr id="32" name="Object 14"/>
           <p:cNvPicPr>
             <a:picLocks noChangeAspect="1"/>
           </p:cNvPicPr>
@@ -4993,8 +5506,8 @@
         </p:blipFill>
         <p:spPr>
           <a:xfrm>
-            <a:off x="8980343" y="6440812"/>
-            <a:ext cx="1899980" cy="1597990"/>
+            <a:off x="3304622" y="8409899"/>
+            <a:ext cx="4858942" cy="944215"/>
           </a:xfrm>
           <a:prstGeom prst="rect">
             <a:avLst/>
@@ -5003,7 +5516,7 @@
       </p:pic>
       <p:pic>
         <p:nvPicPr>
-          <p:cNvPr id="21" name="Object 20"/>
+          <p:cNvPr id="33" name="Object 16"/>
           <p:cNvPicPr>
             <a:picLocks noChangeAspect="1"/>
           </p:cNvPicPr>
@@ -5017,8 +5530,8 @@
         </p:blipFill>
         <p:spPr>
           <a:xfrm>
-            <a:off x="9029857" y="8046062"/>
-            <a:ext cx="1800952" cy="1597990"/>
+            <a:off x="11173980" y="1979857"/>
+            <a:ext cx="4866066" cy="944215"/>
           </a:xfrm>
           <a:prstGeom prst="rect">
             <a:avLst/>
@@ -5027,7 +5540,7 @@
       </p:pic>
       <p:pic>
         <p:nvPicPr>
-          <p:cNvPr id="22" name="Object 21"/>
+          <p:cNvPr id="34" name="Object 21"/>
           <p:cNvPicPr>
             <a:picLocks noChangeAspect="1"/>
           </p:cNvPicPr>
@@ -5041,8 +5554,8 @@
         </p:blipFill>
         <p:spPr>
           <a:xfrm>
-            <a:off x="11173980" y="3573244"/>
-            <a:ext cx="3286275" cy="939844"/>
+            <a:off x="11174013" y="3516346"/>
+            <a:ext cx="3286332" cy="934691"/>
           </a:xfrm>
           <a:prstGeom prst="rect">
             <a:avLst/>
@@ -5051,7 +5564,7 @@
       </p:pic>
       <p:pic>
         <p:nvPicPr>
-          <p:cNvPr id="23" name="Object 22"/>
+          <p:cNvPr id="35" name="Object 22"/>
           <p:cNvPicPr>
             <a:picLocks noChangeAspect="1"/>
           </p:cNvPicPr>
@@ -5065,8 +5578,8 @@
         </p:blipFill>
         <p:spPr>
           <a:xfrm>
-            <a:off x="11173980" y="5157107"/>
-            <a:ext cx="3966856" cy="949368"/>
+            <a:off x="11276870" y="5054965"/>
+            <a:ext cx="3966256" cy="944215"/>
           </a:xfrm>
           <a:prstGeom prst="rect">
             <a:avLst/>
@@ -5075,7 +5588,7 @@
       </p:pic>
       <p:pic>
         <p:nvPicPr>
-          <p:cNvPr id="24" name="Object 23"/>
+          <p:cNvPr id="36" name="Object 23"/>
           <p:cNvPicPr>
             <a:picLocks noChangeAspect="1"/>
           </p:cNvPicPr>
@@ -5089,8 +5602,8 @@
         </p:blipFill>
         <p:spPr>
           <a:xfrm>
-            <a:off x="11173980" y="6750494"/>
-            <a:ext cx="3763008" cy="949368"/>
+            <a:off x="11174013" y="6693080"/>
+            <a:ext cx="3762713" cy="944215"/>
           </a:xfrm>
           <a:prstGeom prst="rect">
             <a:avLst/>
@@ -5099,7 +5612,7 @@
       </p:pic>
       <p:pic>
         <p:nvPicPr>
-          <p:cNvPr id="25" name="Object 24"/>
+          <p:cNvPr id="37" name="Object 24"/>
           <p:cNvPicPr>
             <a:picLocks noChangeAspect="1"/>
           </p:cNvPicPr>
@@ -5113,8 +5626,32 @@
         </p:blipFill>
         <p:spPr>
           <a:xfrm>
-            <a:off x="11173980" y="8343880"/>
-            <a:ext cx="3419761" cy="949368"/>
+            <a:off x="11174013" y="8343880"/>
+            <a:ext cx="3419342" cy="944215"/>
+          </a:xfrm>
+          <a:prstGeom prst="rect">
+            <a:avLst/>
+          </a:prstGeom>
+        </p:spPr>
+      </p:pic>
+      <p:pic>
+        <p:nvPicPr>
+          <p:cNvPr id="38" name="Object 1"/>
+          <p:cNvPicPr>
+            <a:picLocks noChangeAspect="1"/>
+          </p:cNvPicPr>
+          <p:nvPr/>
+        </p:nvPicPr>
+        <p:blipFill>
+          <a:blip r:embed="rId24" cstate="print"/>
+          <a:stretch>
+            <a:fillRect/>
+          </a:stretch>
+        </p:blipFill>
+        <p:spPr>
+          <a:xfrm>
+            <a:off x="6875078" y="-30143"/>
+            <a:ext cx="2594343" cy="1690731"/>
           </a:xfrm>
           <a:prstGeom prst="rect">
             <a:avLst/>
@@ -5124,27 +5661,26 @@
     </p:spTree>
     <p:extLst>
       <p:ext uri="{BB962C8B-B14F-4D97-AF65-F5344CB8AC3E}">
-        <p14:creationId xmlns:p14="http://schemas.microsoft.com/office/powerpoint/2010/main" val="198267128"/>
+        <p14:creationId xmlns:p14="http://schemas.microsoft.com/office/powerpoint/2010/main" val="2575602087"/>
       </p:ext>
     </p:extLst>
   </p:cSld>
   <p:clrMapOvr>
     <a:masterClrMapping/>
   </p:clrMapOvr>
+  <p:timing>
+    <p:tnLst>
+      <p:par>
+        <p:cTn id="1" dur="indefinite" restart="never" nodeType="tmRoot"/>
+      </p:par>
+    </p:tnLst>
+  </p:timing>
 </p:sld>
 </file>
 
 <file path=ppt/slides/slide3.xml><?xml version="1.0" encoding="utf-8"?>
 <p:sld xmlns:a="http://schemas.openxmlformats.org/drawingml/2006/main" xmlns:r="http://schemas.openxmlformats.org/officeDocument/2006/relationships" xmlns:p="http://schemas.openxmlformats.org/presentationml/2006/main">
-  <p:cSld name="Slide 3">
-    <p:bg>
-      <p:bgPr>
-        <a:solidFill>
-          <a:srgbClr val="FFFFFF"/>
-        </a:solidFill>
-        <a:effectLst/>
-      </p:bgPr>
-    </p:bg>
+  <p:cSld>
     <p:spTree>
       <p:nvGrpSpPr>
         <p:cNvPr id="1" name=""/>
@@ -5263,18 +5799,69 @@
         <p:spPr>
           <a:xfrm>
             <a:off x="6875074" y="-30143"/>
-            <a:ext cx="2503772" cy="1692379"/>
+            <a:ext cx="2503867" cy="1681207"/>
           </a:xfrm>
           <a:prstGeom prst="rect">
             <a:avLst/>
           </a:prstGeom>
         </p:spPr>
       </p:pic>
+      <p:grpSp>
+        <p:nvGrpSpPr>
+          <p:cNvPr id="1002" name="그룹 1002"/>
+          <p:cNvGrpSpPr/>
+          <p:nvPr/>
+        </p:nvGrpSpPr>
+        <p:grpSpPr>
+          <a:xfrm>
+            <a:off x="15906782" y="0"/>
+            <a:ext cx="2378932" cy="2378932"/>
+            <a:chOff x="15906782" y="0"/>
+            <a:chExt cx="2378932" cy="2378932"/>
+          </a:xfrm>
+        </p:grpSpPr>
+        <p:pic>
+          <p:nvPicPr>
+            <p:cNvPr id="9" name="Object 8"/>
+            <p:cNvPicPr>
+              <a:picLocks noChangeAspect="1"/>
+            </p:cNvPicPr>
+            <p:nvPr/>
+          </p:nvPicPr>
+          <p:blipFill>
+            <a:blip r:embed="rId6" cstate="print"/>
+            <a:stretch>
+              <a:fillRect/>
+            </a:stretch>
+          </p:blipFill>
+          <p:spPr>
+            <a:xfrm>
+              <a:off x="15906782" y="0"/>
+              <a:ext cx="2378932" cy="2378932"/>
+            </a:xfrm>
+            <a:prstGeom prst="rect">
+              <a:avLst/>
+            </a:prstGeom>
+          </p:spPr>
+        </p:pic>
+      </p:grpSp>
     </p:spTree>
+    <p:extLst>
+      <p:ext uri="{BB962C8B-B14F-4D97-AF65-F5344CB8AC3E}">
+        <p14:creationId xmlns:p14="http://schemas.microsoft.com/office/powerpoint/2010/main" val="2891730693"/>
+      </p:ext>
+    </p:extLst>
   </p:cSld>
   <p:clrMapOvr>
     <a:masterClrMapping/>
   </p:clrMapOvr>
+  <p:timing>
+    <p:tnLst>
+      <p:par>
+        <p:cTn id="1" dur="indefinite" restart="never" nodeType="tmRoot"/>
+      </p:par>
+    </p:tnLst>
+  </p:timing>
 </p:sld>
 </file>
 
@@ -5312,7 +5899,7 @@
         <p:spPr>
           <a:xfrm>
             <a:off x="6747188" y="-155878"/>
-            <a:ext cx="3605505" cy="1701903"/>
+            <a:ext cx="3605343" cy="1690731"/>
           </a:xfrm>
           <a:prstGeom prst="rect">
             <a:avLst/>
@@ -5447,16 +6034,55 @@
         <p:spPr>
           <a:xfrm>
             <a:off x="471030" y="9561422"/>
-            <a:ext cx="427283" cy="398273"/>
+            <a:ext cx="427292" cy="398273"/>
           </a:xfrm>
           <a:prstGeom prst="rect">
             <a:avLst/>
           </a:prstGeom>
         </p:spPr>
       </p:pic>
-      <p:sp>
-        <p:nvSpPr>
-          <p:cNvPr id="10" name="모서리가 둥근 직사각형 9"/>
+      <p:grpSp>
+        <p:nvGrpSpPr>
+          <p:cNvPr id="1002" name="그룹 1002"/>
+          <p:cNvGrpSpPr/>
+          <p:nvPr/>
+        </p:nvGrpSpPr>
+        <p:grpSpPr>
+          <a:xfrm>
+            <a:off x="15906782" y="0"/>
+            <a:ext cx="2378932" cy="2378932"/>
+            <a:chOff x="15906782" y="0"/>
+            <a:chExt cx="2378932" cy="2378932"/>
+          </a:xfrm>
+        </p:grpSpPr>
+        <p:pic>
+          <p:nvPicPr>
+            <p:cNvPr id="11" name="Object 10"/>
+            <p:cNvPicPr>
+              <a:picLocks noChangeAspect="1"/>
+            </p:cNvPicPr>
+            <p:nvPr/>
+          </p:nvPicPr>
+          <p:blipFill>
+            <a:blip r:embed="rId8" cstate="print"/>
+            <a:stretch>
+              <a:fillRect/>
+            </a:stretch>
+          </p:blipFill>
+          <p:spPr>
+            <a:xfrm>
+              <a:off x="15906782" y="0"/>
+              <a:ext cx="2378932" cy="2378932"/>
+            </a:xfrm>
+            <a:prstGeom prst="rect">
+              <a:avLst/>
+            </a:prstGeom>
+          </p:spPr>
+        </p:pic>
+      </p:grpSp>
+      <p:sp>
+        <p:nvSpPr>
+          <p:cNvPr id="12" name="모서리가 둥근 직사각형 11"/>
           <p:cNvSpPr/>
           <p:nvPr/>
         </p:nvSpPr>
@@ -5520,7 +6146,7 @@
       </p:sp>
       <p:sp>
         <p:nvSpPr>
-          <p:cNvPr id="12" name="모서리가 둥근 직사각형 11"/>
+          <p:cNvPr id="15" name="모서리가 둥근 직사각형 14"/>
           <p:cNvSpPr/>
           <p:nvPr/>
         </p:nvSpPr>
@@ -5595,7 +6221,127 @@
       </p:sp>
       <p:sp>
         <p:nvSpPr>
-          <p:cNvPr id="14" name="모서리가 둥근 직사각형 13"/>
+          <p:cNvPr id="16" name="모서리가 둥근 직사각형 15"/>
+          <p:cNvSpPr/>
+          <p:nvPr/>
+        </p:nvSpPr>
+        <p:spPr>
+          <a:xfrm>
+            <a:off x="4038601" y="7089383"/>
+            <a:ext cx="10287000" cy="685800"/>
+          </a:xfrm>
+          <a:prstGeom prst="roundRect">
+            <a:avLst/>
+          </a:prstGeom>
+          <a:solidFill>
+            <a:schemeClr val="accent1">
+              <a:alpha val="50000"/>
+            </a:schemeClr>
+          </a:solidFill>
+          <a:ln>
+            <a:noFill/>
+          </a:ln>
+        </p:spPr>
+        <p:style>
+          <a:lnRef idx="0">
+            <a:scrgbClr r="0" g="0" b="0"/>
+          </a:lnRef>
+          <a:fillRef idx="0">
+            <a:scrgbClr r="0" g="0" b="0"/>
+          </a:fillRef>
+          <a:effectRef idx="0">
+            <a:scrgbClr r="0" g="0" b="0"/>
+          </a:effectRef>
+          <a:fontRef idx="minor">
+            <a:schemeClr val="lt1"/>
+          </a:fontRef>
+        </p:style>
+        <p:txBody>
+          <a:bodyPr rtlCol="0" anchor="ctr"/>
+          <a:lstStyle/>
+          <a:p>
+            <a:pPr algn="ctr"/>
+            <a:r>
+              <a:rPr lang="ko-KR" altLang="en-US" sz="4000" b="1" dirty="0">
+                <a:solidFill>
+                  <a:schemeClr val="tx1">
+                    <a:lumMod val="95000"/>
+                    <a:lumOff val="5000"/>
+                  </a:schemeClr>
+                </a:solidFill>
+              </a:rPr>
+              <a:t>코드 분석 및 수정</a:t>
+            </a:r>
+          </a:p>
+        </p:txBody>
+      </p:sp>
+      <p:sp>
+        <p:nvSpPr>
+          <p:cNvPr id="17" name="모서리가 둥근 직사각형 16"/>
+          <p:cNvSpPr/>
+          <p:nvPr/>
+        </p:nvSpPr>
+        <p:spPr>
+          <a:xfrm>
+            <a:off x="4038600" y="8266799"/>
+            <a:ext cx="8153400" cy="685800"/>
+          </a:xfrm>
+          <a:prstGeom prst="roundRect">
+            <a:avLst/>
+          </a:prstGeom>
+          <a:solidFill>
+            <a:schemeClr val="accent3">
+              <a:alpha val="50000"/>
+            </a:schemeClr>
+          </a:solidFill>
+          <a:ln>
+            <a:noFill/>
+          </a:ln>
+        </p:spPr>
+        <p:style>
+          <a:lnRef idx="0">
+            <a:scrgbClr r="0" g="0" b="0"/>
+          </a:lnRef>
+          <a:fillRef idx="0">
+            <a:scrgbClr r="0" g="0" b="0"/>
+          </a:fillRef>
+          <a:effectRef idx="0">
+            <a:scrgbClr r="0" g="0" b="0"/>
+          </a:effectRef>
+          <a:fontRef idx="minor">
+            <a:schemeClr val="lt1"/>
+          </a:fontRef>
+        </p:style>
+        <p:txBody>
+          <a:bodyPr rtlCol="0" anchor="ctr"/>
+          <a:lstStyle/>
+          <a:p>
+            <a:pPr algn="ctr"/>
+            <a:r>
+              <a:rPr lang="ko-KR" altLang="en-US" sz="4000" b="1" dirty="0" smtClean="0">
+                <a:solidFill>
+                  <a:schemeClr val="tx1">
+                    <a:lumMod val="95000"/>
+                    <a:lumOff val="5000"/>
+                  </a:schemeClr>
+                </a:solidFill>
+              </a:rPr>
+              <a:t>개인 분담 업무</a:t>
+            </a:r>
+            <a:endParaRPr lang="ko-KR" altLang="en-US" sz="4000" b="1" dirty="0">
+              <a:solidFill>
+                <a:schemeClr val="tx1">
+                  <a:lumMod val="95000"/>
+                  <a:lumOff val="5000"/>
+                </a:schemeClr>
+              </a:solidFill>
+            </a:endParaRPr>
+          </a:p>
+        </p:txBody>
+      </p:sp>
+      <p:sp>
+        <p:nvSpPr>
+          <p:cNvPr id="18" name="모서리가 둥근 직사각형 17"/>
           <p:cNvSpPr/>
           <p:nvPr/>
         </p:nvSpPr>
@@ -5657,158 +6403,29 @@
           </a:p>
         </p:txBody>
       </p:sp>
-      <p:sp>
-        <p:nvSpPr>
-          <p:cNvPr id="15" name="모서리가 둥근 직사각형 14"/>
-          <p:cNvSpPr/>
-          <p:nvPr/>
-        </p:nvSpPr>
-        <p:spPr>
-          <a:xfrm>
-            <a:off x="4038601" y="7089383"/>
-            <a:ext cx="10287000" cy="685800"/>
-          </a:xfrm>
-          <a:prstGeom prst="roundRect">
-            <a:avLst/>
-          </a:prstGeom>
-          <a:solidFill>
-            <a:schemeClr val="accent1">
-              <a:alpha val="50000"/>
-            </a:schemeClr>
-          </a:solidFill>
-          <a:ln>
-            <a:noFill/>
-          </a:ln>
-        </p:spPr>
-        <p:style>
-          <a:lnRef idx="0">
-            <a:scrgbClr r="0" g="0" b="0"/>
-          </a:lnRef>
-          <a:fillRef idx="0">
-            <a:scrgbClr r="0" g="0" b="0"/>
-          </a:fillRef>
-          <a:effectRef idx="0">
-            <a:scrgbClr r="0" g="0" b="0"/>
-          </a:effectRef>
-          <a:fontRef idx="minor">
-            <a:schemeClr val="lt1"/>
-          </a:fontRef>
-        </p:style>
-        <p:txBody>
-          <a:bodyPr rtlCol="0" anchor="ctr"/>
-          <a:lstStyle/>
-          <a:p>
-            <a:pPr algn="ctr"/>
-            <a:r>
-              <a:rPr lang="ko-KR" altLang="en-US" sz="4000" b="1" dirty="0">
-                <a:solidFill>
-                  <a:schemeClr val="tx1">
-                    <a:lumMod val="95000"/>
-                    <a:lumOff val="5000"/>
-                  </a:schemeClr>
-                </a:solidFill>
-              </a:rPr>
-              <a:t>코드 분석 및 수정</a:t>
-            </a:r>
-            <a:endParaRPr lang="ko-KR" altLang="en-US" sz="4000" b="1" dirty="0">
-              <a:solidFill>
-                <a:schemeClr val="tx1">
-                  <a:lumMod val="95000"/>
-                  <a:lumOff val="5000"/>
-                </a:schemeClr>
-              </a:solidFill>
-            </a:endParaRPr>
-          </a:p>
-        </p:txBody>
-      </p:sp>
-      <p:sp>
-        <p:nvSpPr>
-          <p:cNvPr id="18" name="모서리가 둥근 직사각형 17"/>
-          <p:cNvSpPr/>
-          <p:nvPr/>
-        </p:nvSpPr>
-        <p:spPr>
-          <a:xfrm>
-            <a:off x="4038600" y="8266799"/>
-            <a:ext cx="8153400" cy="685800"/>
-          </a:xfrm>
-          <a:prstGeom prst="roundRect">
-            <a:avLst/>
-          </a:prstGeom>
-          <a:solidFill>
-            <a:schemeClr val="accent3">
-              <a:alpha val="50000"/>
-            </a:schemeClr>
-          </a:solidFill>
-          <a:ln>
-            <a:noFill/>
-          </a:ln>
-        </p:spPr>
-        <p:style>
-          <a:lnRef idx="0">
-            <a:scrgbClr r="0" g="0" b="0"/>
-          </a:lnRef>
-          <a:fillRef idx="0">
-            <a:scrgbClr r="0" g="0" b="0"/>
-          </a:fillRef>
-          <a:effectRef idx="0">
-            <a:scrgbClr r="0" g="0" b="0"/>
-          </a:effectRef>
-          <a:fontRef idx="minor">
-            <a:schemeClr val="lt1"/>
-          </a:fontRef>
-        </p:style>
-        <p:txBody>
-          <a:bodyPr rtlCol="0" anchor="ctr"/>
-          <a:lstStyle/>
-          <a:p>
-            <a:pPr algn="ctr"/>
-            <a:r>
-              <a:rPr lang="ko-KR" altLang="en-US" sz="4000" b="1" dirty="0" smtClean="0">
-                <a:solidFill>
-                  <a:schemeClr val="tx1">
-                    <a:lumMod val="95000"/>
-                    <a:lumOff val="5000"/>
-                  </a:schemeClr>
-                </a:solidFill>
-              </a:rPr>
-              <a:t>개인 분담 업무</a:t>
-            </a:r>
-            <a:endParaRPr lang="ko-KR" altLang="en-US" sz="4000" b="1" dirty="0">
-              <a:solidFill>
-                <a:schemeClr val="tx1">
-                  <a:lumMod val="95000"/>
-                  <a:lumOff val="5000"/>
-                </a:schemeClr>
-              </a:solidFill>
-            </a:endParaRPr>
-          </a:p>
-        </p:txBody>
-      </p:sp>
     </p:spTree>
     <p:extLst>
       <p:ext uri="{BB962C8B-B14F-4D97-AF65-F5344CB8AC3E}">
-        <p14:creationId xmlns:p14="http://schemas.microsoft.com/office/powerpoint/2010/main" val="742361931"/>
+        <p14:creationId xmlns:p14="http://schemas.microsoft.com/office/powerpoint/2010/main" val="830747187"/>
       </p:ext>
     </p:extLst>
   </p:cSld>
   <p:clrMapOvr>
     <a:masterClrMapping/>
   </p:clrMapOvr>
+  <p:timing>
+    <p:tnLst>
+      <p:par>
+        <p:cTn id="1" dur="indefinite" restart="never" nodeType="tmRoot"/>
+      </p:par>
+    </p:tnLst>
+  </p:timing>
 </p:sld>
 </file>
 
 <file path=ppt/slides/slide5.xml><?xml version="1.0" encoding="utf-8"?>
 <p:sld xmlns:a="http://schemas.openxmlformats.org/drawingml/2006/main" xmlns:r="http://schemas.openxmlformats.org/officeDocument/2006/relationships" xmlns:p="http://schemas.openxmlformats.org/presentationml/2006/main">
-  <p:cSld name="Slide 5">
-    <p:bg>
-      <p:bgPr>
-        <a:solidFill>
-          <a:srgbClr val="FFFFFF"/>
-        </a:solidFill>
-        <a:effectLst/>
-      </p:bgPr>
-    </p:bg>
+  <p:cSld>
     <p:spTree>
       <p:nvGrpSpPr>
         <p:cNvPr id="1" name=""/>
@@ -5823,71 +6440,101 @@
           <a:chExt cx="0" cy="0"/>
         </a:xfrm>
       </p:grpSpPr>
-      <p:pic>
-        <p:nvPicPr>
-          <p:cNvPr id="2" name="Object 1"/>
-          <p:cNvPicPr>
-            <a:picLocks noChangeAspect="1"/>
-          </p:cNvPicPr>
-          <p:nvPr/>
-        </p:nvPicPr>
-        <p:blipFill>
-          <a:blip r:embed="rId2" cstate="print"/>
-          <a:stretch>
-            <a:fillRect/>
-          </a:stretch>
-        </p:blipFill>
-        <p:spPr>
-          <a:xfrm>
-            <a:off x="17435906" y="9561429"/>
-            <a:ext cx="411797" cy="398273"/>
-          </a:xfrm>
-          <a:prstGeom prst="rect">
-            <a:avLst/>
-          </a:prstGeom>
-        </p:spPr>
-      </p:pic>
-      <p:pic>
-        <p:nvPicPr>
-          <p:cNvPr id="3" name="Object 2"/>
-          <p:cNvPicPr>
-            <a:picLocks noChangeAspect="1"/>
-          </p:cNvPicPr>
-          <p:nvPr/>
-        </p:nvPicPr>
-        <p:blipFill>
-          <a:blip r:embed="rId3" cstate="print"/>
-          <a:stretch>
-            <a:fillRect/>
-          </a:stretch>
-        </p:blipFill>
-        <p:spPr>
-          <a:xfrm>
-            <a:off x="5473034" y="-155878"/>
-            <a:ext cx="6511515" cy="1720950"/>
-          </a:xfrm>
-          <a:prstGeom prst="rect">
-            <a:avLst/>
-          </a:prstGeom>
-        </p:spPr>
-      </p:pic>
       <p:grpSp>
         <p:nvGrpSpPr>
-          <p:cNvPr id="1001" name="그룹 1001"/>
+          <p:cNvPr id="1002" name="그룹 1002"/>
           <p:cNvGrpSpPr/>
           <p:nvPr/>
         </p:nvGrpSpPr>
         <p:grpSpPr>
           <a:xfrm>
-            <a:off x="1653467" y="2044057"/>
-            <a:ext cx="4008097" cy="4321330"/>
-            <a:chOff x="1653467" y="2044057"/>
-            <a:chExt cx="4008097" cy="4321330"/>
+            <a:off x="10011300" y="2693740"/>
+            <a:ext cx="1711365" cy="2167314"/>
+            <a:chOff x="10011300" y="2693740"/>
+            <a:chExt cx="1711365" cy="2167314"/>
           </a:xfrm>
         </p:grpSpPr>
         <p:pic>
           <p:nvPicPr>
-            <p:cNvPr id="5" name="Object 4"/>
+            <p:cNvPr id="10" name="Object 9"/>
+            <p:cNvPicPr>
+              <a:picLocks noChangeAspect="1"/>
+            </p:cNvPicPr>
+            <p:nvPr/>
+          </p:nvPicPr>
+          <p:blipFill>
+            <a:blip r:embed="rId2" cstate="print"/>
+            <a:stretch>
+              <a:fillRect/>
+            </a:stretch>
+          </p:blipFill>
+          <p:spPr>
+            <a:xfrm>
+              <a:off x="10011300" y="2693740"/>
+              <a:ext cx="1711365" cy="2167314"/>
+            </a:xfrm>
+            <a:prstGeom prst="rect">
+              <a:avLst/>
+            </a:prstGeom>
+          </p:spPr>
+        </p:pic>
+      </p:grpSp>
+      <p:grpSp>
+        <p:nvGrpSpPr>
+          <p:cNvPr id="1003" name="그룹 1003"/>
+          <p:cNvGrpSpPr/>
+          <p:nvPr/>
+        </p:nvGrpSpPr>
+        <p:grpSpPr>
+          <a:xfrm>
+            <a:off x="2419543" y="7458647"/>
+            <a:ext cx="1498116" cy="2135163"/>
+            <a:chOff x="2419543" y="7458647"/>
+            <a:chExt cx="1498116" cy="2135163"/>
+          </a:xfrm>
+        </p:grpSpPr>
+        <p:pic>
+          <p:nvPicPr>
+            <p:cNvPr id="13" name="Object 12"/>
+            <p:cNvPicPr>
+              <a:picLocks noChangeAspect="1"/>
+            </p:cNvPicPr>
+            <p:nvPr/>
+          </p:nvPicPr>
+          <p:blipFill>
+            <a:blip r:embed="rId3" cstate="print"/>
+            <a:stretch>
+              <a:fillRect/>
+            </a:stretch>
+          </p:blipFill>
+          <p:spPr>
+            <a:xfrm>
+              <a:off x="2419543" y="7458647"/>
+              <a:ext cx="1498116" cy="2135163"/>
+            </a:xfrm>
+            <a:prstGeom prst="rect">
+              <a:avLst/>
+            </a:prstGeom>
+          </p:spPr>
+        </p:pic>
+      </p:grpSp>
+      <p:grpSp>
+        <p:nvGrpSpPr>
+          <p:cNvPr id="1004" name="그룹 1004"/>
+          <p:cNvGrpSpPr/>
+          <p:nvPr/>
+        </p:nvGrpSpPr>
+        <p:grpSpPr>
+          <a:xfrm>
+            <a:off x="2419543" y="4459019"/>
+            <a:ext cx="1498116" cy="1969180"/>
+            <a:chOff x="2419543" y="4459019"/>
+            <a:chExt cx="1498116" cy="1969180"/>
+          </a:xfrm>
+        </p:grpSpPr>
+        <p:pic>
+          <p:nvPicPr>
+            <p:cNvPr id="16" name="Object 15"/>
             <p:cNvPicPr>
               <a:picLocks noChangeAspect="1"/>
             </p:cNvPicPr>
@@ -5901,71 +6548,8 @@
           </p:blipFill>
           <p:spPr>
             <a:xfrm>
-              <a:off x="1653467" y="2044057"/>
-              <a:ext cx="4008097" cy="4321330"/>
-            </a:xfrm>
-            <a:prstGeom prst="rect">
-              <a:avLst/>
-            </a:prstGeom>
-          </p:spPr>
-        </p:pic>
-      </p:grpSp>
-      <p:pic>
-        <p:nvPicPr>
-          <p:cNvPr id="7" name="Object 6"/>
-          <p:cNvPicPr>
-            <a:picLocks noChangeAspect="1"/>
-          </p:cNvPicPr>
-          <p:nvPr/>
-        </p:nvPicPr>
-        <p:blipFill>
-          <a:blip r:embed="rId5" cstate="print"/>
-          <a:stretch>
-            <a:fillRect/>
-          </a:stretch>
-        </p:blipFill>
-        <p:spPr>
-          <a:xfrm>
-            <a:off x="2446991" y="6339266"/>
-            <a:ext cx="2421048" cy="985286"/>
-          </a:xfrm>
-          <a:prstGeom prst="rect">
-            <a:avLst/>
-          </a:prstGeom>
-        </p:spPr>
-      </p:pic>
-      <p:grpSp>
-        <p:nvGrpSpPr>
-          <p:cNvPr id="1002" name="그룹 1002"/>
-          <p:cNvGrpSpPr/>
-          <p:nvPr/>
-        </p:nvGrpSpPr>
-        <p:grpSpPr>
-          <a:xfrm>
-            <a:off x="7316702" y="2044057"/>
-            <a:ext cx="4008097" cy="4321330"/>
-            <a:chOff x="7569454" y="2044057"/>
-            <a:chExt cx="4008097" cy="4321330"/>
-          </a:xfrm>
-        </p:grpSpPr>
-        <p:pic>
-          <p:nvPicPr>
-            <p:cNvPr id="9" name="Object 8"/>
-            <p:cNvPicPr>
-              <a:picLocks noChangeAspect="1"/>
-            </p:cNvPicPr>
-            <p:nvPr/>
-          </p:nvPicPr>
-          <p:blipFill>
-            <a:blip r:embed="rId4" cstate="print"/>
-            <a:stretch>
-              <a:fillRect/>
-            </a:stretch>
-          </p:blipFill>
-          <p:spPr>
-            <a:xfrm>
-              <a:off x="7569454" y="2044057"/>
-              <a:ext cx="4008097" cy="4321330"/>
+              <a:off x="2419543" y="4459019"/>
+              <a:ext cx="1498116" cy="1969180"/>
             </a:xfrm>
             <a:prstGeom prst="rect">
               <a:avLst/>
@@ -5975,186 +6559,36 @@
       </p:grpSp>
       <p:grpSp>
         <p:nvGrpSpPr>
-          <p:cNvPr id="1003" name="그룹 1003"/>
+          <p:cNvPr id="1005" name="그룹 1005"/>
           <p:cNvGrpSpPr/>
           <p:nvPr/>
         </p:nvGrpSpPr>
         <p:grpSpPr>
           <a:xfrm>
-            <a:off x="12979938" y="2044057"/>
-            <a:ext cx="4008097" cy="4321330"/>
-            <a:chOff x="12979938" y="2044057"/>
-            <a:chExt cx="4008097" cy="4321330"/>
+            <a:off x="10011300" y="5966616"/>
+            <a:ext cx="1754672" cy="2223778"/>
+            <a:chOff x="10011300" y="5966616"/>
+            <a:chExt cx="1754672" cy="2223778"/>
           </a:xfrm>
         </p:grpSpPr>
         <p:pic>
           <p:nvPicPr>
-            <p:cNvPr id="12" name="Object 11"/>
+            <p:cNvPr id="19" name="Object 18"/>
             <p:cNvPicPr>
               <a:picLocks noChangeAspect="1"/>
             </p:cNvPicPr>
             <p:nvPr/>
           </p:nvPicPr>
           <p:blipFill>
-            <a:blip r:embed="rId4" cstate="print"/>
+            <a:blip r:embed="rId5" cstate="print"/>
             <a:stretch>
               <a:fillRect/>
             </a:stretch>
           </p:blipFill>
           <p:spPr>
             <a:xfrm>
-              <a:off x="12979938" y="2044057"/>
-              <a:ext cx="4008097" cy="4321330"/>
-            </a:xfrm>
-            <a:prstGeom prst="rect">
-              <a:avLst/>
-            </a:prstGeom>
-          </p:spPr>
-        </p:pic>
-      </p:grpSp>
-      <p:pic>
-        <p:nvPicPr>
-          <p:cNvPr id="14" name="Object 13"/>
-          <p:cNvPicPr>
-            <a:picLocks noChangeAspect="1"/>
-          </p:cNvPicPr>
-          <p:nvPr/>
-        </p:nvPicPr>
-        <p:blipFill>
-          <a:blip r:embed="rId6" cstate="print"/>
-          <a:stretch>
-            <a:fillRect/>
-          </a:stretch>
-        </p:blipFill>
-        <p:spPr>
-          <a:xfrm>
-            <a:off x="8101179" y="6344028"/>
-            <a:ext cx="2439143" cy="975762"/>
-          </a:xfrm>
-          <a:prstGeom prst="rect">
-            <a:avLst/>
-          </a:prstGeom>
-        </p:spPr>
-      </p:pic>
-      <p:pic>
-        <p:nvPicPr>
-          <p:cNvPr id="15" name="Object 14"/>
-          <p:cNvPicPr>
-            <a:picLocks noChangeAspect="1"/>
-          </p:cNvPicPr>
-          <p:nvPr/>
-        </p:nvPicPr>
-        <p:blipFill>
-          <a:blip r:embed="rId7" cstate="print"/>
-          <a:stretch>
-            <a:fillRect/>
-          </a:stretch>
-        </p:blipFill>
-        <p:spPr>
-          <a:xfrm>
-            <a:off x="13773462" y="6334504"/>
-            <a:ext cx="2421048" cy="994810"/>
-          </a:xfrm>
-          <a:prstGeom prst="rect">
-            <a:avLst/>
-          </a:prstGeom>
-        </p:spPr>
-      </p:pic>
-      <p:grpSp>
-        <p:nvGrpSpPr>
-          <p:cNvPr id="1004" name="그룹 1004"/>
-          <p:cNvGrpSpPr/>
-          <p:nvPr/>
-        </p:nvGrpSpPr>
-        <p:grpSpPr>
-          <a:xfrm>
-            <a:off x="1207571" y="7553536"/>
-            <a:ext cx="386168" cy="386168"/>
-            <a:chOff x="1237776" y="7344990"/>
-            <a:chExt cx="386168" cy="386168"/>
-          </a:xfrm>
-        </p:grpSpPr>
-        <p:pic>
-          <p:nvPicPr>
-            <p:cNvPr id="17" name="Object 16"/>
-            <p:cNvPicPr>
-              <a:picLocks noChangeAspect="1"/>
-            </p:cNvPicPr>
-            <p:nvPr/>
-          </p:nvPicPr>
-          <p:blipFill>
-            <a:blip r:embed="rId8" cstate="print"/>
-            <a:stretch>
-              <a:fillRect/>
-            </a:stretch>
-          </p:blipFill>
-          <p:spPr>
-            <a:xfrm>
-              <a:off x="1237776" y="7344990"/>
-              <a:ext cx="386168" cy="386168"/>
-            </a:xfrm>
-            <a:prstGeom prst="rect">
-              <a:avLst/>
-            </a:prstGeom>
-          </p:spPr>
-        </p:pic>
-      </p:grpSp>
-      <p:pic>
-        <p:nvPicPr>
-          <p:cNvPr id="19" name="Object 18"/>
-          <p:cNvPicPr>
-            <a:picLocks noChangeAspect="1"/>
-          </p:cNvPicPr>
-          <p:nvPr/>
-        </p:nvPicPr>
-        <p:blipFill>
-          <a:blip r:embed="rId9" cstate="print"/>
-          <a:stretch>
-            <a:fillRect/>
-          </a:stretch>
-        </p:blipFill>
-        <p:spPr>
-          <a:xfrm>
-            <a:off x="2167507" y="7090301"/>
-            <a:ext cx="3517791" cy="1312638"/>
-          </a:xfrm>
-          <a:prstGeom prst="rect">
-            <a:avLst/>
-          </a:prstGeom>
-        </p:spPr>
-      </p:pic>
-      <p:grpSp>
-        <p:nvGrpSpPr>
-          <p:cNvPr id="1005" name="그룹 1005"/>
-          <p:cNvGrpSpPr/>
-          <p:nvPr/>
-        </p:nvGrpSpPr>
-        <p:grpSpPr>
-          <a:xfrm>
-            <a:off x="6688425" y="7553536"/>
-            <a:ext cx="386168" cy="386168"/>
-            <a:chOff x="7147798" y="7344990"/>
-            <a:chExt cx="386168" cy="386168"/>
-          </a:xfrm>
-        </p:grpSpPr>
-        <p:pic>
-          <p:nvPicPr>
-            <p:cNvPr id="21" name="Object 20"/>
-            <p:cNvPicPr>
-              <a:picLocks noChangeAspect="1"/>
-            </p:cNvPicPr>
-            <p:nvPr/>
-          </p:nvPicPr>
-          <p:blipFill>
-            <a:blip r:embed="rId8" cstate="print"/>
-            <a:stretch>
-              <a:fillRect/>
-            </a:stretch>
-          </p:blipFill>
-          <p:spPr>
-            <a:xfrm>
-              <a:off x="7147798" y="7344990"/>
-              <a:ext cx="386168" cy="386168"/>
+              <a:off x="10011300" y="5966616"/>
+              <a:ext cx="1754672" cy="2223778"/>
             </a:xfrm>
             <a:prstGeom prst="rect">
               <a:avLst/>
@@ -6170,30 +6604,30 @@
         </p:nvGrpSpPr>
         <p:grpSpPr>
           <a:xfrm>
-            <a:off x="12169280" y="7553536"/>
-            <a:ext cx="386168" cy="386168"/>
-            <a:chOff x="12169280" y="7344990"/>
-            <a:chExt cx="386168" cy="386168"/>
+            <a:off x="2156841" y="1817217"/>
+            <a:ext cx="1982410" cy="1692895"/>
+            <a:chOff x="2156841" y="1817217"/>
+            <a:chExt cx="1982410" cy="1692895"/>
           </a:xfrm>
         </p:grpSpPr>
         <p:pic>
           <p:nvPicPr>
-            <p:cNvPr id="24" name="Object 23"/>
+            <p:cNvPr id="22" name="Object 21"/>
             <p:cNvPicPr>
               <a:picLocks noChangeAspect="1"/>
             </p:cNvPicPr>
             <p:nvPr/>
           </p:nvPicPr>
           <p:blipFill>
-            <a:blip r:embed="rId8" cstate="print"/>
+            <a:blip r:embed="rId6" cstate="print"/>
             <a:stretch>
               <a:fillRect/>
             </a:stretch>
           </p:blipFill>
           <p:spPr>
             <a:xfrm>
-              <a:off x="12169280" y="7344990"/>
-              <a:ext cx="386168" cy="386168"/>
+              <a:off x="2156841" y="1817217"/>
+              <a:ext cx="1982410" cy="1692895"/>
             </a:xfrm>
             <a:prstGeom prst="rect">
               <a:avLst/>
@@ -6203,36 +6637,36 @@
       </p:grpSp>
       <p:grpSp>
         <p:nvGrpSpPr>
-          <p:cNvPr id="1007" name="그룹 1007"/>
+          <p:cNvPr id="23" name="그룹 1002"/>
           <p:cNvGrpSpPr/>
           <p:nvPr/>
         </p:nvGrpSpPr>
         <p:grpSpPr>
           <a:xfrm>
-            <a:off x="1207571" y="8226415"/>
-            <a:ext cx="386168" cy="386168"/>
-            <a:chOff x="1210020" y="7989259"/>
-            <a:chExt cx="386168" cy="386168"/>
+            <a:off x="15906782" y="0"/>
+            <a:ext cx="2378932" cy="2378932"/>
+            <a:chOff x="15906782" y="0"/>
+            <a:chExt cx="2378932" cy="2378932"/>
           </a:xfrm>
         </p:grpSpPr>
         <p:pic>
           <p:nvPicPr>
-            <p:cNvPr id="27" name="Object 26"/>
+            <p:cNvPr id="29" name="Object 8"/>
             <p:cNvPicPr>
               <a:picLocks noChangeAspect="1"/>
             </p:cNvPicPr>
             <p:nvPr/>
           </p:nvPicPr>
           <p:blipFill>
-            <a:blip r:embed="rId8" cstate="print"/>
+            <a:blip r:embed="rId7" cstate="print"/>
             <a:stretch>
               <a:fillRect/>
             </a:stretch>
           </p:blipFill>
           <p:spPr>
             <a:xfrm>
-              <a:off x="1210020" y="7989259"/>
-              <a:ext cx="386168" cy="386168"/>
+              <a:off x="15906782" y="0"/>
+              <a:ext cx="2378932" cy="2378932"/>
             </a:xfrm>
             <a:prstGeom prst="rect">
               <a:avLst/>
@@ -6242,21 +6676,21 @@
       </p:grpSp>
       <p:grpSp>
         <p:nvGrpSpPr>
-          <p:cNvPr id="1008" name="그룹 1008"/>
+          <p:cNvPr id="30" name="그룹 1001"/>
           <p:cNvGrpSpPr/>
           <p:nvPr/>
         </p:nvGrpSpPr>
         <p:grpSpPr>
           <a:xfrm>
-            <a:off x="1207571" y="8899293"/>
-            <a:ext cx="386168" cy="386168"/>
-            <a:chOff x="1177367" y="8802751"/>
-            <a:chExt cx="386168" cy="386168"/>
+            <a:off x="2419543" y="1283810"/>
+            <a:ext cx="13204946" cy="110187"/>
+            <a:chOff x="2419543" y="1283810"/>
+            <a:chExt cx="13204946" cy="110187"/>
           </a:xfrm>
         </p:grpSpPr>
         <p:pic>
           <p:nvPicPr>
-            <p:cNvPr id="30" name="Object 29"/>
+            <p:cNvPr id="31" name="Object 3"/>
             <p:cNvPicPr>
               <a:picLocks noChangeAspect="1"/>
             </p:cNvPicPr>
@@ -6264,273 +6698,6 @@
           </p:nvPicPr>
           <p:blipFill>
             <a:blip r:embed="rId8" cstate="print"/>
-            <a:stretch>
-              <a:fillRect/>
-            </a:stretch>
-          </p:blipFill>
-          <p:spPr>
-            <a:xfrm>
-              <a:off x="1177367" y="8802751"/>
-              <a:ext cx="386168" cy="386168"/>
-            </a:xfrm>
-            <a:prstGeom prst="rect">
-              <a:avLst/>
-            </a:prstGeom>
-          </p:spPr>
-        </p:pic>
-      </p:grpSp>
-      <p:grpSp>
-        <p:nvGrpSpPr>
-          <p:cNvPr id="1009" name="그룹 1009"/>
-          <p:cNvGrpSpPr/>
-          <p:nvPr/>
-        </p:nvGrpSpPr>
-        <p:grpSpPr>
-          <a:xfrm>
-            <a:off x="6688425" y="8226415"/>
-            <a:ext cx="386168" cy="386168"/>
-            <a:chOff x="7183285" y="7989259"/>
-            <a:chExt cx="386168" cy="386168"/>
-          </a:xfrm>
-        </p:grpSpPr>
-        <p:pic>
-          <p:nvPicPr>
-            <p:cNvPr id="33" name="Object 32"/>
-            <p:cNvPicPr>
-              <a:picLocks noChangeAspect="1"/>
-            </p:cNvPicPr>
-            <p:nvPr/>
-          </p:nvPicPr>
-          <p:blipFill>
-            <a:blip r:embed="rId8" cstate="print"/>
-            <a:stretch>
-              <a:fillRect/>
-            </a:stretch>
-          </p:blipFill>
-          <p:spPr>
-            <a:xfrm>
-              <a:off x="7183285" y="7989259"/>
-              <a:ext cx="386168" cy="386168"/>
-            </a:xfrm>
-            <a:prstGeom prst="rect">
-              <a:avLst/>
-            </a:prstGeom>
-          </p:spPr>
-        </p:pic>
-      </p:grpSp>
-      <p:grpSp>
-        <p:nvGrpSpPr>
-          <p:cNvPr id="1010" name="그룹 1010"/>
-          <p:cNvGrpSpPr/>
-          <p:nvPr/>
-        </p:nvGrpSpPr>
-        <p:grpSpPr>
-          <a:xfrm>
-            <a:off x="6688425" y="8899293"/>
-            <a:ext cx="386168" cy="386168"/>
-            <a:chOff x="7215939" y="8802751"/>
-            <a:chExt cx="386168" cy="386168"/>
-          </a:xfrm>
-        </p:grpSpPr>
-        <p:pic>
-          <p:nvPicPr>
-            <p:cNvPr id="36" name="Object 35"/>
-            <p:cNvPicPr>
-              <a:picLocks noChangeAspect="1"/>
-            </p:cNvPicPr>
-            <p:nvPr/>
-          </p:nvPicPr>
-          <p:blipFill>
-            <a:blip r:embed="rId8" cstate="print"/>
-            <a:stretch>
-              <a:fillRect/>
-            </a:stretch>
-          </p:blipFill>
-          <p:spPr>
-            <a:xfrm>
-              <a:off x="7215939" y="8802751"/>
-              <a:ext cx="386168" cy="386168"/>
-            </a:xfrm>
-            <a:prstGeom prst="rect">
-              <a:avLst/>
-            </a:prstGeom>
-          </p:spPr>
-        </p:pic>
-      </p:grpSp>
-      <p:grpSp>
-        <p:nvGrpSpPr>
-          <p:cNvPr id="1011" name="그룹 1011"/>
-          <p:cNvGrpSpPr/>
-          <p:nvPr/>
-        </p:nvGrpSpPr>
-        <p:grpSpPr>
-          <a:xfrm>
-            <a:off x="12169280" y="8226415"/>
-            <a:ext cx="386168" cy="386168"/>
-            <a:chOff x="12169280" y="8182343"/>
-            <a:chExt cx="386168" cy="386168"/>
-          </a:xfrm>
-        </p:grpSpPr>
-        <p:pic>
-          <p:nvPicPr>
-            <p:cNvPr id="39" name="Object 38"/>
-            <p:cNvPicPr>
-              <a:picLocks noChangeAspect="1"/>
-            </p:cNvPicPr>
-            <p:nvPr/>
-          </p:nvPicPr>
-          <p:blipFill>
-            <a:blip r:embed="rId8" cstate="print"/>
-            <a:stretch>
-              <a:fillRect/>
-            </a:stretch>
-          </p:blipFill>
-          <p:spPr>
-            <a:xfrm>
-              <a:off x="12169280" y="8182343"/>
-              <a:ext cx="386168" cy="386168"/>
-            </a:xfrm>
-            <a:prstGeom prst="rect">
-              <a:avLst/>
-            </a:prstGeom>
-          </p:spPr>
-        </p:pic>
-      </p:grpSp>
-      <p:grpSp>
-        <p:nvGrpSpPr>
-          <p:cNvPr id="1012" name="그룹 1012"/>
-          <p:cNvGrpSpPr/>
-          <p:nvPr/>
-        </p:nvGrpSpPr>
-        <p:grpSpPr>
-          <a:xfrm>
-            <a:off x="12169280" y="8899293"/>
-            <a:ext cx="386168" cy="386168"/>
-            <a:chOff x="12169280" y="8995835"/>
-            <a:chExt cx="386168" cy="386168"/>
-          </a:xfrm>
-        </p:grpSpPr>
-        <p:pic>
-          <p:nvPicPr>
-            <p:cNvPr id="42" name="Object 41"/>
-            <p:cNvPicPr>
-              <a:picLocks noChangeAspect="1"/>
-            </p:cNvPicPr>
-            <p:nvPr/>
-          </p:nvPicPr>
-          <p:blipFill>
-            <a:blip r:embed="rId8" cstate="print"/>
-            <a:stretch>
-              <a:fillRect/>
-            </a:stretch>
-          </p:blipFill>
-          <p:spPr>
-            <a:xfrm>
-              <a:off x="12169280" y="8995835"/>
-              <a:ext cx="386168" cy="386168"/>
-            </a:xfrm>
-            <a:prstGeom prst="rect">
-              <a:avLst/>
-            </a:prstGeom>
-          </p:spPr>
-        </p:pic>
-      </p:grpSp>
-      <p:pic>
-        <p:nvPicPr>
-          <p:cNvPr id="44" name="Object 43"/>
-          <p:cNvPicPr>
-            <a:picLocks noChangeAspect="1"/>
-          </p:cNvPicPr>
-          <p:nvPr/>
-        </p:nvPicPr>
-        <p:blipFill>
-          <a:blip r:embed="rId9" cstate="print"/>
-          <a:stretch>
-            <a:fillRect/>
-          </a:stretch>
-        </p:blipFill>
-        <p:spPr>
-          <a:xfrm>
-            <a:off x="8511805" y="7090301"/>
-            <a:ext cx="3517791" cy="1312638"/>
-          </a:xfrm>
-          <a:prstGeom prst="rect">
-            <a:avLst/>
-          </a:prstGeom>
-        </p:spPr>
-      </p:pic>
-      <p:pic>
-        <p:nvPicPr>
-          <p:cNvPr id="45" name="Object 44"/>
-          <p:cNvPicPr>
-            <a:picLocks noChangeAspect="1"/>
-          </p:cNvPicPr>
-          <p:nvPr/>
-        </p:nvPicPr>
-        <p:blipFill>
-          <a:blip r:embed="rId9" cstate="print"/>
-          <a:stretch>
-            <a:fillRect/>
-          </a:stretch>
-        </p:blipFill>
-        <p:spPr>
-          <a:xfrm>
-            <a:off x="13444288" y="7090301"/>
-            <a:ext cx="3517791" cy="1312638"/>
-          </a:xfrm>
-          <a:prstGeom prst="rect">
-            <a:avLst/>
-          </a:prstGeom>
-        </p:spPr>
-      </p:pic>
-      <p:pic>
-        <p:nvPicPr>
-          <p:cNvPr id="46" name="Object 45"/>
-          <p:cNvPicPr>
-            <a:picLocks noChangeAspect="1"/>
-          </p:cNvPicPr>
-          <p:nvPr/>
-        </p:nvPicPr>
-        <p:blipFill>
-          <a:blip r:embed="rId10" cstate="print"/>
-          <a:stretch>
-            <a:fillRect/>
-          </a:stretch>
-        </p:blipFill>
-        <p:spPr>
-          <a:xfrm>
-            <a:off x="1421593" y="1138098"/>
-            <a:ext cx="460508" cy="478856"/>
-          </a:xfrm>
-          <a:prstGeom prst="rect">
-            <a:avLst/>
-          </a:prstGeom>
-        </p:spPr>
-      </p:pic>
-      <p:grpSp>
-        <p:nvGrpSpPr>
-          <p:cNvPr id="1013" name="그룹 1013"/>
-          <p:cNvGrpSpPr/>
-          <p:nvPr/>
-        </p:nvGrpSpPr>
-        <p:grpSpPr>
-          <a:xfrm>
-            <a:off x="2419543" y="1283810"/>
-            <a:ext cx="13204946" cy="110187"/>
-            <a:chOff x="2419543" y="1283810"/>
-            <a:chExt cx="13204946" cy="110187"/>
-          </a:xfrm>
-        </p:grpSpPr>
-        <p:pic>
-          <p:nvPicPr>
-            <p:cNvPr id="48" name="Object 47"/>
-            <p:cNvPicPr>
-              <a:picLocks noChangeAspect="1"/>
-            </p:cNvPicPr>
-            <p:nvPr/>
-          </p:nvPicPr>
-          <p:blipFill>
-            <a:blip r:embed="rId11" cstate="print"/>
             <a:stretch>
               <a:fillRect/>
             </a:stretch>
@@ -6548,7 +6715,79 @@
       </p:grpSp>
       <p:pic>
         <p:nvPicPr>
-          <p:cNvPr id="50" name="Object 49"/>
+          <p:cNvPr id="32" name="Object 1"/>
+          <p:cNvPicPr>
+            <a:picLocks noChangeAspect="1"/>
+          </p:cNvPicPr>
+          <p:nvPr/>
+        </p:nvPicPr>
+        <p:blipFill>
+          <a:blip r:embed="rId9" cstate="print"/>
+          <a:stretch>
+            <a:fillRect/>
+          </a:stretch>
+        </p:blipFill>
+        <p:spPr>
+          <a:xfrm>
+            <a:off x="5761281" y="-155878"/>
+            <a:ext cx="6411144" cy="1709779"/>
+          </a:xfrm>
+          <a:prstGeom prst="rect">
+            <a:avLst/>
+          </a:prstGeom>
+        </p:spPr>
+      </p:pic>
+      <p:pic>
+        <p:nvPicPr>
+          <p:cNvPr id="38" name="Object 23"/>
+          <p:cNvPicPr>
+            <a:picLocks noChangeAspect="1"/>
+          </p:cNvPicPr>
+          <p:nvPr/>
+        </p:nvPicPr>
+        <p:blipFill>
+          <a:blip r:embed="rId10" cstate="print"/>
+          <a:stretch>
+            <a:fillRect/>
+          </a:stretch>
+        </p:blipFill>
+        <p:spPr>
+          <a:xfrm>
+            <a:off x="2343693" y="6338485"/>
+            <a:ext cx="1610684" cy="816059"/>
+          </a:xfrm>
+          <a:prstGeom prst="rect">
+            <a:avLst/>
+          </a:prstGeom>
+        </p:spPr>
+      </p:pic>
+      <p:pic>
+        <p:nvPicPr>
+          <p:cNvPr id="39" name="Object 24"/>
+          <p:cNvPicPr>
+            <a:picLocks noChangeAspect="1"/>
+          </p:cNvPicPr>
+          <p:nvPr/>
+        </p:nvPicPr>
+        <p:blipFill>
+          <a:blip r:embed="rId11" cstate="print"/>
+          <a:stretch>
+            <a:fillRect/>
+          </a:stretch>
+        </p:blipFill>
+        <p:spPr>
+          <a:xfrm>
+            <a:off x="9740563" y="4742092"/>
+            <a:ext cx="2030171" cy="830359"/>
+          </a:xfrm>
+          <a:prstGeom prst="rect">
+            <a:avLst/>
+          </a:prstGeom>
+        </p:spPr>
+      </p:pic>
+      <p:pic>
+        <p:nvPicPr>
+          <p:cNvPr id="40" name="Object 25"/>
           <p:cNvPicPr>
             <a:picLocks noChangeAspect="1"/>
           </p:cNvPicPr>
@@ -6562,7 +6801,103 @@
         </p:blipFill>
         <p:spPr>
           <a:xfrm>
-            <a:off x="487567" y="9561429"/>
+            <a:off x="2474610" y="3439092"/>
+            <a:ext cx="1534000" cy="740073"/>
+          </a:xfrm>
+          <a:prstGeom prst="rect">
+            <a:avLst/>
+          </a:prstGeom>
+        </p:spPr>
+      </p:pic>
+      <p:pic>
+        <p:nvPicPr>
+          <p:cNvPr id="41" name="Object 26"/>
+          <p:cNvPicPr>
+            <a:picLocks noChangeAspect="1"/>
+          </p:cNvPicPr>
+          <p:nvPr/>
+        </p:nvPicPr>
+        <p:blipFill>
+          <a:blip r:embed="rId13" cstate="print"/>
+          <a:stretch>
+            <a:fillRect/>
+          </a:stretch>
+        </p:blipFill>
+        <p:spPr>
+          <a:xfrm>
+            <a:off x="10260783" y="8156231"/>
+            <a:ext cx="1461882" cy="717582"/>
+          </a:xfrm>
+          <a:prstGeom prst="rect">
+            <a:avLst/>
+          </a:prstGeom>
+        </p:spPr>
+      </p:pic>
+      <p:pic>
+        <p:nvPicPr>
+          <p:cNvPr id="42" name="Object 27"/>
+          <p:cNvPicPr>
+            <a:picLocks noChangeAspect="1"/>
+          </p:cNvPicPr>
+          <p:nvPr/>
+        </p:nvPicPr>
+        <p:blipFill>
+          <a:blip r:embed="rId14" cstate="print"/>
+          <a:stretch>
+            <a:fillRect/>
+          </a:stretch>
+        </p:blipFill>
+        <p:spPr>
+          <a:xfrm>
+            <a:off x="2455947" y="9534369"/>
+            <a:ext cx="1461712" cy="727088"/>
+          </a:xfrm>
+          <a:prstGeom prst="rect">
+            <a:avLst/>
+          </a:prstGeom>
+        </p:spPr>
+      </p:pic>
+      <p:pic>
+        <p:nvPicPr>
+          <p:cNvPr id="43" name="Object 5"/>
+          <p:cNvPicPr>
+            <a:picLocks noChangeAspect="1"/>
+          </p:cNvPicPr>
+          <p:nvPr/>
+        </p:nvPicPr>
+        <p:blipFill>
+          <a:blip r:embed="rId15" cstate="print"/>
+          <a:stretch>
+            <a:fillRect/>
+          </a:stretch>
+        </p:blipFill>
+        <p:spPr>
+          <a:xfrm>
+            <a:off x="17454953" y="9561429"/>
+            <a:ext cx="415178" cy="398273"/>
+          </a:xfrm>
+          <a:prstGeom prst="rect">
+            <a:avLst/>
+          </a:prstGeom>
+        </p:spPr>
+      </p:pic>
+      <p:pic>
+        <p:nvPicPr>
+          <p:cNvPr id="44" name="Object 6"/>
+          <p:cNvPicPr>
+            <a:picLocks noChangeAspect="1"/>
+          </p:cNvPicPr>
+          <p:nvPr/>
+        </p:nvPicPr>
+        <p:blipFill>
+          <a:blip r:embed="rId16" cstate="print"/>
+          <a:stretch>
+            <a:fillRect/>
+          </a:stretch>
+        </p:blipFill>
+        <p:spPr>
+          <a:xfrm>
+            <a:off x="478043" y="9561429"/>
             <a:ext cx="395178" cy="398273"/>
           </a:xfrm>
           <a:prstGeom prst="rect">
@@ -6570,11 +6905,1622 @@
           </a:prstGeom>
         </p:spPr>
       </p:pic>
+      <p:pic>
+        <p:nvPicPr>
+          <p:cNvPr id="45" name="Object 7"/>
+          <p:cNvPicPr>
+            <a:picLocks noChangeAspect="1"/>
+          </p:cNvPicPr>
+          <p:nvPr/>
+        </p:nvPicPr>
+        <p:blipFill>
+          <a:blip r:embed="rId17" cstate="print"/>
+          <a:stretch>
+            <a:fillRect/>
+          </a:stretch>
+        </p:blipFill>
+        <p:spPr>
+          <a:xfrm>
+            <a:off x="1421593" y="1138098"/>
+            <a:ext cx="460508" cy="478856"/>
+          </a:xfrm>
+          <a:prstGeom prst="rect">
+            <a:avLst/>
+          </a:prstGeom>
+        </p:spPr>
+      </p:pic>
+      <p:sp>
+        <p:nvSpPr>
+          <p:cNvPr id="5" name="순서도: 연결자 4"/>
+          <p:cNvSpPr/>
+          <p:nvPr/>
+        </p:nvSpPr>
+        <p:spPr>
+          <a:xfrm>
+            <a:off x="4647315" y="1781599"/>
+            <a:ext cx="230400" cy="237600"/>
+          </a:xfrm>
+          <a:prstGeom prst="flowChartConnector">
+            <a:avLst/>
+          </a:prstGeom>
+          <a:solidFill>
+            <a:schemeClr val="tx2">
+              <a:lumMod val="40000"/>
+              <a:lumOff val="60000"/>
+            </a:schemeClr>
+          </a:solidFill>
+        </p:spPr>
+        <p:style>
+          <a:lnRef idx="2">
+            <a:schemeClr val="accent1">
+              <a:shade val="50000"/>
+            </a:schemeClr>
+          </a:lnRef>
+          <a:fillRef idx="1">
+            <a:schemeClr val="accent1"/>
+          </a:fillRef>
+          <a:effectRef idx="0">
+            <a:schemeClr val="accent1"/>
+          </a:effectRef>
+          <a:fontRef idx="minor">
+            <a:schemeClr val="lt1"/>
+          </a:fontRef>
+        </p:style>
+        <p:txBody>
+          <a:bodyPr rtlCol="0" anchor="ctr"/>
+          <a:lstStyle/>
+          <a:p>
+            <a:pPr algn="ctr"/>
+            <a:endParaRPr lang="ko-KR" altLang="en-US"/>
+          </a:p>
+        </p:txBody>
+      </p:sp>
+      <p:sp>
+        <p:nvSpPr>
+          <p:cNvPr id="46" name="순서도: 연결자 45"/>
+          <p:cNvSpPr/>
+          <p:nvPr/>
+        </p:nvSpPr>
+        <p:spPr>
+          <a:xfrm>
+            <a:off x="4647315" y="2650532"/>
+            <a:ext cx="230400" cy="237600"/>
+          </a:xfrm>
+          <a:prstGeom prst="flowChartConnector">
+            <a:avLst/>
+          </a:prstGeom>
+          <a:solidFill>
+            <a:schemeClr val="tx2">
+              <a:lumMod val="40000"/>
+              <a:lumOff val="60000"/>
+            </a:schemeClr>
+          </a:solidFill>
+        </p:spPr>
+        <p:style>
+          <a:lnRef idx="2">
+            <a:schemeClr val="accent1">
+              <a:shade val="50000"/>
+            </a:schemeClr>
+          </a:lnRef>
+          <a:fillRef idx="1">
+            <a:schemeClr val="accent1"/>
+          </a:fillRef>
+          <a:effectRef idx="0">
+            <a:schemeClr val="accent1"/>
+          </a:effectRef>
+          <a:fontRef idx="minor">
+            <a:schemeClr val="lt1"/>
+          </a:fontRef>
+        </p:style>
+        <p:txBody>
+          <a:bodyPr rtlCol="0" anchor="ctr"/>
+          <a:lstStyle/>
+          <a:p>
+            <a:pPr algn="ctr"/>
+            <a:endParaRPr lang="ko-KR" altLang="en-US"/>
+          </a:p>
+        </p:txBody>
+      </p:sp>
+      <p:sp>
+        <p:nvSpPr>
+          <p:cNvPr id="47" name="순서도: 연결자 46"/>
+          <p:cNvSpPr/>
+          <p:nvPr/>
+        </p:nvSpPr>
+        <p:spPr>
+          <a:xfrm>
+            <a:off x="4647315" y="3519465"/>
+            <a:ext cx="230400" cy="237600"/>
+          </a:xfrm>
+          <a:prstGeom prst="flowChartConnector">
+            <a:avLst/>
+          </a:prstGeom>
+          <a:solidFill>
+            <a:schemeClr val="tx2">
+              <a:lumMod val="40000"/>
+              <a:lumOff val="60000"/>
+            </a:schemeClr>
+          </a:solidFill>
+        </p:spPr>
+        <p:style>
+          <a:lnRef idx="2">
+            <a:schemeClr val="accent1">
+              <a:shade val="50000"/>
+            </a:schemeClr>
+          </a:lnRef>
+          <a:fillRef idx="1">
+            <a:schemeClr val="accent1"/>
+          </a:fillRef>
+          <a:effectRef idx="0">
+            <a:schemeClr val="accent1"/>
+          </a:effectRef>
+          <a:fontRef idx="minor">
+            <a:schemeClr val="lt1"/>
+          </a:fontRef>
+        </p:style>
+        <p:txBody>
+          <a:bodyPr rtlCol="0" anchor="ctr"/>
+          <a:lstStyle/>
+          <a:p>
+            <a:pPr algn="ctr"/>
+            <a:endParaRPr lang="ko-KR" altLang="en-US"/>
+          </a:p>
+        </p:txBody>
+      </p:sp>
+      <p:sp>
+        <p:nvSpPr>
+          <p:cNvPr id="48" name="순서도: 연결자 47"/>
+          <p:cNvSpPr/>
+          <p:nvPr/>
+        </p:nvSpPr>
+        <p:spPr>
+          <a:xfrm>
+            <a:off x="4647315" y="5802806"/>
+            <a:ext cx="230400" cy="237600"/>
+          </a:xfrm>
+          <a:prstGeom prst="flowChartConnector">
+            <a:avLst/>
+          </a:prstGeom>
+          <a:solidFill>
+            <a:schemeClr val="tx2">
+              <a:lumMod val="40000"/>
+              <a:lumOff val="60000"/>
+            </a:schemeClr>
+          </a:solidFill>
+        </p:spPr>
+        <p:style>
+          <a:lnRef idx="2">
+            <a:schemeClr val="accent1">
+              <a:shade val="50000"/>
+            </a:schemeClr>
+          </a:lnRef>
+          <a:fillRef idx="1">
+            <a:schemeClr val="accent1"/>
+          </a:fillRef>
+          <a:effectRef idx="0">
+            <a:schemeClr val="accent1"/>
+          </a:effectRef>
+          <a:fontRef idx="minor">
+            <a:schemeClr val="lt1"/>
+          </a:fontRef>
+        </p:style>
+        <p:txBody>
+          <a:bodyPr rtlCol="0" anchor="ctr"/>
+          <a:lstStyle/>
+          <a:p>
+            <a:pPr algn="ctr"/>
+            <a:endParaRPr lang="ko-KR" altLang="en-US"/>
+          </a:p>
+        </p:txBody>
+      </p:sp>
+      <p:sp>
+        <p:nvSpPr>
+          <p:cNvPr id="49" name="순서도: 연결자 48"/>
+          <p:cNvSpPr/>
+          <p:nvPr/>
+        </p:nvSpPr>
+        <p:spPr>
+          <a:xfrm>
+            <a:off x="4647315" y="4933873"/>
+            <a:ext cx="230400" cy="237600"/>
+          </a:xfrm>
+          <a:prstGeom prst="flowChartConnector">
+            <a:avLst/>
+          </a:prstGeom>
+          <a:solidFill>
+            <a:schemeClr val="tx2">
+              <a:lumMod val="40000"/>
+              <a:lumOff val="60000"/>
+            </a:schemeClr>
+          </a:solidFill>
+        </p:spPr>
+        <p:style>
+          <a:lnRef idx="2">
+            <a:schemeClr val="accent1">
+              <a:shade val="50000"/>
+            </a:schemeClr>
+          </a:lnRef>
+          <a:fillRef idx="1">
+            <a:schemeClr val="accent1"/>
+          </a:fillRef>
+          <a:effectRef idx="0">
+            <a:schemeClr val="accent1"/>
+          </a:effectRef>
+          <a:fontRef idx="minor">
+            <a:schemeClr val="lt1"/>
+          </a:fontRef>
+        </p:style>
+        <p:txBody>
+          <a:bodyPr rtlCol="0" anchor="ctr"/>
+          <a:lstStyle/>
+          <a:p>
+            <a:pPr algn="ctr"/>
+            <a:endParaRPr lang="ko-KR" altLang="en-US"/>
+          </a:p>
+        </p:txBody>
+      </p:sp>
+      <p:sp>
+        <p:nvSpPr>
+          <p:cNvPr id="50" name="순서도: 연결자 49"/>
+          <p:cNvSpPr/>
+          <p:nvPr/>
+        </p:nvSpPr>
+        <p:spPr>
+          <a:xfrm>
+            <a:off x="4647315" y="6671739"/>
+            <a:ext cx="230400" cy="237600"/>
+          </a:xfrm>
+          <a:prstGeom prst="flowChartConnector">
+            <a:avLst/>
+          </a:prstGeom>
+          <a:solidFill>
+            <a:schemeClr val="tx2">
+              <a:lumMod val="40000"/>
+              <a:lumOff val="60000"/>
+            </a:schemeClr>
+          </a:solidFill>
+        </p:spPr>
+        <p:style>
+          <a:lnRef idx="2">
+            <a:schemeClr val="accent1">
+              <a:shade val="50000"/>
+            </a:schemeClr>
+          </a:lnRef>
+          <a:fillRef idx="1">
+            <a:schemeClr val="accent1"/>
+          </a:fillRef>
+          <a:effectRef idx="0">
+            <a:schemeClr val="accent1"/>
+          </a:effectRef>
+          <a:fontRef idx="minor">
+            <a:schemeClr val="lt1"/>
+          </a:fontRef>
+        </p:style>
+        <p:txBody>
+          <a:bodyPr rtlCol="0" anchor="ctr"/>
+          <a:lstStyle/>
+          <a:p>
+            <a:pPr algn="ctr"/>
+            <a:endParaRPr lang="ko-KR" altLang="en-US"/>
+          </a:p>
+        </p:txBody>
+      </p:sp>
+      <p:sp>
+        <p:nvSpPr>
+          <p:cNvPr id="51" name="순서도: 연결자 50"/>
+          <p:cNvSpPr/>
+          <p:nvPr/>
+        </p:nvSpPr>
+        <p:spPr>
+          <a:xfrm flipH="1">
+            <a:off x="4645170" y="7803522"/>
+            <a:ext cx="230400" cy="237600"/>
+          </a:xfrm>
+          <a:prstGeom prst="flowChartConnector">
+            <a:avLst/>
+          </a:prstGeom>
+          <a:solidFill>
+            <a:schemeClr val="tx2">
+              <a:lumMod val="40000"/>
+              <a:lumOff val="60000"/>
+            </a:schemeClr>
+          </a:solidFill>
+        </p:spPr>
+        <p:style>
+          <a:lnRef idx="2">
+            <a:schemeClr val="accent1">
+              <a:shade val="50000"/>
+            </a:schemeClr>
+          </a:lnRef>
+          <a:fillRef idx="1">
+            <a:schemeClr val="accent1"/>
+          </a:fillRef>
+          <a:effectRef idx="0">
+            <a:schemeClr val="accent1"/>
+          </a:effectRef>
+          <a:fontRef idx="minor">
+            <a:schemeClr val="lt1"/>
+          </a:fontRef>
+        </p:style>
+        <p:txBody>
+          <a:bodyPr rtlCol="0" anchor="ctr"/>
+          <a:lstStyle/>
+          <a:p>
+            <a:pPr algn="ctr"/>
+            <a:endParaRPr lang="ko-KR" altLang="en-US"/>
+          </a:p>
+        </p:txBody>
+      </p:sp>
+      <p:sp>
+        <p:nvSpPr>
+          <p:cNvPr id="52" name="순서도: 연결자 51"/>
+          <p:cNvSpPr/>
+          <p:nvPr/>
+        </p:nvSpPr>
+        <p:spPr>
+          <a:xfrm flipH="1">
+            <a:off x="4645170" y="8672455"/>
+            <a:ext cx="230400" cy="237600"/>
+          </a:xfrm>
+          <a:prstGeom prst="flowChartConnector">
+            <a:avLst/>
+          </a:prstGeom>
+          <a:solidFill>
+            <a:schemeClr val="tx2">
+              <a:lumMod val="40000"/>
+              <a:lumOff val="60000"/>
+            </a:schemeClr>
+          </a:solidFill>
+        </p:spPr>
+        <p:style>
+          <a:lnRef idx="2">
+            <a:schemeClr val="accent1">
+              <a:shade val="50000"/>
+            </a:schemeClr>
+          </a:lnRef>
+          <a:fillRef idx="1">
+            <a:schemeClr val="accent1"/>
+          </a:fillRef>
+          <a:effectRef idx="0">
+            <a:schemeClr val="accent1"/>
+          </a:effectRef>
+          <a:fontRef idx="minor">
+            <a:schemeClr val="lt1"/>
+          </a:fontRef>
+        </p:style>
+        <p:txBody>
+          <a:bodyPr rtlCol="0" anchor="ctr"/>
+          <a:lstStyle/>
+          <a:p>
+            <a:pPr algn="ctr"/>
+            <a:endParaRPr lang="ko-KR" altLang="en-US"/>
+          </a:p>
+        </p:txBody>
+      </p:sp>
+      <p:sp>
+        <p:nvSpPr>
+          <p:cNvPr id="53" name="순서도: 연결자 52"/>
+          <p:cNvSpPr/>
+          <p:nvPr/>
+        </p:nvSpPr>
+        <p:spPr>
+          <a:xfrm flipH="1">
+            <a:off x="4645170" y="9541388"/>
+            <a:ext cx="230400" cy="237600"/>
+          </a:xfrm>
+          <a:prstGeom prst="flowChartConnector">
+            <a:avLst/>
+          </a:prstGeom>
+          <a:solidFill>
+            <a:schemeClr val="tx2">
+              <a:lumMod val="40000"/>
+              <a:lumOff val="60000"/>
+            </a:schemeClr>
+          </a:solidFill>
+        </p:spPr>
+        <p:style>
+          <a:lnRef idx="2">
+            <a:schemeClr val="accent1">
+              <a:shade val="50000"/>
+            </a:schemeClr>
+          </a:lnRef>
+          <a:fillRef idx="1">
+            <a:schemeClr val="accent1"/>
+          </a:fillRef>
+          <a:effectRef idx="0">
+            <a:schemeClr val="accent1"/>
+          </a:effectRef>
+          <a:fontRef idx="minor">
+            <a:schemeClr val="lt1"/>
+          </a:fontRef>
+        </p:style>
+        <p:txBody>
+          <a:bodyPr rtlCol="0" anchor="ctr"/>
+          <a:lstStyle/>
+          <a:p>
+            <a:pPr algn="ctr"/>
+            <a:endParaRPr lang="ko-KR" altLang="en-US"/>
+          </a:p>
+        </p:txBody>
+      </p:sp>
+      <p:sp>
+        <p:nvSpPr>
+          <p:cNvPr id="54" name="순서도: 연결자 53"/>
+          <p:cNvSpPr/>
+          <p:nvPr/>
+        </p:nvSpPr>
+        <p:spPr>
+          <a:xfrm>
+            <a:off x="12141998" y="4724273"/>
+            <a:ext cx="230400" cy="237600"/>
+          </a:xfrm>
+          <a:prstGeom prst="flowChartConnector">
+            <a:avLst/>
+          </a:prstGeom>
+          <a:solidFill>
+            <a:schemeClr val="tx2">
+              <a:lumMod val="40000"/>
+              <a:lumOff val="60000"/>
+            </a:schemeClr>
+          </a:solidFill>
+        </p:spPr>
+        <p:style>
+          <a:lnRef idx="2">
+            <a:schemeClr val="accent1">
+              <a:shade val="50000"/>
+            </a:schemeClr>
+          </a:lnRef>
+          <a:fillRef idx="1">
+            <a:schemeClr val="accent1"/>
+          </a:fillRef>
+          <a:effectRef idx="0">
+            <a:schemeClr val="accent1"/>
+          </a:effectRef>
+          <a:fontRef idx="minor">
+            <a:schemeClr val="lt1"/>
+          </a:fontRef>
+        </p:style>
+        <p:txBody>
+          <a:bodyPr rtlCol="0" anchor="ctr"/>
+          <a:lstStyle/>
+          <a:p>
+            <a:pPr algn="ctr"/>
+            <a:endParaRPr lang="ko-KR" altLang="en-US"/>
+          </a:p>
+        </p:txBody>
+      </p:sp>
+      <p:sp>
+        <p:nvSpPr>
+          <p:cNvPr id="55" name="순서도: 연결자 54"/>
+          <p:cNvSpPr/>
+          <p:nvPr/>
+        </p:nvSpPr>
+        <p:spPr>
+          <a:xfrm>
+            <a:off x="12141998" y="2887058"/>
+            <a:ext cx="230400" cy="237600"/>
+          </a:xfrm>
+          <a:prstGeom prst="flowChartConnector">
+            <a:avLst/>
+          </a:prstGeom>
+          <a:solidFill>
+            <a:schemeClr val="tx2">
+              <a:lumMod val="40000"/>
+              <a:lumOff val="60000"/>
+            </a:schemeClr>
+          </a:solidFill>
+        </p:spPr>
+        <p:style>
+          <a:lnRef idx="2">
+            <a:schemeClr val="accent1">
+              <a:shade val="50000"/>
+            </a:schemeClr>
+          </a:lnRef>
+          <a:fillRef idx="1">
+            <a:schemeClr val="accent1"/>
+          </a:fillRef>
+          <a:effectRef idx="0">
+            <a:schemeClr val="accent1"/>
+          </a:effectRef>
+          <a:fontRef idx="minor">
+            <a:schemeClr val="lt1"/>
+          </a:fontRef>
+        </p:style>
+        <p:txBody>
+          <a:bodyPr rtlCol="0" anchor="ctr"/>
+          <a:lstStyle/>
+          <a:p>
+            <a:pPr algn="ctr"/>
+            <a:endParaRPr lang="ko-KR" altLang="en-US"/>
+          </a:p>
+        </p:txBody>
+      </p:sp>
+      <p:sp>
+        <p:nvSpPr>
+          <p:cNvPr id="56" name="순서도: 연결자 55"/>
+          <p:cNvSpPr/>
+          <p:nvPr/>
+        </p:nvSpPr>
+        <p:spPr>
+          <a:xfrm>
+            <a:off x="12141998" y="6239572"/>
+            <a:ext cx="230400" cy="237600"/>
+          </a:xfrm>
+          <a:prstGeom prst="flowChartConnector">
+            <a:avLst/>
+          </a:prstGeom>
+          <a:solidFill>
+            <a:schemeClr val="tx2">
+              <a:lumMod val="40000"/>
+              <a:lumOff val="60000"/>
+            </a:schemeClr>
+          </a:solidFill>
+        </p:spPr>
+        <p:style>
+          <a:lnRef idx="2">
+            <a:schemeClr val="accent1">
+              <a:shade val="50000"/>
+            </a:schemeClr>
+          </a:lnRef>
+          <a:fillRef idx="1">
+            <a:schemeClr val="accent1"/>
+          </a:fillRef>
+          <a:effectRef idx="0">
+            <a:schemeClr val="accent1"/>
+          </a:effectRef>
+          <a:fontRef idx="minor">
+            <a:schemeClr val="lt1"/>
+          </a:fontRef>
+        </p:style>
+        <p:txBody>
+          <a:bodyPr rtlCol="0" anchor="ctr"/>
+          <a:lstStyle/>
+          <a:p>
+            <a:pPr algn="ctr"/>
+            <a:endParaRPr lang="ko-KR" altLang="en-US"/>
+          </a:p>
+        </p:txBody>
+      </p:sp>
+      <p:sp>
+        <p:nvSpPr>
+          <p:cNvPr id="58" name="순서도: 연결자 57"/>
+          <p:cNvSpPr/>
+          <p:nvPr/>
+        </p:nvSpPr>
+        <p:spPr>
+          <a:xfrm>
+            <a:off x="12141998" y="7093630"/>
+            <a:ext cx="230400" cy="237600"/>
+          </a:xfrm>
+          <a:prstGeom prst="flowChartConnector">
+            <a:avLst/>
+          </a:prstGeom>
+          <a:solidFill>
+            <a:schemeClr val="tx2">
+              <a:lumMod val="40000"/>
+              <a:lumOff val="60000"/>
+            </a:schemeClr>
+          </a:solidFill>
+        </p:spPr>
+        <p:style>
+          <a:lnRef idx="2">
+            <a:schemeClr val="accent1">
+              <a:shade val="50000"/>
+            </a:schemeClr>
+          </a:lnRef>
+          <a:fillRef idx="1">
+            <a:schemeClr val="accent1"/>
+          </a:fillRef>
+          <a:effectRef idx="0">
+            <a:schemeClr val="accent1"/>
+          </a:effectRef>
+          <a:fontRef idx="minor">
+            <a:schemeClr val="lt1"/>
+          </a:fontRef>
+        </p:style>
+        <p:txBody>
+          <a:bodyPr rtlCol="0" anchor="ctr"/>
+          <a:lstStyle/>
+          <a:p>
+            <a:pPr algn="ctr"/>
+            <a:endParaRPr lang="ko-KR" altLang="en-US"/>
+          </a:p>
+        </p:txBody>
+      </p:sp>
+      <p:sp>
+        <p:nvSpPr>
+          <p:cNvPr id="59" name="순서도: 연결자 58"/>
+          <p:cNvSpPr/>
+          <p:nvPr/>
+        </p:nvSpPr>
+        <p:spPr>
+          <a:xfrm>
+            <a:off x="12141998" y="7962563"/>
+            <a:ext cx="230400" cy="237600"/>
+          </a:xfrm>
+          <a:prstGeom prst="flowChartConnector">
+            <a:avLst/>
+          </a:prstGeom>
+          <a:solidFill>
+            <a:schemeClr val="tx2">
+              <a:lumMod val="40000"/>
+              <a:lumOff val="60000"/>
+            </a:schemeClr>
+          </a:solidFill>
+        </p:spPr>
+        <p:style>
+          <a:lnRef idx="2">
+            <a:schemeClr val="accent1">
+              <a:shade val="50000"/>
+            </a:schemeClr>
+          </a:lnRef>
+          <a:fillRef idx="1">
+            <a:schemeClr val="accent1"/>
+          </a:fillRef>
+          <a:effectRef idx="0">
+            <a:schemeClr val="accent1"/>
+          </a:effectRef>
+          <a:fontRef idx="minor">
+            <a:schemeClr val="lt1"/>
+          </a:fontRef>
+        </p:style>
+        <p:txBody>
+          <a:bodyPr rtlCol="0" anchor="ctr"/>
+          <a:lstStyle/>
+          <a:p>
+            <a:pPr algn="ctr"/>
+            <a:endParaRPr lang="ko-KR" altLang="en-US"/>
+          </a:p>
+        </p:txBody>
+      </p:sp>
+      <p:sp>
+        <p:nvSpPr>
+          <p:cNvPr id="11" name="모서리가 둥근 직사각형 10"/>
+          <p:cNvSpPr/>
+          <p:nvPr/>
+        </p:nvSpPr>
+        <p:spPr>
+          <a:xfrm>
+            <a:off x="12581614" y="2656703"/>
+            <a:ext cx="3581400" cy="697236"/>
+          </a:xfrm>
+          <a:prstGeom prst="roundRect">
+            <a:avLst/>
+          </a:prstGeom>
+          <a:solidFill>
+            <a:schemeClr val="accent5">
+              <a:alpha val="50000"/>
+            </a:schemeClr>
+          </a:solidFill>
+          <a:ln>
+            <a:noFill/>
+          </a:ln>
+        </p:spPr>
+        <p:style>
+          <a:lnRef idx="0">
+            <a:scrgbClr r="0" g="0" b="0"/>
+          </a:lnRef>
+          <a:fillRef idx="0">
+            <a:scrgbClr r="0" g="0" b="0"/>
+          </a:fillRef>
+          <a:effectRef idx="0">
+            <a:scrgbClr r="0" g="0" b="0"/>
+          </a:effectRef>
+          <a:fontRef idx="minor">
+            <a:schemeClr val="lt1"/>
+          </a:fontRef>
+        </p:style>
+        <p:txBody>
+          <a:bodyPr rtlCol="0" anchor="ctr"/>
+          <a:lstStyle/>
+          <a:p>
+            <a:pPr algn="ctr"/>
+            <a:r>
+              <a:rPr lang="en-US" altLang="ko-KR" sz="3200" dirty="0" smtClean="0">
+                <a:solidFill>
+                  <a:schemeClr val="tx1"/>
+                </a:solidFill>
+              </a:rPr>
+              <a:t>PPT, </a:t>
+            </a:r>
+            <a:r>
+              <a:rPr lang="ko-KR" altLang="en-US" sz="3200" dirty="0" smtClean="0">
+                <a:solidFill>
+                  <a:schemeClr val="tx1"/>
+                </a:solidFill>
+              </a:rPr>
+              <a:t>발표</a:t>
+            </a:r>
+            <a:endParaRPr lang="ko-KR" altLang="en-US" sz="3200" dirty="0">
+              <a:solidFill>
+                <a:schemeClr val="tx1"/>
+              </a:solidFill>
+            </a:endParaRPr>
+          </a:p>
+        </p:txBody>
+      </p:sp>
+      <p:sp>
+        <p:nvSpPr>
+          <p:cNvPr id="60" name="모서리가 둥근 직사각형 59"/>
+          <p:cNvSpPr/>
+          <p:nvPr/>
+        </p:nvSpPr>
+        <p:spPr>
+          <a:xfrm>
+            <a:off x="12567368" y="3510112"/>
+            <a:ext cx="3581400" cy="697236"/>
+          </a:xfrm>
+          <a:prstGeom prst="roundRect">
+            <a:avLst/>
+          </a:prstGeom>
+          <a:solidFill>
+            <a:schemeClr val="accent5">
+              <a:alpha val="50000"/>
+            </a:schemeClr>
+          </a:solidFill>
+          <a:ln>
+            <a:noFill/>
+          </a:ln>
+        </p:spPr>
+        <p:style>
+          <a:lnRef idx="0">
+            <a:scrgbClr r="0" g="0" b="0"/>
+          </a:lnRef>
+          <a:fillRef idx="0">
+            <a:scrgbClr r="0" g="0" b="0"/>
+          </a:fillRef>
+          <a:effectRef idx="0">
+            <a:scrgbClr r="0" g="0" b="0"/>
+          </a:effectRef>
+          <a:fontRef idx="minor">
+            <a:schemeClr val="lt1"/>
+          </a:fontRef>
+        </p:style>
+        <p:txBody>
+          <a:bodyPr rtlCol="0" anchor="ctr"/>
+          <a:lstStyle/>
+          <a:p>
+            <a:pPr algn="ctr"/>
+            <a:r>
+              <a:rPr lang="ko-KR" altLang="en-US" sz="3200">
+                <a:solidFill>
+                  <a:schemeClr val="tx1"/>
+                </a:solidFill>
+              </a:rPr>
+              <a:t>소스 코드 분석</a:t>
+            </a:r>
+            <a:endParaRPr lang="ko-KR" altLang="en-US" sz="3200" dirty="0">
+              <a:solidFill>
+                <a:schemeClr val="tx1"/>
+              </a:solidFill>
+            </a:endParaRPr>
+          </a:p>
+        </p:txBody>
+      </p:sp>
+      <p:sp>
+        <p:nvSpPr>
+          <p:cNvPr id="61" name="순서도: 연결자 60"/>
+          <p:cNvSpPr/>
+          <p:nvPr/>
+        </p:nvSpPr>
+        <p:spPr>
+          <a:xfrm>
+            <a:off x="12141998" y="3740467"/>
+            <a:ext cx="230400" cy="237600"/>
+          </a:xfrm>
+          <a:prstGeom prst="flowChartConnector">
+            <a:avLst/>
+          </a:prstGeom>
+          <a:solidFill>
+            <a:schemeClr val="tx2">
+              <a:lumMod val="40000"/>
+              <a:lumOff val="60000"/>
+            </a:schemeClr>
+          </a:solidFill>
+        </p:spPr>
+        <p:style>
+          <a:lnRef idx="2">
+            <a:schemeClr val="accent1">
+              <a:shade val="50000"/>
+            </a:schemeClr>
+          </a:lnRef>
+          <a:fillRef idx="1">
+            <a:schemeClr val="accent1"/>
+          </a:fillRef>
+          <a:effectRef idx="0">
+            <a:schemeClr val="accent1"/>
+          </a:effectRef>
+          <a:fontRef idx="minor">
+            <a:schemeClr val="lt1"/>
+          </a:fontRef>
+        </p:style>
+        <p:txBody>
+          <a:bodyPr rtlCol="0" anchor="ctr"/>
+          <a:lstStyle/>
+          <a:p>
+            <a:pPr algn="ctr"/>
+            <a:endParaRPr lang="ko-KR" altLang="en-US"/>
+          </a:p>
+        </p:txBody>
+      </p:sp>
+      <p:sp>
+        <p:nvSpPr>
+          <p:cNvPr id="62" name="모서리가 둥근 직사각형 61"/>
+          <p:cNvSpPr/>
+          <p:nvPr/>
+        </p:nvSpPr>
+        <p:spPr>
+          <a:xfrm>
+            <a:off x="5217503" y="1551244"/>
+            <a:ext cx="3581400" cy="697236"/>
+          </a:xfrm>
+          <a:prstGeom prst="roundRect">
+            <a:avLst/>
+          </a:prstGeom>
+          <a:solidFill>
+            <a:schemeClr val="tx2">
+              <a:lumMod val="40000"/>
+              <a:lumOff val="60000"/>
+              <a:alpha val="50000"/>
+            </a:schemeClr>
+          </a:solidFill>
+          <a:ln>
+            <a:noFill/>
+          </a:ln>
+        </p:spPr>
+        <p:style>
+          <a:lnRef idx="0">
+            <a:scrgbClr r="0" g="0" b="0"/>
+          </a:lnRef>
+          <a:fillRef idx="0">
+            <a:scrgbClr r="0" g="0" b="0"/>
+          </a:fillRef>
+          <a:effectRef idx="0">
+            <a:scrgbClr r="0" g="0" b="0"/>
+          </a:effectRef>
+          <a:fontRef idx="minor">
+            <a:schemeClr val="lt1"/>
+          </a:fontRef>
+        </p:style>
+        <p:txBody>
+          <a:bodyPr rtlCol="0" anchor="ctr"/>
+          <a:lstStyle/>
+          <a:p>
+            <a:pPr algn="ctr"/>
+            <a:r>
+              <a:rPr lang="ko-KR" altLang="en-US" sz="3200" dirty="0" smtClean="0">
+                <a:solidFill>
+                  <a:schemeClr val="tx1"/>
+                </a:solidFill>
+              </a:rPr>
+              <a:t>소스 코드 분석</a:t>
+            </a:r>
+            <a:endParaRPr lang="ko-KR" altLang="en-US" sz="3200" dirty="0">
+              <a:solidFill>
+                <a:schemeClr val="tx1"/>
+              </a:solidFill>
+            </a:endParaRPr>
+          </a:p>
+        </p:txBody>
+      </p:sp>
+      <p:sp>
+        <p:nvSpPr>
+          <p:cNvPr id="63" name="모서리가 둥근 직사각형 62"/>
+          <p:cNvSpPr/>
+          <p:nvPr/>
+        </p:nvSpPr>
+        <p:spPr>
+          <a:xfrm>
+            <a:off x="5194643" y="2420177"/>
+            <a:ext cx="3581400" cy="697236"/>
+          </a:xfrm>
+          <a:prstGeom prst="roundRect">
+            <a:avLst/>
+          </a:prstGeom>
+          <a:solidFill>
+            <a:schemeClr val="tx2">
+              <a:lumMod val="40000"/>
+              <a:lumOff val="60000"/>
+              <a:alpha val="50000"/>
+            </a:schemeClr>
+          </a:solidFill>
+          <a:ln>
+            <a:noFill/>
+          </a:ln>
+        </p:spPr>
+        <p:style>
+          <a:lnRef idx="0">
+            <a:scrgbClr r="0" g="0" b="0"/>
+          </a:lnRef>
+          <a:fillRef idx="0">
+            <a:scrgbClr r="0" g="0" b="0"/>
+          </a:fillRef>
+          <a:effectRef idx="0">
+            <a:scrgbClr r="0" g="0" b="0"/>
+          </a:effectRef>
+          <a:fontRef idx="minor">
+            <a:schemeClr val="lt1"/>
+          </a:fontRef>
+        </p:style>
+        <p:txBody>
+          <a:bodyPr rtlCol="0" anchor="ctr"/>
+          <a:lstStyle/>
+          <a:p>
+            <a:pPr algn="ctr"/>
+            <a:endParaRPr lang="ko-KR" altLang="en-US" sz="3200" dirty="0">
+              <a:solidFill>
+                <a:schemeClr val="tx1"/>
+              </a:solidFill>
+            </a:endParaRPr>
+          </a:p>
+        </p:txBody>
+      </p:sp>
+      <p:sp>
+        <p:nvSpPr>
+          <p:cNvPr id="64" name="모서리가 둥근 직사각형 63"/>
+          <p:cNvSpPr/>
+          <p:nvPr/>
+        </p:nvSpPr>
+        <p:spPr>
+          <a:xfrm>
+            <a:off x="5209883" y="3289110"/>
+            <a:ext cx="3581400" cy="697236"/>
+          </a:xfrm>
+          <a:prstGeom prst="roundRect">
+            <a:avLst/>
+          </a:prstGeom>
+          <a:solidFill>
+            <a:schemeClr val="tx2">
+              <a:lumMod val="40000"/>
+              <a:lumOff val="60000"/>
+              <a:alpha val="50000"/>
+            </a:schemeClr>
+          </a:solidFill>
+          <a:ln>
+            <a:noFill/>
+          </a:ln>
+        </p:spPr>
+        <p:style>
+          <a:lnRef idx="0">
+            <a:scrgbClr r="0" g="0" b="0"/>
+          </a:lnRef>
+          <a:fillRef idx="0">
+            <a:scrgbClr r="0" g="0" b="0"/>
+          </a:fillRef>
+          <a:effectRef idx="0">
+            <a:scrgbClr r="0" g="0" b="0"/>
+          </a:effectRef>
+          <a:fontRef idx="minor">
+            <a:schemeClr val="lt1"/>
+          </a:fontRef>
+        </p:style>
+        <p:txBody>
+          <a:bodyPr rtlCol="0" anchor="ctr"/>
+          <a:lstStyle/>
+          <a:p>
+            <a:pPr algn="ctr"/>
+            <a:r>
+              <a:rPr lang="ko-KR" altLang="en-US" sz="3200" dirty="0" smtClean="0">
+                <a:solidFill>
+                  <a:schemeClr val="tx1"/>
+                </a:solidFill>
+              </a:rPr>
+              <a:t>내용</a:t>
+            </a:r>
+            <a:endParaRPr lang="ko-KR" altLang="en-US" sz="3200" dirty="0">
+              <a:solidFill>
+                <a:schemeClr val="tx1"/>
+              </a:solidFill>
+            </a:endParaRPr>
+          </a:p>
+        </p:txBody>
+      </p:sp>
+      <p:sp>
+        <p:nvSpPr>
+          <p:cNvPr id="65" name="모서리가 둥근 직사각형 64"/>
+          <p:cNvSpPr/>
+          <p:nvPr/>
+        </p:nvSpPr>
+        <p:spPr>
+          <a:xfrm>
+            <a:off x="5138634" y="4703518"/>
+            <a:ext cx="3581400" cy="697236"/>
+          </a:xfrm>
+          <a:prstGeom prst="roundRect">
+            <a:avLst/>
+          </a:prstGeom>
+          <a:solidFill>
+            <a:schemeClr val="accent4">
+              <a:lumMod val="60000"/>
+              <a:lumOff val="40000"/>
+              <a:alpha val="50000"/>
+            </a:schemeClr>
+          </a:solidFill>
+          <a:ln>
+            <a:noFill/>
+          </a:ln>
+        </p:spPr>
+        <p:style>
+          <a:lnRef idx="0">
+            <a:scrgbClr r="0" g="0" b="0"/>
+          </a:lnRef>
+          <a:fillRef idx="0">
+            <a:scrgbClr r="0" g="0" b="0"/>
+          </a:fillRef>
+          <a:effectRef idx="0">
+            <a:scrgbClr r="0" g="0" b="0"/>
+          </a:effectRef>
+          <a:fontRef idx="minor">
+            <a:schemeClr val="lt1"/>
+          </a:fontRef>
+        </p:style>
+        <p:txBody>
+          <a:bodyPr rtlCol="0" anchor="ctr"/>
+          <a:lstStyle/>
+          <a:p>
+            <a:pPr algn="ctr"/>
+            <a:r>
+              <a:rPr lang="ko-KR" altLang="en-US" sz="3200" dirty="0">
+                <a:solidFill>
+                  <a:schemeClr val="tx1"/>
+                </a:solidFill>
+              </a:rPr>
+              <a:t>소스 코드 분석</a:t>
+            </a:r>
+            <a:endParaRPr lang="ko-KR" altLang="en-US" sz="3200" dirty="0">
+              <a:solidFill>
+                <a:schemeClr val="tx1"/>
+              </a:solidFill>
+            </a:endParaRPr>
+          </a:p>
+        </p:txBody>
+      </p:sp>
+      <p:sp>
+        <p:nvSpPr>
+          <p:cNvPr id="66" name="모서리가 둥근 직사각형 65"/>
+          <p:cNvSpPr/>
+          <p:nvPr/>
+        </p:nvSpPr>
+        <p:spPr>
+          <a:xfrm>
+            <a:off x="5115774" y="5572451"/>
+            <a:ext cx="3581400" cy="697236"/>
+          </a:xfrm>
+          <a:prstGeom prst="roundRect">
+            <a:avLst/>
+          </a:prstGeom>
+          <a:solidFill>
+            <a:schemeClr val="accent4">
+              <a:lumMod val="60000"/>
+              <a:lumOff val="40000"/>
+              <a:alpha val="50000"/>
+            </a:schemeClr>
+          </a:solidFill>
+          <a:ln>
+            <a:noFill/>
+          </a:ln>
+        </p:spPr>
+        <p:style>
+          <a:lnRef idx="0">
+            <a:scrgbClr r="0" g="0" b="0"/>
+          </a:lnRef>
+          <a:fillRef idx="0">
+            <a:scrgbClr r="0" g="0" b="0"/>
+          </a:fillRef>
+          <a:effectRef idx="0">
+            <a:scrgbClr r="0" g="0" b="0"/>
+          </a:effectRef>
+          <a:fontRef idx="minor">
+            <a:schemeClr val="lt1"/>
+          </a:fontRef>
+        </p:style>
+        <p:txBody>
+          <a:bodyPr rtlCol="0" anchor="ctr"/>
+          <a:lstStyle/>
+          <a:p>
+            <a:pPr algn="ctr"/>
+            <a:r>
+              <a:rPr lang="ko-KR" altLang="en-US" sz="3200" dirty="0" smtClean="0">
+                <a:solidFill>
+                  <a:schemeClr val="tx1"/>
+                </a:solidFill>
+              </a:rPr>
+              <a:t>내용</a:t>
+            </a:r>
+            <a:endParaRPr lang="ko-KR" altLang="en-US" sz="3200" dirty="0">
+              <a:solidFill>
+                <a:schemeClr val="tx1"/>
+              </a:solidFill>
+            </a:endParaRPr>
+          </a:p>
+        </p:txBody>
+      </p:sp>
+      <p:sp>
+        <p:nvSpPr>
+          <p:cNvPr id="67" name="모서리가 둥근 직사각형 66"/>
+          <p:cNvSpPr/>
+          <p:nvPr/>
+        </p:nvSpPr>
+        <p:spPr>
+          <a:xfrm>
+            <a:off x="5131014" y="6441384"/>
+            <a:ext cx="3581400" cy="697236"/>
+          </a:xfrm>
+          <a:prstGeom prst="roundRect">
+            <a:avLst/>
+          </a:prstGeom>
+          <a:solidFill>
+            <a:schemeClr val="accent4">
+              <a:lumMod val="60000"/>
+              <a:lumOff val="40000"/>
+              <a:alpha val="50000"/>
+            </a:schemeClr>
+          </a:solidFill>
+          <a:ln>
+            <a:noFill/>
+          </a:ln>
+        </p:spPr>
+        <p:style>
+          <a:lnRef idx="0">
+            <a:scrgbClr r="0" g="0" b="0"/>
+          </a:lnRef>
+          <a:fillRef idx="0">
+            <a:scrgbClr r="0" g="0" b="0"/>
+          </a:fillRef>
+          <a:effectRef idx="0">
+            <a:scrgbClr r="0" g="0" b="0"/>
+          </a:effectRef>
+          <a:fontRef idx="minor">
+            <a:schemeClr val="lt1"/>
+          </a:fontRef>
+        </p:style>
+        <p:txBody>
+          <a:bodyPr rtlCol="0" anchor="ctr"/>
+          <a:lstStyle/>
+          <a:p>
+            <a:pPr algn="ctr"/>
+            <a:r>
+              <a:rPr lang="ko-KR" altLang="en-US" sz="3200" dirty="0" smtClean="0">
+                <a:solidFill>
+                  <a:schemeClr val="tx1"/>
+                </a:solidFill>
+              </a:rPr>
+              <a:t>내용</a:t>
+            </a:r>
+            <a:endParaRPr lang="ko-KR" altLang="en-US" sz="3200" dirty="0">
+              <a:solidFill>
+                <a:schemeClr val="tx1"/>
+              </a:solidFill>
+            </a:endParaRPr>
+          </a:p>
+        </p:txBody>
+      </p:sp>
+      <p:sp>
+        <p:nvSpPr>
+          <p:cNvPr id="68" name="모서리가 둥근 직사각형 67"/>
+          <p:cNvSpPr/>
+          <p:nvPr/>
+        </p:nvSpPr>
+        <p:spPr>
+          <a:xfrm>
+            <a:off x="5120851" y="7575386"/>
+            <a:ext cx="3581400" cy="697236"/>
+          </a:xfrm>
+          <a:prstGeom prst="roundRect">
+            <a:avLst/>
+          </a:prstGeom>
+          <a:solidFill>
+            <a:schemeClr val="accent6">
+              <a:alpha val="50000"/>
+            </a:schemeClr>
+          </a:solidFill>
+          <a:ln>
+            <a:noFill/>
+          </a:ln>
+        </p:spPr>
+        <p:style>
+          <a:lnRef idx="0">
+            <a:scrgbClr r="0" g="0" b="0"/>
+          </a:lnRef>
+          <a:fillRef idx="0">
+            <a:scrgbClr r="0" g="0" b="0"/>
+          </a:fillRef>
+          <a:effectRef idx="0">
+            <a:scrgbClr r="0" g="0" b="0"/>
+          </a:effectRef>
+          <a:fontRef idx="minor">
+            <a:schemeClr val="lt1"/>
+          </a:fontRef>
+        </p:style>
+        <p:txBody>
+          <a:bodyPr rtlCol="0" anchor="ctr"/>
+          <a:lstStyle/>
+          <a:p>
+            <a:pPr algn="ctr"/>
+            <a:r>
+              <a:rPr lang="ko-KR" altLang="en-US" sz="3200">
+                <a:solidFill>
+                  <a:schemeClr val="tx1"/>
+                </a:solidFill>
+              </a:rPr>
+              <a:t>소스 코드 분석</a:t>
+            </a:r>
+            <a:endParaRPr lang="ko-KR" altLang="en-US" sz="3200" dirty="0">
+              <a:solidFill>
+                <a:schemeClr val="tx1"/>
+              </a:solidFill>
+            </a:endParaRPr>
+          </a:p>
+        </p:txBody>
+      </p:sp>
+      <p:sp>
+        <p:nvSpPr>
+          <p:cNvPr id="69" name="모서리가 둥근 직사각형 68"/>
+          <p:cNvSpPr/>
+          <p:nvPr/>
+        </p:nvSpPr>
+        <p:spPr>
+          <a:xfrm>
+            <a:off x="5097991" y="8444319"/>
+            <a:ext cx="3581400" cy="697236"/>
+          </a:xfrm>
+          <a:prstGeom prst="roundRect">
+            <a:avLst/>
+          </a:prstGeom>
+          <a:solidFill>
+            <a:schemeClr val="accent6">
+              <a:alpha val="50000"/>
+            </a:schemeClr>
+          </a:solidFill>
+          <a:ln>
+            <a:noFill/>
+          </a:ln>
+        </p:spPr>
+        <p:style>
+          <a:lnRef idx="0">
+            <a:scrgbClr r="0" g="0" b="0"/>
+          </a:lnRef>
+          <a:fillRef idx="0">
+            <a:scrgbClr r="0" g="0" b="0"/>
+          </a:fillRef>
+          <a:effectRef idx="0">
+            <a:scrgbClr r="0" g="0" b="0"/>
+          </a:effectRef>
+          <a:fontRef idx="minor">
+            <a:schemeClr val="lt1"/>
+          </a:fontRef>
+        </p:style>
+        <p:txBody>
+          <a:bodyPr rtlCol="0" anchor="ctr"/>
+          <a:lstStyle/>
+          <a:p>
+            <a:pPr algn="ctr"/>
+            <a:r>
+              <a:rPr lang="ko-KR" altLang="en-US" sz="3200" dirty="0" smtClean="0">
+                <a:solidFill>
+                  <a:schemeClr val="tx1"/>
+                </a:solidFill>
+              </a:rPr>
+              <a:t>내용</a:t>
+            </a:r>
+            <a:endParaRPr lang="ko-KR" altLang="en-US" sz="3200" dirty="0">
+              <a:solidFill>
+                <a:schemeClr val="tx1"/>
+              </a:solidFill>
+            </a:endParaRPr>
+          </a:p>
+        </p:txBody>
+      </p:sp>
+      <p:sp>
+        <p:nvSpPr>
+          <p:cNvPr id="70" name="모서리가 둥근 직사각형 69"/>
+          <p:cNvSpPr/>
+          <p:nvPr/>
+        </p:nvSpPr>
+        <p:spPr>
+          <a:xfrm>
+            <a:off x="5113231" y="9313252"/>
+            <a:ext cx="3581400" cy="697236"/>
+          </a:xfrm>
+          <a:prstGeom prst="roundRect">
+            <a:avLst/>
+          </a:prstGeom>
+          <a:solidFill>
+            <a:schemeClr val="accent6">
+              <a:alpha val="50000"/>
+            </a:schemeClr>
+          </a:solidFill>
+          <a:ln>
+            <a:noFill/>
+          </a:ln>
+        </p:spPr>
+        <p:style>
+          <a:lnRef idx="0">
+            <a:scrgbClr r="0" g="0" b="0"/>
+          </a:lnRef>
+          <a:fillRef idx="0">
+            <a:scrgbClr r="0" g="0" b="0"/>
+          </a:fillRef>
+          <a:effectRef idx="0">
+            <a:scrgbClr r="0" g="0" b="0"/>
+          </a:effectRef>
+          <a:fontRef idx="minor">
+            <a:schemeClr val="lt1"/>
+          </a:fontRef>
+        </p:style>
+        <p:txBody>
+          <a:bodyPr rtlCol="0" anchor="ctr"/>
+          <a:lstStyle/>
+          <a:p>
+            <a:pPr algn="ctr"/>
+            <a:r>
+              <a:rPr lang="ko-KR" altLang="en-US" sz="3200" dirty="0" smtClean="0">
+                <a:solidFill>
+                  <a:schemeClr val="tx1"/>
+                </a:solidFill>
+              </a:rPr>
+              <a:t>내용</a:t>
+            </a:r>
+            <a:endParaRPr lang="ko-KR" altLang="en-US" sz="3200" dirty="0">
+              <a:solidFill>
+                <a:schemeClr val="tx1"/>
+              </a:solidFill>
+            </a:endParaRPr>
+          </a:p>
+        </p:txBody>
+      </p:sp>
+      <p:sp>
+        <p:nvSpPr>
+          <p:cNvPr id="71" name="모서리가 둥근 직사각형 70"/>
+          <p:cNvSpPr/>
+          <p:nvPr/>
+        </p:nvSpPr>
+        <p:spPr>
+          <a:xfrm>
+            <a:off x="12645509" y="6009217"/>
+            <a:ext cx="3581400" cy="697236"/>
+          </a:xfrm>
+          <a:prstGeom prst="roundRect">
+            <a:avLst/>
+          </a:prstGeom>
+          <a:solidFill>
+            <a:schemeClr val="accent6">
+              <a:lumMod val="50000"/>
+              <a:alpha val="50000"/>
+            </a:schemeClr>
+          </a:solidFill>
+          <a:ln>
+            <a:noFill/>
+          </a:ln>
+        </p:spPr>
+        <p:style>
+          <a:lnRef idx="0">
+            <a:scrgbClr r="0" g="0" b="0"/>
+          </a:lnRef>
+          <a:fillRef idx="0">
+            <a:scrgbClr r="0" g="0" b="0"/>
+          </a:fillRef>
+          <a:effectRef idx="0">
+            <a:scrgbClr r="0" g="0" b="0"/>
+          </a:effectRef>
+          <a:fontRef idx="minor">
+            <a:schemeClr val="lt1"/>
+          </a:fontRef>
+        </p:style>
+        <p:txBody>
+          <a:bodyPr rtlCol="0" anchor="ctr"/>
+          <a:lstStyle/>
+          <a:p>
+            <a:pPr algn="ctr"/>
+            <a:r>
+              <a:rPr lang="ko-KR" altLang="en-US" sz="3200">
+                <a:solidFill>
+                  <a:schemeClr val="tx1"/>
+                </a:solidFill>
+              </a:rPr>
+              <a:t>소스 코드 분석</a:t>
+            </a:r>
+            <a:endParaRPr lang="ko-KR" altLang="en-US" sz="3200" dirty="0">
+              <a:solidFill>
+                <a:schemeClr val="tx1"/>
+              </a:solidFill>
+            </a:endParaRPr>
+          </a:p>
+        </p:txBody>
+      </p:sp>
+      <p:sp>
+        <p:nvSpPr>
+          <p:cNvPr id="72" name="모서리가 둥근 직사각형 71"/>
+          <p:cNvSpPr/>
+          <p:nvPr/>
+        </p:nvSpPr>
+        <p:spPr>
+          <a:xfrm>
+            <a:off x="12622649" y="6878150"/>
+            <a:ext cx="3581400" cy="697236"/>
+          </a:xfrm>
+          <a:prstGeom prst="roundRect">
+            <a:avLst/>
+          </a:prstGeom>
+          <a:solidFill>
+            <a:schemeClr val="accent6">
+              <a:lumMod val="50000"/>
+              <a:alpha val="50000"/>
+            </a:schemeClr>
+          </a:solidFill>
+          <a:ln>
+            <a:noFill/>
+          </a:ln>
+        </p:spPr>
+        <p:style>
+          <a:lnRef idx="0">
+            <a:scrgbClr r="0" g="0" b="0"/>
+          </a:lnRef>
+          <a:fillRef idx="0">
+            <a:scrgbClr r="0" g="0" b="0"/>
+          </a:fillRef>
+          <a:effectRef idx="0">
+            <a:scrgbClr r="0" g="0" b="0"/>
+          </a:effectRef>
+          <a:fontRef idx="minor">
+            <a:schemeClr val="lt1"/>
+          </a:fontRef>
+        </p:style>
+        <p:txBody>
+          <a:bodyPr rtlCol="0" anchor="ctr"/>
+          <a:lstStyle/>
+          <a:p>
+            <a:pPr algn="ctr"/>
+            <a:r>
+              <a:rPr lang="ko-KR" altLang="en-US" sz="3200" dirty="0" smtClean="0">
+                <a:solidFill>
+                  <a:schemeClr val="tx1"/>
+                </a:solidFill>
+              </a:rPr>
+              <a:t>내용</a:t>
+            </a:r>
+            <a:endParaRPr lang="ko-KR" altLang="en-US" sz="3200" dirty="0">
+              <a:solidFill>
+                <a:schemeClr val="tx1"/>
+              </a:solidFill>
+            </a:endParaRPr>
+          </a:p>
+        </p:txBody>
+      </p:sp>
+      <p:sp>
+        <p:nvSpPr>
+          <p:cNvPr id="73" name="모서리가 둥근 직사각형 72"/>
+          <p:cNvSpPr/>
+          <p:nvPr/>
+        </p:nvSpPr>
+        <p:spPr>
+          <a:xfrm>
+            <a:off x="12637889" y="7747083"/>
+            <a:ext cx="3581400" cy="697236"/>
+          </a:xfrm>
+          <a:prstGeom prst="roundRect">
+            <a:avLst/>
+          </a:prstGeom>
+          <a:solidFill>
+            <a:schemeClr val="accent6">
+              <a:lumMod val="50000"/>
+              <a:alpha val="50000"/>
+            </a:schemeClr>
+          </a:solidFill>
+          <a:ln>
+            <a:noFill/>
+          </a:ln>
+        </p:spPr>
+        <p:style>
+          <a:lnRef idx="0">
+            <a:scrgbClr r="0" g="0" b="0"/>
+          </a:lnRef>
+          <a:fillRef idx="0">
+            <a:scrgbClr r="0" g="0" b="0"/>
+          </a:fillRef>
+          <a:effectRef idx="0">
+            <a:scrgbClr r="0" g="0" b="0"/>
+          </a:effectRef>
+          <a:fontRef idx="minor">
+            <a:schemeClr val="lt1"/>
+          </a:fontRef>
+        </p:style>
+        <p:txBody>
+          <a:bodyPr rtlCol="0" anchor="ctr"/>
+          <a:lstStyle/>
+          <a:p>
+            <a:pPr algn="ctr"/>
+            <a:r>
+              <a:rPr lang="ko-KR" altLang="en-US" sz="3200" dirty="0" smtClean="0">
+                <a:solidFill>
+                  <a:schemeClr val="tx1"/>
+                </a:solidFill>
+              </a:rPr>
+              <a:t>내용</a:t>
+            </a:r>
+            <a:endParaRPr lang="ko-KR" altLang="en-US" sz="3200" dirty="0">
+              <a:solidFill>
+                <a:schemeClr val="tx1"/>
+              </a:solidFill>
+            </a:endParaRPr>
+          </a:p>
+        </p:txBody>
+      </p:sp>
+      <p:sp>
+        <p:nvSpPr>
+          <p:cNvPr id="76" name="모서리가 둥근 직사각형 75"/>
+          <p:cNvSpPr/>
+          <p:nvPr/>
+        </p:nvSpPr>
+        <p:spPr>
+          <a:xfrm>
+            <a:off x="12567368" y="4368262"/>
+            <a:ext cx="3581400" cy="697236"/>
+          </a:xfrm>
+          <a:prstGeom prst="roundRect">
+            <a:avLst/>
+          </a:prstGeom>
+          <a:solidFill>
+            <a:schemeClr val="accent5">
+              <a:alpha val="50000"/>
+            </a:schemeClr>
+          </a:solidFill>
+          <a:ln>
+            <a:noFill/>
+          </a:ln>
+        </p:spPr>
+        <p:style>
+          <a:lnRef idx="0">
+            <a:scrgbClr r="0" g="0" b="0"/>
+          </a:lnRef>
+          <a:fillRef idx="0">
+            <a:scrgbClr r="0" g="0" b="0"/>
+          </a:fillRef>
+          <a:effectRef idx="0">
+            <a:scrgbClr r="0" g="0" b="0"/>
+          </a:effectRef>
+          <a:fontRef idx="minor">
+            <a:schemeClr val="lt1"/>
+          </a:fontRef>
+        </p:style>
+        <p:txBody>
+          <a:bodyPr rtlCol="0" anchor="ctr"/>
+          <a:lstStyle/>
+          <a:p>
+            <a:pPr algn="ctr"/>
+            <a:r>
+              <a:rPr lang="ko-KR" altLang="en-US" sz="3200" dirty="0" smtClean="0">
+                <a:solidFill>
+                  <a:schemeClr val="tx1"/>
+                </a:solidFill>
+              </a:rPr>
+              <a:t>내용</a:t>
+            </a:r>
+            <a:endParaRPr lang="ko-KR" altLang="en-US" sz="3200" dirty="0">
+              <a:solidFill>
+                <a:schemeClr val="tx1"/>
+              </a:solidFill>
+            </a:endParaRPr>
+          </a:p>
+        </p:txBody>
+      </p:sp>
     </p:spTree>
+    <p:extLst>
+      <p:ext uri="{BB962C8B-B14F-4D97-AF65-F5344CB8AC3E}">
+        <p14:creationId xmlns:p14="http://schemas.microsoft.com/office/powerpoint/2010/main" val="2530300100"/>
+      </p:ext>
+    </p:extLst>
   </p:cSld>
   <p:clrMapOvr>
     <a:masterClrMapping/>
   </p:clrMapOvr>
+  <p:timing>
+    <p:tnLst>
+      <p:par>
+        <p:cTn id="1" dur="indefinite" restart="never" nodeType="tmRoot"/>
+      </p:par>
+    </p:tnLst>
+  </p:timing>
 </p:sld>
 </file>
 
@@ -6603,110 +8549,77 @@
           <a:chExt cx="0" cy="0"/>
         </a:xfrm>
       </p:grpSpPr>
-      <p:pic>
-        <p:nvPicPr>
-          <p:cNvPr id="2" name="Object 1"/>
-          <p:cNvPicPr>
-            <a:picLocks noChangeAspect="1"/>
-          </p:cNvPicPr>
-          <p:nvPr/>
-        </p:nvPicPr>
-        <p:blipFill>
-          <a:blip r:embed="rId2" cstate="print"/>
-          <a:stretch>
-            <a:fillRect/>
-          </a:stretch>
-        </p:blipFill>
-        <p:spPr>
-          <a:xfrm>
-            <a:off x="1421593" y="1138098"/>
-            <a:ext cx="462098" cy="478856"/>
-          </a:xfrm>
-          <a:prstGeom prst="rect">
-            <a:avLst/>
-          </a:prstGeom>
-        </p:spPr>
-      </p:pic>
-      <p:pic>
-        <p:nvPicPr>
-          <p:cNvPr id="3" name="Object 2"/>
-          <p:cNvPicPr>
-            <a:picLocks noChangeAspect="1"/>
-          </p:cNvPicPr>
-          <p:nvPr/>
-        </p:nvPicPr>
-        <p:blipFill>
-          <a:blip r:embed="rId3" cstate="print"/>
-          <a:stretch>
-            <a:fillRect/>
-          </a:stretch>
-        </p:blipFill>
-        <p:spPr>
-          <a:xfrm>
-            <a:off x="17445429" y="9561429"/>
-            <a:ext cx="454949" cy="398273"/>
-          </a:xfrm>
-          <a:prstGeom prst="rect">
-            <a:avLst/>
-          </a:prstGeom>
-        </p:spPr>
-      </p:pic>
-      <p:pic>
-        <p:nvPicPr>
-          <p:cNvPr id="4" name="Object 3"/>
-          <p:cNvPicPr>
-            <a:picLocks noChangeAspect="1"/>
-          </p:cNvPicPr>
-          <p:nvPr/>
-        </p:nvPicPr>
-        <p:blipFill>
-          <a:blip r:embed="rId4" cstate="print"/>
-          <a:stretch>
-            <a:fillRect/>
-          </a:stretch>
-        </p:blipFill>
-        <p:spPr>
-          <a:xfrm>
-            <a:off x="5407731" y="-155878"/>
-            <a:ext cx="7280191" cy="1720950"/>
-          </a:xfrm>
-          <a:prstGeom prst="rect">
-            <a:avLst/>
-          </a:prstGeom>
-        </p:spPr>
-      </p:pic>
       <p:grpSp>
         <p:nvGrpSpPr>
-          <p:cNvPr id="1001" name="그룹 1001"/>
+          <p:cNvPr id="9" name="그룹 1002"/>
           <p:cNvGrpSpPr/>
           <p:nvPr/>
         </p:nvGrpSpPr>
         <p:grpSpPr>
           <a:xfrm>
-            <a:off x="2138445" y="1283810"/>
-            <a:ext cx="13486045" cy="110187"/>
-            <a:chOff x="2138445" y="1283810"/>
-            <a:chExt cx="13486045" cy="110187"/>
+            <a:off x="15906782" y="0"/>
+            <a:ext cx="2378932" cy="2378932"/>
+            <a:chOff x="15906782" y="0"/>
+            <a:chExt cx="2378932" cy="2378932"/>
           </a:xfrm>
         </p:grpSpPr>
         <p:pic>
           <p:nvPicPr>
-            <p:cNvPr id="6" name="Object 5"/>
+            <p:cNvPr id="10" name="Object 8"/>
             <p:cNvPicPr>
               <a:picLocks noChangeAspect="1"/>
             </p:cNvPicPr>
             <p:nvPr/>
           </p:nvPicPr>
           <p:blipFill>
-            <a:blip r:embed="rId5" cstate="print"/>
+            <a:blip r:embed="rId2" cstate="print"/>
             <a:stretch>
               <a:fillRect/>
             </a:stretch>
           </p:blipFill>
           <p:spPr>
             <a:xfrm>
-              <a:off x="2138445" y="1283810"/>
-              <a:ext cx="13486045" cy="110187"/>
+              <a:off x="15906782" y="0"/>
+              <a:ext cx="2378932" cy="2378932"/>
+            </a:xfrm>
+            <a:prstGeom prst="rect">
+              <a:avLst/>
+            </a:prstGeom>
+          </p:spPr>
+        </p:pic>
+      </p:grpSp>
+      <p:grpSp>
+        <p:nvGrpSpPr>
+          <p:cNvPr id="11" name="그룹 1001"/>
+          <p:cNvGrpSpPr/>
+          <p:nvPr/>
+        </p:nvGrpSpPr>
+        <p:grpSpPr>
+          <a:xfrm>
+            <a:off x="2419543" y="1283810"/>
+            <a:ext cx="13204946" cy="110187"/>
+            <a:chOff x="2419543" y="1283810"/>
+            <a:chExt cx="13204946" cy="110187"/>
+          </a:xfrm>
+        </p:grpSpPr>
+        <p:pic>
+          <p:nvPicPr>
+            <p:cNvPr id="12" name="Object 3"/>
+            <p:cNvPicPr>
+              <a:picLocks noChangeAspect="1"/>
+            </p:cNvPicPr>
+            <p:nvPr/>
+          </p:nvPicPr>
+          <p:blipFill>
+            <a:blip r:embed="rId3" cstate="print"/>
+            <a:stretch>
+              <a:fillRect/>
+            </a:stretch>
+          </p:blipFill>
+          <p:spPr>
+            <a:xfrm>
+              <a:off x="2419543" y="1283810"/>
+              <a:ext cx="13204946" cy="110187"/>
             </a:xfrm>
             <a:prstGeom prst="rect">
               <a:avLst/>
@@ -6716,7 +8629,55 @@
       </p:grpSp>
       <p:pic>
         <p:nvPicPr>
-          <p:cNvPr id="8" name="Object 7"/>
+          <p:cNvPr id="13" name="Object 3"/>
+          <p:cNvPicPr>
+            <a:picLocks noChangeAspect="1"/>
+          </p:cNvPicPr>
+          <p:nvPr/>
+        </p:nvPicPr>
+        <p:blipFill>
+          <a:blip r:embed="rId4" cstate="print"/>
+          <a:stretch>
+            <a:fillRect/>
+          </a:stretch>
+        </p:blipFill>
+        <p:spPr>
+          <a:xfrm>
+            <a:off x="5407731" y="-155878"/>
+            <a:ext cx="7280048" cy="1709779"/>
+          </a:xfrm>
+          <a:prstGeom prst="rect">
+            <a:avLst/>
+          </a:prstGeom>
+        </p:spPr>
+      </p:pic>
+      <p:pic>
+        <p:nvPicPr>
+          <p:cNvPr id="14" name="Object 1"/>
+          <p:cNvPicPr>
+            <a:picLocks noChangeAspect="1"/>
+          </p:cNvPicPr>
+          <p:nvPr/>
+        </p:nvPicPr>
+        <p:blipFill>
+          <a:blip r:embed="rId5" cstate="print"/>
+          <a:stretch>
+            <a:fillRect/>
+          </a:stretch>
+        </p:blipFill>
+        <p:spPr>
+          <a:xfrm>
+            <a:off x="1421593" y="1138098"/>
+            <a:ext cx="462098" cy="478856"/>
+          </a:xfrm>
+          <a:prstGeom prst="rect">
+            <a:avLst/>
+          </a:prstGeom>
+        </p:spPr>
+      </p:pic>
+      <p:pic>
+        <p:nvPicPr>
+          <p:cNvPr id="15" name="Object 2"/>
           <p:cNvPicPr>
             <a:picLocks noChangeAspect="1"/>
           </p:cNvPicPr>
@@ -6730,6 +8691,30 @@
         </p:blipFill>
         <p:spPr>
           <a:xfrm>
+            <a:off x="17445429" y="9561429"/>
+            <a:ext cx="454940" cy="398273"/>
+          </a:xfrm>
+          <a:prstGeom prst="rect">
+            <a:avLst/>
+          </a:prstGeom>
+        </p:spPr>
+      </p:pic>
+      <p:pic>
+        <p:nvPicPr>
+          <p:cNvPr id="16" name="Object 7"/>
+          <p:cNvPicPr>
+            <a:picLocks noChangeAspect="1"/>
+          </p:cNvPicPr>
+          <p:nvPr/>
+        </p:nvPicPr>
+        <p:blipFill>
+          <a:blip r:embed="rId7" cstate="print"/>
+          <a:stretch>
+            <a:fillRect/>
+          </a:stretch>
+        </p:blipFill>
+        <p:spPr>
+          <a:xfrm>
             <a:off x="511376" y="9561429"/>
             <a:ext cx="411597" cy="398273"/>
           </a:xfrm>
@@ -6743,6 +8728,13 @@
   <p:clrMapOvr>
     <a:masterClrMapping/>
   </p:clrMapOvr>
+  <p:timing>
+    <p:tnLst>
+      <p:par>
+        <p:cTn id="1" dur="indefinite" restart="never" nodeType="tmRoot"/>
+      </p:par>
+    </p:tnLst>
+  </p:timing>
 </p:sld>
 </file>
 
@@ -6771,86 +8763,77 @@
           <a:chExt cx="0" cy="0"/>
         </a:xfrm>
       </p:grpSpPr>
-      <p:pic>
-        <p:nvPicPr>
-          <p:cNvPr id="2" name="Object 1"/>
-          <p:cNvPicPr>
-            <a:picLocks noChangeAspect="1"/>
-          </p:cNvPicPr>
-          <p:nvPr/>
-        </p:nvPicPr>
-        <p:blipFill>
-          <a:blip r:embed="rId2" cstate="print"/>
-          <a:stretch>
-            <a:fillRect/>
-          </a:stretch>
-        </p:blipFill>
-        <p:spPr>
-          <a:xfrm>
-            <a:off x="1421593" y="1138098"/>
-            <a:ext cx="465508" cy="478856"/>
-          </a:xfrm>
-          <a:prstGeom prst="rect">
-            <a:avLst/>
-          </a:prstGeom>
-        </p:spPr>
-      </p:pic>
-      <p:pic>
-        <p:nvPicPr>
-          <p:cNvPr id="3" name="Object 2"/>
-          <p:cNvPicPr>
-            <a:picLocks noChangeAspect="1"/>
-          </p:cNvPicPr>
-          <p:nvPr/>
-        </p:nvPicPr>
-        <p:blipFill>
-          <a:blip r:embed="rId3" cstate="print"/>
-          <a:stretch>
-            <a:fillRect/>
-          </a:stretch>
-        </p:blipFill>
-        <p:spPr>
-          <a:xfrm>
-            <a:off x="17460287" y="9561429"/>
-            <a:ext cx="416654" cy="398273"/>
-          </a:xfrm>
-          <a:prstGeom prst="rect">
-            <a:avLst/>
-          </a:prstGeom>
-        </p:spPr>
-      </p:pic>
       <p:grpSp>
         <p:nvGrpSpPr>
-          <p:cNvPr id="1001" name="그룹 1001"/>
+          <p:cNvPr id="9" name="그룹 1002"/>
           <p:cNvGrpSpPr/>
           <p:nvPr/>
         </p:nvGrpSpPr>
         <p:grpSpPr>
           <a:xfrm>
-            <a:off x="2138445" y="1283810"/>
-            <a:ext cx="13486045" cy="110187"/>
-            <a:chOff x="2138445" y="1283810"/>
-            <a:chExt cx="13486045" cy="110187"/>
+            <a:off x="15906782" y="0"/>
+            <a:ext cx="2378932" cy="2378932"/>
+            <a:chOff x="15906782" y="0"/>
+            <a:chExt cx="2378932" cy="2378932"/>
           </a:xfrm>
         </p:grpSpPr>
         <p:pic>
           <p:nvPicPr>
-            <p:cNvPr id="5" name="Object 4"/>
+            <p:cNvPr id="10" name="Object 8"/>
             <p:cNvPicPr>
               <a:picLocks noChangeAspect="1"/>
             </p:cNvPicPr>
             <p:nvPr/>
           </p:nvPicPr>
           <p:blipFill>
-            <a:blip r:embed="rId4" cstate="print"/>
+            <a:blip r:embed="rId2" cstate="print"/>
             <a:stretch>
               <a:fillRect/>
             </a:stretch>
           </p:blipFill>
           <p:spPr>
             <a:xfrm>
-              <a:off x="2138445" y="1283810"/>
-              <a:ext cx="13486045" cy="110187"/>
+              <a:off x="15906782" y="0"/>
+              <a:ext cx="2378932" cy="2378932"/>
+            </a:xfrm>
+            <a:prstGeom prst="rect">
+              <a:avLst/>
+            </a:prstGeom>
+          </p:spPr>
+        </p:pic>
+      </p:grpSp>
+      <p:grpSp>
+        <p:nvGrpSpPr>
+          <p:cNvPr id="11" name="그룹 1001"/>
+          <p:cNvGrpSpPr/>
+          <p:nvPr/>
+        </p:nvGrpSpPr>
+        <p:grpSpPr>
+          <a:xfrm>
+            <a:off x="2419543" y="1283810"/>
+            <a:ext cx="13204946" cy="110187"/>
+            <a:chOff x="2419543" y="1283810"/>
+            <a:chExt cx="13204946" cy="110187"/>
+          </a:xfrm>
+        </p:grpSpPr>
+        <p:pic>
+          <p:nvPicPr>
+            <p:cNvPr id="12" name="Object 3"/>
+            <p:cNvPicPr>
+              <a:picLocks noChangeAspect="1"/>
+            </p:cNvPicPr>
+            <p:nvPr/>
+          </p:nvPicPr>
+          <p:blipFill>
+            <a:blip r:embed="rId3" cstate="print"/>
+            <a:stretch>
+              <a:fillRect/>
+            </a:stretch>
+          </p:blipFill>
+          <p:spPr>
+            <a:xfrm>
+              <a:off x="2419543" y="1283810"/>
+              <a:ext cx="13204946" cy="110187"/>
             </a:xfrm>
             <a:prstGeom prst="rect">
               <a:avLst/>
@@ -6860,7 +8843,31 @@
       </p:grpSp>
       <p:pic>
         <p:nvPicPr>
-          <p:cNvPr id="7" name="Object 6"/>
+          <p:cNvPr id="13" name="Object 6"/>
+          <p:cNvPicPr>
+            <a:picLocks noChangeAspect="1"/>
+          </p:cNvPicPr>
+          <p:nvPr/>
+        </p:nvPicPr>
+        <p:blipFill>
+          <a:blip r:embed="rId4" cstate="print"/>
+          <a:stretch>
+            <a:fillRect/>
+          </a:stretch>
+        </p:blipFill>
+        <p:spPr>
+          <a:xfrm>
+            <a:off x="6389027" y="-155878"/>
+            <a:ext cx="5236153" cy="1709779"/>
+          </a:xfrm>
+          <a:prstGeom prst="rect">
+            <a:avLst/>
+          </a:prstGeom>
+        </p:spPr>
+      </p:pic>
+      <p:pic>
+        <p:nvPicPr>
+          <p:cNvPr id="14" name="Object 1"/>
           <p:cNvPicPr>
             <a:picLocks noChangeAspect="1"/>
           </p:cNvPicPr>
@@ -6874,8 +8881,8 @@
         </p:blipFill>
         <p:spPr>
           <a:xfrm>
-            <a:off x="6389027" y="-155878"/>
-            <a:ext cx="5236382" cy="1720950"/>
+            <a:off x="1421593" y="1138098"/>
+            <a:ext cx="465508" cy="478856"/>
           </a:xfrm>
           <a:prstGeom prst="rect">
             <a:avLst/>
@@ -6884,7 +8891,7 @@
       </p:pic>
       <p:pic>
         <p:nvPicPr>
-          <p:cNvPr id="8" name="Object 7"/>
+          <p:cNvPr id="15" name="Object 2"/>
           <p:cNvPicPr>
             <a:picLocks noChangeAspect="1"/>
           </p:cNvPicPr>
@@ -6898,6 +8905,30 @@
         </p:blipFill>
         <p:spPr>
           <a:xfrm>
+            <a:off x="17460287" y="9561429"/>
+            <a:ext cx="416654" cy="398273"/>
+          </a:xfrm>
+          <a:prstGeom prst="rect">
+            <a:avLst/>
+          </a:prstGeom>
+        </p:spPr>
+      </p:pic>
+      <p:pic>
+        <p:nvPicPr>
+          <p:cNvPr id="16" name="Object 7"/>
+          <p:cNvPicPr>
+            <a:picLocks noChangeAspect="1"/>
+          </p:cNvPicPr>
+          <p:nvPr/>
+        </p:nvPicPr>
+        <p:blipFill>
+          <a:blip r:embed="rId7" cstate="print"/>
+          <a:stretch>
+            <a:fillRect/>
+          </a:stretch>
+        </p:blipFill>
+        <p:spPr>
+          <a:xfrm>
             <a:off x="511376" y="9561429"/>
             <a:ext cx="411806" cy="398273"/>
           </a:xfrm>
@@ -6911,6 +8942,13 @@
   <p:clrMapOvr>
     <a:masterClrMapping/>
   </p:clrMapOvr>
+  <p:timing>
+    <p:tnLst>
+      <p:par>
+        <p:cTn id="1" dur="indefinite" restart="never" nodeType="tmRoot"/>
+      </p:par>
+    </p:tnLst>
+  </p:timing>
 </p:sld>
 </file>
 
@@ -6939,110 +8977,77 @@
           <a:chExt cx="0" cy="0"/>
         </a:xfrm>
       </p:grpSpPr>
-      <p:pic>
-        <p:nvPicPr>
-          <p:cNvPr id="2" name="Object 1"/>
-          <p:cNvPicPr>
-            <a:picLocks noChangeAspect="1"/>
-          </p:cNvPicPr>
-          <p:nvPr/>
-        </p:nvPicPr>
-        <p:blipFill>
-          <a:blip r:embed="rId2" cstate="print"/>
-          <a:stretch>
-            <a:fillRect/>
-          </a:stretch>
-        </p:blipFill>
-        <p:spPr>
-          <a:xfrm>
-            <a:off x="1421593" y="1138098"/>
-            <a:ext cx="460965" cy="478856"/>
-          </a:xfrm>
-          <a:prstGeom prst="rect">
-            <a:avLst/>
-          </a:prstGeom>
-        </p:spPr>
-      </p:pic>
-      <p:pic>
-        <p:nvPicPr>
-          <p:cNvPr id="3" name="Object 2"/>
-          <p:cNvPicPr>
-            <a:picLocks noChangeAspect="1"/>
-          </p:cNvPicPr>
-          <p:nvPr/>
-        </p:nvPicPr>
-        <p:blipFill>
-          <a:blip r:embed="rId3" cstate="print"/>
-          <a:stretch>
-            <a:fillRect/>
-          </a:stretch>
-        </p:blipFill>
-        <p:spPr>
-          <a:xfrm>
-            <a:off x="17493239" y="9561429"/>
-            <a:ext cx="411397" cy="398273"/>
-          </a:xfrm>
-          <a:prstGeom prst="rect">
-            <a:avLst/>
-          </a:prstGeom>
-        </p:spPr>
-      </p:pic>
-      <p:pic>
-        <p:nvPicPr>
-          <p:cNvPr id="4" name="Object 3"/>
-          <p:cNvPicPr>
-            <a:picLocks noChangeAspect="1"/>
-          </p:cNvPicPr>
-          <p:nvPr/>
-        </p:nvPicPr>
-        <p:blipFill>
-          <a:blip r:embed="rId4" cstate="print"/>
-          <a:stretch>
-            <a:fillRect/>
-          </a:stretch>
-        </p:blipFill>
-        <p:spPr>
-          <a:xfrm>
-            <a:off x="510247" y="9561429"/>
-            <a:ext cx="419102" cy="398273"/>
-          </a:xfrm>
-          <a:prstGeom prst="rect">
-            <a:avLst/>
-          </a:prstGeom>
-        </p:spPr>
-      </p:pic>
       <p:grpSp>
         <p:nvGrpSpPr>
-          <p:cNvPr id="1001" name="그룹 1001"/>
+          <p:cNvPr id="9" name="그룹 1002"/>
           <p:cNvGrpSpPr/>
           <p:nvPr/>
         </p:nvGrpSpPr>
         <p:grpSpPr>
           <a:xfrm>
-            <a:off x="2138445" y="1283810"/>
-            <a:ext cx="13486045" cy="110187"/>
-            <a:chOff x="2138445" y="1283810"/>
-            <a:chExt cx="13486045" cy="110187"/>
+            <a:off x="15906782" y="0"/>
+            <a:ext cx="2378932" cy="2378932"/>
+            <a:chOff x="15906782" y="0"/>
+            <a:chExt cx="2378932" cy="2378932"/>
           </a:xfrm>
         </p:grpSpPr>
         <p:pic>
           <p:nvPicPr>
-            <p:cNvPr id="6" name="Object 5"/>
+            <p:cNvPr id="10" name="Object 8"/>
             <p:cNvPicPr>
               <a:picLocks noChangeAspect="1"/>
             </p:cNvPicPr>
             <p:nvPr/>
           </p:nvPicPr>
           <p:blipFill>
-            <a:blip r:embed="rId5" cstate="print"/>
+            <a:blip r:embed="rId2" cstate="print"/>
             <a:stretch>
               <a:fillRect/>
             </a:stretch>
           </p:blipFill>
           <p:spPr>
             <a:xfrm>
-              <a:off x="2138445" y="1283810"/>
-              <a:ext cx="13486045" cy="110187"/>
+              <a:off x="15906782" y="0"/>
+              <a:ext cx="2378932" cy="2378932"/>
+            </a:xfrm>
+            <a:prstGeom prst="rect">
+              <a:avLst/>
+            </a:prstGeom>
+          </p:spPr>
+        </p:pic>
+      </p:grpSp>
+      <p:grpSp>
+        <p:nvGrpSpPr>
+          <p:cNvPr id="11" name="그룹 1001"/>
+          <p:cNvGrpSpPr/>
+          <p:nvPr/>
+        </p:nvGrpSpPr>
+        <p:grpSpPr>
+          <a:xfrm>
+            <a:off x="2419543" y="1283810"/>
+            <a:ext cx="13204946" cy="110187"/>
+            <a:chOff x="2419543" y="1283810"/>
+            <a:chExt cx="13204946" cy="110187"/>
+          </a:xfrm>
+        </p:grpSpPr>
+        <p:pic>
+          <p:nvPicPr>
+            <p:cNvPr id="12" name="Object 3"/>
+            <p:cNvPicPr>
+              <a:picLocks noChangeAspect="1"/>
+            </p:cNvPicPr>
+            <p:nvPr/>
+          </p:nvPicPr>
+          <p:blipFill>
+            <a:blip r:embed="rId3" cstate="print"/>
+            <a:stretch>
+              <a:fillRect/>
+            </a:stretch>
+          </p:blipFill>
+          <p:spPr>
+            <a:xfrm>
+              <a:off x="2419543" y="1283810"/>
+              <a:ext cx="13204946" cy="110187"/>
             </a:xfrm>
             <a:prstGeom prst="rect">
               <a:avLst/>
@@ -7052,7 +9057,55 @@
       </p:grpSp>
       <p:pic>
         <p:nvPicPr>
-          <p:cNvPr id="8" name="Object 7"/>
+          <p:cNvPr id="13" name="Object 7"/>
+          <p:cNvPicPr>
+            <a:picLocks noChangeAspect="1"/>
+          </p:cNvPicPr>
+          <p:nvPr/>
+        </p:nvPicPr>
+        <p:blipFill>
+          <a:blip r:embed="rId4" cstate="print"/>
+          <a:stretch>
+            <a:fillRect/>
+          </a:stretch>
+        </p:blipFill>
+        <p:spPr>
+          <a:xfrm>
+            <a:off x="5407731" y="-155878"/>
+            <a:ext cx="8310524" cy="1690731"/>
+          </a:xfrm>
+          <a:prstGeom prst="rect">
+            <a:avLst/>
+          </a:prstGeom>
+        </p:spPr>
+      </p:pic>
+      <p:pic>
+        <p:nvPicPr>
+          <p:cNvPr id="17" name="Object 1"/>
+          <p:cNvPicPr>
+            <a:picLocks noChangeAspect="1"/>
+          </p:cNvPicPr>
+          <p:nvPr/>
+        </p:nvPicPr>
+        <p:blipFill>
+          <a:blip r:embed="rId5" cstate="print"/>
+          <a:stretch>
+            <a:fillRect/>
+          </a:stretch>
+        </p:blipFill>
+        <p:spPr>
+          <a:xfrm>
+            <a:off x="1421593" y="1138098"/>
+            <a:ext cx="460965" cy="478856"/>
+          </a:xfrm>
+          <a:prstGeom prst="rect">
+            <a:avLst/>
+          </a:prstGeom>
+        </p:spPr>
+      </p:pic>
+      <p:pic>
+        <p:nvPicPr>
+          <p:cNvPr id="18" name="Object 2"/>
           <p:cNvPicPr>
             <a:picLocks noChangeAspect="1"/>
           </p:cNvPicPr>
@@ -7066,8 +9119,32 @@
         </p:blipFill>
         <p:spPr>
           <a:xfrm>
-            <a:off x="5407731" y="-155878"/>
-            <a:ext cx="8311277" cy="1701903"/>
+            <a:off x="17493239" y="9561429"/>
+            <a:ext cx="411397" cy="398273"/>
+          </a:xfrm>
+          <a:prstGeom prst="rect">
+            <a:avLst/>
+          </a:prstGeom>
+        </p:spPr>
+      </p:pic>
+      <p:pic>
+        <p:nvPicPr>
+          <p:cNvPr id="19" name="Object 3"/>
+          <p:cNvPicPr>
+            <a:picLocks noChangeAspect="1"/>
+          </p:cNvPicPr>
+          <p:nvPr/>
+        </p:nvPicPr>
+        <p:blipFill>
+          <a:blip r:embed="rId7" cstate="print"/>
+          <a:stretch>
+            <a:fillRect/>
+          </a:stretch>
+        </p:blipFill>
+        <p:spPr>
+          <a:xfrm>
+            <a:off x="510247" y="9561429"/>
+            <a:ext cx="419111" cy="398273"/>
           </a:xfrm>
           <a:prstGeom prst="rect">
             <a:avLst/>
@@ -7079,6 +9156,13 @@
   <p:clrMapOvr>
     <a:masterClrMapping/>
   </p:clrMapOvr>
+  <p:timing>
+    <p:tnLst>
+      <p:par>
+        <p:cTn id="1" dur="indefinite" restart="never" nodeType="tmRoot"/>
+      </p:par>
+    </p:tnLst>
+  </p:timing>
 </p:sld>
 </file>
 
@@ -7107,110 +9191,77 @@
           <a:chExt cx="0" cy="0"/>
         </a:xfrm>
       </p:grpSpPr>
-      <p:pic>
-        <p:nvPicPr>
-          <p:cNvPr id="2" name="Object 1"/>
-          <p:cNvPicPr>
-            <a:picLocks noChangeAspect="1"/>
-          </p:cNvPicPr>
-          <p:nvPr/>
-        </p:nvPicPr>
-        <p:blipFill>
-          <a:blip r:embed="rId2" cstate="print"/>
-          <a:stretch>
-            <a:fillRect/>
-          </a:stretch>
-        </p:blipFill>
-        <p:spPr>
-          <a:xfrm>
-            <a:off x="1421593" y="1138098"/>
-            <a:ext cx="460965" cy="478856"/>
-          </a:xfrm>
-          <a:prstGeom prst="rect">
-            <a:avLst/>
-          </a:prstGeom>
-        </p:spPr>
-      </p:pic>
-      <p:pic>
-        <p:nvPicPr>
-          <p:cNvPr id="3" name="Object 2"/>
-          <p:cNvPicPr>
-            <a:picLocks noChangeAspect="1"/>
-          </p:cNvPicPr>
-          <p:nvPr/>
-        </p:nvPicPr>
-        <p:blipFill>
-          <a:blip r:embed="rId3" cstate="print"/>
-          <a:stretch>
-            <a:fillRect/>
-          </a:stretch>
-        </p:blipFill>
-        <p:spPr>
-          <a:xfrm>
-            <a:off x="17493239" y="9561429"/>
-            <a:ext cx="407292" cy="398273"/>
-          </a:xfrm>
-          <a:prstGeom prst="rect">
-            <a:avLst/>
-          </a:prstGeom>
-        </p:spPr>
-      </p:pic>
-      <p:pic>
-        <p:nvPicPr>
-          <p:cNvPr id="4" name="Object 3"/>
-          <p:cNvPicPr>
-            <a:picLocks noChangeAspect="1"/>
-          </p:cNvPicPr>
-          <p:nvPr/>
-        </p:nvPicPr>
-        <p:blipFill>
-          <a:blip r:embed="rId4" cstate="print"/>
-          <a:stretch>
-            <a:fillRect/>
-          </a:stretch>
-        </p:blipFill>
-        <p:spPr>
-          <a:xfrm>
-            <a:off x="510247" y="9561429"/>
-            <a:ext cx="416654" cy="398273"/>
-          </a:xfrm>
-          <a:prstGeom prst="rect">
-            <a:avLst/>
-          </a:prstGeom>
-        </p:spPr>
-      </p:pic>
       <p:grpSp>
         <p:nvGrpSpPr>
-          <p:cNvPr id="1001" name="그룹 1001"/>
+          <p:cNvPr id="9" name="그룹 1002"/>
           <p:cNvGrpSpPr/>
           <p:nvPr/>
         </p:nvGrpSpPr>
         <p:grpSpPr>
           <a:xfrm>
-            <a:off x="2138445" y="1283810"/>
-            <a:ext cx="13486045" cy="110187"/>
-            <a:chOff x="2138445" y="1283810"/>
-            <a:chExt cx="13486045" cy="110187"/>
+            <a:off x="15906782" y="0"/>
+            <a:ext cx="2378932" cy="2378932"/>
+            <a:chOff x="15906782" y="0"/>
+            <a:chExt cx="2378932" cy="2378932"/>
           </a:xfrm>
         </p:grpSpPr>
         <p:pic>
           <p:nvPicPr>
-            <p:cNvPr id="6" name="Object 5"/>
+            <p:cNvPr id="10" name="Object 8"/>
             <p:cNvPicPr>
               <a:picLocks noChangeAspect="1"/>
             </p:cNvPicPr>
             <p:nvPr/>
           </p:nvPicPr>
           <p:blipFill>
-            <a:blip r:embed="rId5" cstate="print"/>
+            <a:blip r:embed="rId2" cstate="print"/>
             <a:stretch>
               <a:fillRect/>
             </a:stretch>
           </p:blipFill>
           <p:spPr>
             <a:xfrm>
-              <a:off x="2138445" y="1283810"/>
-              <a:ext cx="13486045" cy="110187"/>
+              <a:off x="15906782" y="0"/>
+              <a:ext cx="2378932" cy="2378932"/>
+            </a:xfrm>
+            <a:prstGeom prst="rect">
+              <a:avLst/>
+            </a:prstGeom>
+          </p:spPr>
+        </p:pic>
+      </p:grpSp>
+      <p:grpSp>
+        <p:nvGrpSpPr>
+          <p:cNvPr id="11" name="그룹 1001"/>
+          <p:cNvGrpSpPr/>
+          <p:nvPr/>
+        </p:nvGrpSpPr>
+        <p:grpSpPr>
+          <a:xfrm>
+            <a:off x="2419543" y="1283810"/>
+            <a:ext cx="13204946" cy="110187"/>
+            <a:chOff x="2419543" y="1283810"/>
+            <a:chExt cx="13204946" cy="110187"/>
+          </a:xfrm>
+        </p:grpSpPr>
+        <p:pic>
+          <p:nvPicPr>
+            <p:cNvPr id="12" name="Object 3"/>
+            <p:cNvPicPr>
+              <a:picLocks noChangeAspect="1"/>
+            </p:cNvPicPr>
+            <p:nvPr/>
+          </p:nvPicPr>
+          <p:blipFill>
+            <a:blip r:embed="rId3" cstate="print"/>
+            <a:stretch>
+              <a:fillRect/>
+            </a:stretch>
+          </p:blipFill>
+          <p:spPr>
+            <a:xfrm>
+              <a:off x="2419543" y="1283810"/>
+              <a:ext cx="13204946" cy="110187"/>
             </a:xfrm>
             <a:prstGeom prst="rect">
               <a:avLst/>
@@ -7220,7 +9271,55 @@
       </p:grpSp>
       <p:pic>
         <p:nvPicPr>
-          <p:cNvPr id="8" name="Object 7"/>
+          <p:cNvPr id="13" name="Object 7"/>
+          <p:cNvPicPr>
+            <a:picLocks noChangeAspect="1"/>
+          </p:cNvPicPr>
+          <p:nvPr/>
+        </p:nvPicPr>
+        <p:blipFill>
+          <a:blip r:embed="rId4" cstate="print"/>
+          <a:stretch>
+            <a:fillRect/>
+          </a:stretch>
+        </p:blipFill>
+        <p:spPr>
+          <a:xfrm>
+            <a:off x="5407731" y="-155878"/>
+            <a:ext cx="8310524" cy="1690731"/>
+          </a:xfrm>
+          <a:prstGeom prst="rect">
+            <a:avLst/>
+          </a:prstGeom>
+        </p:spPr>
+      </p:pic>
+      <p:pic>
+        <p:nvPicPr>
+          <p:cNvPr id="14" name="Object 1"/>
+          <p:cNvPicPr>
+            <a:picLocks noChangeAspect="1"/>
+          </p:cNvPicPr>
+          <p:nvPr/>
+        </p:nvPicPr>
+        <p:blipFill>
+          <a:blip r:embed="rId5" cstate="print"/>
+          <a:stretch>
+            <a:fillRect/>
+          </a:stretch>
+        </p:blipFill>
+        <p:spPr>
+          <a:xfrm>
+            <a:off x="1421593" y="1138098"/>
+            <a:ext cx="460965" cy="478856"/>
+          </a:xfrm>
+          <a:prstGeom prst="rect">
+            <a:avLst/>
+          </a:prstGeom>
+        </p:spPr>
+      </p:pic>
+      <p:pic>
+        <p:nvPicPr>
+          <p:cNvPr id="15" name="Object 2"/>
           <p:cNvPicPr>
             <a:picLocks noChangeAspect="1"/>
           </p:cNvPicPr>
@@ -7234,8 +9333,32 @@
         </p:blipFill>
         <p:spPr>
           <a:xfrm>
-            <a:off x="5407731" y="-155878"/>
-            <a:ext cx="8311277" cy="1701903"/>
+            <a:off x="17493239" y="9561429"/>
+            <a:ext cx="407302" cy="398273"/>
+          </a:xfrm>
+          <a:prstGeom prst="rect">
+            <a:avLst/>
+          </a:prstGeom>
+        </p:spPr>
+      </p:pic>
+      <p:pic>
+        <p:nvPicPr>
+          <p:cNvPr id="16" name="Object 3"/>
+          <p:cNvPicPr>
+            <a:picLocks noChangeAspect="1"/>
+          </p:cNvPicPr>
+          <p:nvPr/>
+        </p:nvPicPr>
+        <p:blipFill>
+          <a:blip r:embed="rId7" cstate="print"/>
+          <a:stretch>
+            <a:fillRect/>
+          </a:stretch>
+        </p:blipFill>
+        <p:spPr>
+          <a:xfrm>
+            <a:off x="510247" y="9561429"/>
+            <a:ext cx="416654" cy="398273"/>
           </a:xfrm>
           <a:prstGeom prst="rect">
             <a:avLst/>
@@ -7247,6 +9370,13 @@
   <p:clrMapOvr>
     <a:masterClrMapping/>
   </p:clrMapOvr>
+  <p:timing>
+    <p:tnLst>
+      <p:par>
+        <p:cTn id="1" dur="indefinite" restart="never" nodeType="tmRoot"/>
+      </p:par>
+    </p:tnLst>
+  </p:timing>
 </p:sld>
 </file>
 
